--- a/slides/Arrays.pptx
+++ b/slides/Arrays.pptx
@@ -2,7 +2,7 @@
 <file path=ppt/presentation.xml><?xml version="1.0" encoding="utf-8"?>
 <p:presentation xmlns:a="http://schemas.openxmlformats.org/drawingml/2006/main" xmlns:r="http://schemas.openxmlformats.org/officeDocument/2006/relationships" xmlns:p="http://schemas.openxmlformats.org/presentationml/2006/main" saveSubsetFonts="1">
   <p:sldMasterIdLst>
-    <p:sldMasterId id="2147483648" r:id="rId1"/>
+    <p:sldMasterId id="2147483660" r:id="rId1"/>
   </p:sldMasterIdLst>
   <p:sldIdLst>
     <p:sldId id="256" r:id="rId2"/>
@@ -25,6 +25,26 @@
     <p:sldId id="273" r:id="rId19"/>
     <p:sldId id="274" r:id="rId20"/>
     <p:sldId id="275" r:id="rId21"/>
+    <p:sldId id="276" r:id="rId22"/>
+    <p:sldId id="277" r:id="rId23"/>
+    <p:sldId id="278" r:id="rId24"/>
+    <p:sldId id="279" r:id="rId25"/>
+    <p:sldId id="280" r:id="rId26"/>
+    <p:sldId id="283" r:id="rId27"/>
+    <p:sldId id="281" r:id="rId28"/>
+    <p:sldId id="282" r:id="rId29"/>
+    <p:sldId id="284" r:id="rId30"/>
+    <p:sldId id="285" r:id="rId31"/>
+    <p:sldId id="286" r:id="rId32"/>
+    <p:sldId id="287" r:id="rId33"/>
+    <p:sldId id="288" r:id="rId34"/>
+    <p:sldId id="289" r:id="rId35"/>
+    <p:sldId id="290" r:id="rId36"/>
+    <p:sldId id="291" r:id="rId37"/>
+    <p:sldId id="292" r:id="rId38"/>
+    <p:sldId id="293" r:id="rId39"/>
+    <p:sldId id="294" r:id="rId40"/>
+    <p:sldId id="295" r:id="rId41"/>
   </p:sldIdLst>
   <p:sldSz cx="12192000" cy="6858000"/>
   <p:notesSz cx="6858000" cy="9144000"/>
@@ -32,7 +52,7 @@
     <a:defPPr>
       <a:defRPr lang="en-US"/>
     </a:defPPr>
-    <a:lvl1pPr marL="0" algn="l" defTabSz="914400" rtl="0" eaLnBrk="1" latinLnBrk="0" hangingPunct="1">
+    <a:lvl1pPr marL="0" algn="l" defTabSz="457200" rtl="0" eaLnBrk="1" latinLnBrk="0" hangingPunct="1">
       <a:defRPr sz="1800" kern="1200">
         <a:solidFill>
           <a:schemeClr val="tx1"/>
@@ -42,7 +62,7 @@
         <a:cs typeface="+mn-cs"/>
       </a:defRPr>
     </a:lvl1pPr>
-    <a:lvl2pPr marL="457200" algn="l" defTabSz="914400" rtl="0" eaLnBrk="1" latinLnBrk="0" hangingPunct="1">
+    <a:lvl2pPr marL="457200" algn="l" defTabSz="457200" rtl="0" eaLnBrk="1" latinLnBrk="0" hangingPunct="1">
       <a:defRPr sz="1800" kern="1200">
         <a:solidFill>
           <a:schemeClr val="tx1"/>
@@ -52,7 +72,7 @@
         <a:cs typeface="+mn-cs"/>
       </a:defRPr>
     </a:lvl2pPr>
-    <a:lvl3pPr marL="914400" algn="l" defTabSz="914400" rtl="0" eaLnBrk="1" latinLnBrk="0" hangingPunct="1">
+    <a:lvl3pPr marL="914400" algn="l" defTabSz="457200" rtl="0" eaLnBrk="1" latinLnBrk="0" hangingPunct="1">
       <a:defRPr sz="1800" kern="1200">
         <a:solidFill>
           <a:schemeClr val="tx1"/>
@@ -62,7 +82,7 @@
         <a:cs typeface="+mn-cs"/>
       </a:defRPr>
     </a:lvl3pPr>
-    <a:lvl4pPr marL="1371600" algn="l" defTabSz="914400" rtl="0" eaLnBrk="1" latinLnBrk="0" hangingPunct="1">
+    <a:lvl4pPr marL="1371600" algn="l" defTabSz="457200" rtl="0" eaLnBrk="1" latinLnBrk="0" hangingPunct="1">
       <a:defRPr sz="1800" kern="1200">
         <a:solidFill>
           <a:schemeClr val="tx1"/>
@@ -72,7 +92,7 @@
         <a:cs typeface="+mn-cs"/>
       </a:defRPr>
     </a:lvl4pPr>
-    <a:lvl5pPr marL="1828800" algn="l" defTabSz="914400" rtl="0" eaLnBrk="1" latinLnBrk="0" hangingPunct="1">
+    <a:lvl5pPr marL="1828800" algn="l" defTabSz="457200" rtl="0" eaLnBrk="1" latinLnBrk="0" hangingPunct="1">
       <a:defRPr sz="1800" kern="1200">
         <a:solidFill>
           <a:schemeClr val="tx1"/>
@@ -82,7 +102,7 @@
         <a:cs typeface="+mn-cs"/>
       </a:defRPr>
     </a:lvl5pPr>
-    <a:lvl6pPr marL="2286000" algn="l" defTabSz="914400" rtl="0" eaLnBrk="1" latinLnBrk="0" hangingPunct="1">
+    <a:lvl6pPr marL="2286000" algn="l" defTabSz="457200" rtl="0" eaLnBrk="1" latinLnBrk="0" hangingPunct="1">
       <a:defRPr sz="1800" kern="1200">
         <a:solidFill>
           <a:schemeClr val="tx1"/>
@@ -92,7 +112,7 @@
         <a:cs typeface="+mn-cs"/>
       </a:defRPr>
     </a:lvl6pPr>
-    <a:lvl7pPr marL="2743200" algn="l" defTabSz="914400" rtl="0" eaLnBrk="1" latinLnBrk="0" hangingPunct="1">
+    <a:lvl7pPr marL="2743200" algn="l" defTabSz="457200" rtl="0" eaLnBrk="1" latinLnBrk="0" hangingPunct="1">
       <a:defRPr sz="1800" kern="1200">
         <a:solidFill>
           <a:schemeClr val="tx1"/>
@@ -102,7 +122,7 @@
         <a:cs typeface="+mn-cs"/>
       </a:defRPr>
     </a:lvl7pPr>
-    <a:lvl8pPr marL="3200400" algn="l" defTabSz="914400" rtl="0" eaLnBrk="1" latinLnBrk="0" hangingPunct="1">
+    <a:lvl8pPr marL="3200400" algn="l" defTabSz="457200" rtl="0" eaLnBrk="1" latinLnBrk="0" hangingPunct="1">
       <a:defRPr sz="1800" kern="1200">
         <a:solidFill>
           <a:schemeClr val="tx1"/>
@@ -112,7 +132,7 @@
         <a:cs typeface="+mn-cs"/>
       </a:defRPr>
     </a:lvl8pPr>
-    <a:lvl9pPr marL="3657600" algn="l" defTabSz="914400" rtl="0" eaLnBrk="1" latinLnBrk="0" hangingPunct="1">
+    <a:lvl9pPr marL="3657600" algn="l" defTabSz="457200" rtl="0" eaLnBrk="1" latinLnBrk="0" hangingPunct="1">
       <a:defRPr sz="1800" kern="1200">
         <a:solidFill>
           <a:schemeClr val="tx1"/>
@@ -150,13 +170,7 @@
       </p:grpSpPr>
       <p:sp>
         <p:nvSpPr>
-          <p:cNvPr id="2" name="Title 1">
-            <a:extLst>
-              <a:ext uri="{FF2B5EF4-FFF2-40B4-BE49-F238E27FC236}">
-                <a16:creationId xmlns:a16="http://schemas.microsoft.com/office/drawing/2014/main" id="{7B6C94ED-1645-40D3-AB53-ED562FDDD7A7}"/>
-              </a:ext>
-            </a:extLst>
-          </p:cNvPr>
+          <p:cNvPr id="2" name="Title 1"/>
           <p:cNvSpPr>
             <a:spLocks noGrp="1"/>
           </p:cNvSpPr>
@@ -166,15 +180,17 @@
         </p:nvSpPr>
         <p:spPr>
           <a:xfrm>
-            <a:off x="1524000" y="1122363"/>
-            <a:ext cx="9144000" cy="2387600"/>
+            <a:off x="2417779" y="802298"/>
+            <a:ext cx="8637073" cy="2541431"/>
           </a:xfrm>
         </p:spPr>
         <p:txBody>
-          <a:bodyPr anchor="b"/>
+          <a:bodyPr bIns="0" anchor="b">
+            <a:normAutofit/>
+          </a:bodyPr>
           <a:lstStyle>
-            <a:lvl1pPr algn="ctr">
-              <a:defRPr sz="6000"/>
+            <a:lvl1pPr algn="l">
+              <a:defRPr sz="6600"/>
             </a:lvl1pPr>
           </a:lstStyle>
           <a:p>
@@ -182,18 +198,13 @@
               <a:rPr lang="en-US"/>
               <a:t>Click to edit Master title style</a:t>
             </a:r>
-          </a:p>
-        </p:txBody>
-      </p:sp>
-      <p:sp>
-        <p:nvSpPr>
-          <p:cNvPr id="3" name="Subtitle 2">
-            <a:extLst>
-              <a:ext uri="{FF2B5EF4-FFF2-40B4-BE49-F238E27FC236}">
-                <a16:creationId xmlns:a16="http://schemas.microsoft.com/office/drawing/2014/main" id="{0FF05AFB-58C2-422F-A124-34414D18FCBB}"/>
-              </a:ext>
-            </a:extLst>
-          </p:cNvPr>
+            <a:endParaRPr lang="en-US" dirty="0"/>
+          </a:p>
+        </p:txBody>
+      </p:sp>
+      <p:sp>
+        <p:nvSpPr>
+          <p:cNvPr id="3" name="Subtitle 2"/>
           <p:cNvSpPr>
             <a:spLocks noGrp="1"/>
           </p:cNvSpPr>
@@ -203,20 +214,26 @@
         </p:nvSpPr>
         <p:spPr>
           <a:xfrm>
-            <a:off x="1524000" y="3602038"/>
-            <a:ext cx="9144000" cy="1655762"/>
+            <a:off x="2417780" y="3531204"/>
+            <a:ext cx="8637072" cy="977621"/>
           </a:xfrm>
         </p:spPr>
         <p:txBody>
-          <a:bodyPr/>
+          <a:bodyPr tIns="91440" bIns="91440">
+            <a:normAutofit/>
+          </a:bodyPr>
           <a:lstStyle>
-            <a:lvl1pPr marL="0" indent="0" algn="ctr">
+            <a:lvl1pPr marL="0" indent="0" algn="l">
               <a:buNone/>
-              <a:defRPr sz="2400"/>
+              <a:defRPr sz="1800" b="0" cap="all" baseline="0">
+                <a:solidFill>
+                  <a:schemeClr val="tx1"/>
+                </a:solidFill>
+              </a:defRPr>
             </a:lvl1pPr>
             <a:lvl2pPr marL="457200" indent="0" algn="ctr">
               <a:buNone/>
-              <a:defRPr sz="2000"/>
+              <a:defRPr sz="1800"/>
             </a:lvl2pPr>
             <a:lvl3pPr marL="914400" indent="0" algn="ctr">
               <a:buNone/>
@@ -252,18 +269,13 @@
               <a:rPr lang="en-US"/>
               <a:t>Click to edit Master subtitle style</a:t>
             </a:r>
-          </a:p>
-        </p:txBody>
-      </p:sp>
-      <p:sp>
-        <p:nvSpPr>
-          <p:cNvPr id="4" name="Date Placeholder 3">
-            <a:extLst>
-              <a:ext uri="{FF2B5EF4-FFF2-40B4-BE49-F238E27FC236}">
-                <a16:creationId xmlns:a16="http://schemas.microsoft.com/office/drawing/2014/main" id="{1C140E4B-FC42-4477-A3A0-7DB5D8968488}"/>
-              </a:ext>
-            </a:extLst>
-          </p:cNvPr>
+            <a:endParaRPr lang="en-US" dirty="0"/>
+          </a:p>
+        </p:txBody>
+      </p:sp>
+      <p:sp>
+        <p:nvSpPr>
+          <p:cNvPr id="4" name="Date Placeholder 3"/>
           <p:cNvSpPr>
             <a:spLocks noGrp="1"/>
           </p:cNvSpPr>
@@ -278,7 +290,7 @@
           <a:p>
             <a:fld id="{A28F3DAD-FDE4-4B63-8F60-730F5BA11A21}" type="datetimeFigureOut">
               <a:rPr lang="en-US" smtClean="0"/>
-              <a:t>4/10/2023</a:t>
+              <a:t>4/12/2023</a:t>
             </a:fld>
             <a:endParaRPr lang="en-US"/>
           </a:p>
@@ -286,13 +298,7 @@
       </p:sp>
       <p:sp>
         <p:nvSpPr>
-          <p:cNvPr id="5" name="Footer Placeholder 4">
-            <a:extLst>
-              <a:ext uri="{FF2B5EF4-FFF2-40B4-BE49-F238E27FC236}">
-                <a16:creationId xmlns:a16="http://schemas.microsoft.com/office/drawing/2014/main" id="{17BB4D00-01C4-4928-A294-23A07544046E}"/>
-              </a:ext>
-            </a:extLst>
-          </p:cNvPr>
+          <p:cNvPr id="5" name="Footer Placeholder 4"/>
           <p:cNvSpPr>
             <a:spLocks noGrp="1"/>
           </p:cNvSpPr>
@@ -300,7 +306,12 @@
             <p:ph type="ftr" sz="quarter" idx="11"/>
           </p:nvPr>
         </p:nvSpPr>
-        <p:spPr/>
+        <p:spPr>
+          <a:xfrm>
+            <a:off x="2416500" y="329307"/>
+            <a:ext cx="4973915" cy="309201"/>
+          </a:xfrm>
+        </p:spPr>
         <p:txBody>
           <a:bodyPr/>
           <a:lstStyle/>
@@ -311,13 +322,7 @@
       </p:sp>
       <p:sp>
         <p:nvSpPr>
-          <p:cNvPr id="6" name="Slide Number Placeholder 5">
-            <a:extLst>
-              <a:ext uri="{FF2B5EF4-FFF2-40B4-BE49-F238E27FC236}">
-                <a16:creationId xmlns:a16="http://schemas.microsoft.com/office/drawing/2014/main" id="{2D3A8FC5-43CD-4D6D-BF37-C952910BAFEA}"/>
-              </a:ext>
-            </a:extLst>
-          </p:cNvPr>
+          <p:cNvPr id="6" name="Slide Number Placeholder 5"/>
           <p:cNvSpPr>
             <a:spLocks noGrp="1"/>
           </p:cNvSpPr>
@@ -325,7 +330,12 @@
             <p:ph type="sldNum" sz="quarter" idx="12"/>
           </p:nvPr>
         </p:nvSpPr>
-        <p:spPr/>
+        <p:spPr>
+          <a:xfrm>
+            <a:off x="1437664" y="798973"/>
+            <a:ext cx="811019" cy="503578"/>
+          </a:xfrm>
+        </p:spPr>
         <p:txBody>
           <a:bodyPr/>
           <a:lstStyle/>
@@ -338,10 +348,41 @@
           </a:p>
         </p:txBody>
       </p:sp>
+      <p:cxnSp>
+        <p:nvCxnSpPr>
+          <p:cNvPr id="15" name="Straight Connector 14"/>
+          <p:cNvCxnSpPr/>
+          <p:nvPr/>
+        </p:nvCxnSpPr>
+        <p:spPr>
+          <a:xfrm>
+            <a:off x="2417780" y="3528542"/>
+            <a:ext cx="8637072" cy="0"/>
+          </a:xfrm>
+          <a:prstGeom prst="line">
+            <a:avLst/>
+          </a:prstGeom>
+          <a:ln w="31750"/>
+        </p:spPr>
+        <p:style>
+          <a:lnRef idx="3">
+            <a:schemeClr val="accent1"/>
+          </a:lnRef>
+          <a:fillRef idx="0">
+            <a:schemeClr val="accent1"/>
+          </a:fillRef>
+          <a:effectRef idx="2">
+            <a:schemeClr val="accent1"/>
+          </a:effectRef>
+          <a:fontRef idx="minor">
+            <a:schemeClr val="tx1"/>
+          </a:fontRef>
+        </p:style>
+      </p:cxnSp>
     </p:spTree>
     <p:extLst>
       <p:ext uri="{BB962C8B-B14F-4D97-AF65-F5344CB8AC3E}">
-        <p14:creationId xmlns:p14="http://schemas.microsoft.com/office/powerpoint/2010/main" val="887225987"/>
+        <p14:creationId xmlns:p14="http://schemas.microsoft.com/office/powerpoint/2010/main" val="1555606569"/>
       </p:ext>
     </p:extLst>
   </p:cSld>
@@ -370,13 +411,7 @@
       </p:grpSpPr>
       <p:sp>
         <p:nvSpPr>
-          <p:cNvPr id="2" name="Title 1">
-            <a:extLst>
-              <a:ext uri="{FF2B5EF4-FFF2-40B4-BE49-F238E27FC236}">
-                <a16:creationId xmlns:a16="http://schemas.microsoft.com/office/drawing/2014/main" id="{DA4AD42B-2ADA-4500-ADB0-0C3BC54662F1}"/>
-              </a:ext>
-            </a:extLst>
-          </p:cNvPr>
+          <p:cNvPr id="2" name="Title 1"/>
           <p:cNvSpPr>
             <a:spLocks noGrp="1"/>
           </p:cNvSpPr>
@@ -393,18 +428,13 @@
               <a:rPr lang="en-US"/>
               <a:t>Click to edit Master title style</a:t>
             </a:r>
-          </a:p>
-        </p:txBody>
-      </p:sp>
-      <p:sp>
-        <p:nvSpPr>
-          <p:cNvPr id="3" name="Vertical Text Placeholder 2">
-            <a:extLst>
-              <a:ext uri="{FF2B5EF4-FFF2-40B4-BE49-F238E27FC236}">
-                <a16:creationId xmlns:a16="http://schemas.microsoft.com/office/drawing/2014/main" id="{9F6B4FE2-0E49-4416-A170-84DB25104211}"/>
-              </a:ext>
-            </a:extLst>
-          </p:cNvPr>
+            <a:endParaRPr lang="en-US" dirty="0"/>
+          </a:p>
+        </p:txBody>
+      </p:sp>
+      <p:sp>
+        <p:nvSpPr>
+          <p:cNvPr id="3" name="Vertical Text Placeholder 2"/>
           <p:cNvSpPr>
             <a:spLocks noGrp="1"/>
           </p:cNvSpPr>
@@ -450,18 +480,13 @@
               <a:rPr lang="en-US"/>
               <a:t>Fifth level</a:t>
             </a:r>
-          </a:p>
-        </p:txBody>
-      </p:sp>
-      <p:sp>
-        <p:nvSpPr>
-          <p:cNvPr id="4" name="Date Placeholder 3">
-            <a:extLst>
-              <a:ext uri="{FF2B5EF4-FFF2-40B4-BE49-F238E27FC236}">
-                <a16:creationId xmlns:a16="http://schemas.microsoft.com/office/drawing/2014/main" id="{88DF589C-199B-421F-96EB-B8BD2899869E}"/>
-              </a:ext>
-            </a:extLst>
-          </p:cNvPr>
+            <a:endParaRPr lang="en-US" dirty="0"/>
+          </a:p>
+        </p:txBody>
+      </p:sp>
+      <p:sp>
+        <p:nvSpPr>
+          <p:cNvPr id="4" name="Date Placeholder 3"/>
           <p:cNvSpPr>
             <a:spLocks noGrp="1"/>
           </p:cNvSpPr>
@@ -476,7 +501,7 @@
           <a:p>
             <a:fld id="{A28F3DAD-FDE4-4B63-8F60-730F5BA11A21}" type="datetimeFigureOut">
               <a:rPr lang="en-US" smtClean="0"/>
-              <a:t>4/10/2023</a:t>
+              <a:t>4/12/2023</a:t>
             </a:fld>
             <a:endParaRPr lang="en-US"/>
           </a:p>
@@ -484,13 +509,7 @@
       </p:sp>
       <p:sp>
         <p:nvSpPr>
-          <p:cNvPr id="5" name="Footer Placeholder 4">
-            <a:extLst>
-              <a:ext uri="{FF2B5EF4-FFF2-40B4-BE49-F238E27FC236}">
-                <a16:creationId xmlns:a16="http://schemas.microsoft.com/office/drawing/2014/main" id="{7E67ED5B-EC7C-45DC-A5B2-E21D2D9274EE}"/>
-              </a:ext>
-            </a:extLst>
-          </p:cNvPr>
+          <p:cNvPr id="5" name="Footer Placeholder 4"/>
           <p:cNvSpPr>
             <a:spLocks noGrp="1"/>
           </p:cNvSpPr>
@@ -509,13 +528,7 @@
       </p:sp>
       <p:sp>
         <p:nvSpPr>
-          <p:cNvPr id="6" name="Slide Number Placeholder 5">
-            <a:extLst>
-              <a:ext uri="{FF2B5EF4-FFF2-40B4-BE49-F238E27FC236}">
-                <a16:creationId xmlns:a16="http://schemas.microsoft.com/office/drawing/2014/main" id="{2482285E-2B4C-47B8-ACE9-B0A31476ED88}"/>
-              </a:ext>
-            </a:extLst>
-          </p:cNvPr>
+          <p:cNvPr id="6" name="Slide Number Placeholder 5"/>
           <p:cNvSpPr>
             <a:spLocks noGrp="1"/>
           </p:cNvSpPr>
@@ -536,10 +549,41 @@
           </a:p>
         </p:txBody>
       </p:sp>
+      <p:cxnSp>
+        <p:nvCxnSpPr>
+          <p:cNvPr id="26" name="Straight Connector 25"/>
+          <p:cNvCxnSpPr/>
+          <p:nvPr/>
+        </p:nvCxnSpPr>
+        <p:spPr>
+          <a:xfrm>
+            <a:off x="1453896" y="1847088"/>
+            <a:ext cx="9607522" cy="0"/>
+          </a:xfrm>
+          <a:prstGeom prst="line">
+            <a:avLst/>
+          </a:prstGeom>
+          <a:ln w="31750"/>
+        </p:spPr>
+        <p:style>
+          <a:lnRef idx="3">
+            <a:schemeClr val="accent1"/>
+          </a:lnRef>
+          <a:fillRef idx="0">
+            <a:schemeClr val="accent1"/>
+          </a:fillRef>
+          <a:effectRef idx="2">
+            <a:schemeClr val="accent1"/>
+          </a:effectRef>
+          <a:fontRef idx="minor">
+            <a:schemeClr val="tx1"/>
+          </a:fontRef>
+        </p:style>
+      </p:cxnSp>
     </p:spTree>
     <p:extLst>
       <p:ext uri="{BB962C8B-B14F-4D97-AF65-F5344CB8AC3E}">
-        <p14:creationId xmlns:p14="http://schemas.microsoft.com/office/powerpoint/2010/main" val="177219253"/>
+        <p14:creationId xmlns:p14="http://schemas.microsoft.com/office/powerpoint/2010/main" val="2400615081"/>
       </p:ext>
     </p:extLst>
   </p:cSld>
@@ -568,13 +612,7 @@
       </p:grpSpPr>
       <p:sp>
         <p:nvSpPr>
-          <p:cNvPr id="2" name="Vertical Title 1">
-            <a:extLst>
-              <a:ext uri="{FF2B5EF4-FFF2-40B4-BE49-F238E27FC236}">
-                <a16:creationId xmlns:a16="http://schemas.microsoft.com/office/drawing/2014/main" id="{A36CC56C-89F2-4840-8881-F9CB57C098EF}"/>
-              </a:ext>
-            </a:extLst>
-          </p:cNvPr>
+          <p:cNvPr id="2" name="Vertical Title 1"/>
           <p:cNvSpPr>
             <a:spLocks noGrp="1"/>
           </p:cNvSpPr>
@@ -584,30 +622,29 @@
         </p:nvSpPr>
         <p:spPr>
           <a:xfrm>
-            <a:off x="8724900" y="365125"/>
-            <a:ext cx="2628900" cy="5811838"/>
+            <a:off x="9439111" y="798973"/>
+            <a:ext cx="1615742" cy="4659889"/>
           </a:xfrm>
         </p:spPr>
         <p:txBody>
           <a:bodyPr vert="eaVert"/>
-          <a:lstStyle/>
+          <a:lstStyle>
+            <a:lvl1pPr algn="l">
+              <a:defRPr/>
+            </a:lvl1pPr>
+          </a:lstStyle>
           <a:p>
             <a:r>
               <a:rPr lang="en-US"/>
               <a:t>Click to edit Master title style</a:t>
             </a:r>
-          </a:p>
-        </p:txBody>
-      </p:sp>
-      <p:sp>
-        <p:nvSpPr>
-          <p:cNvPr id="3" name="Vertical Text Placeholder 2">
-            <a:extLst>
-              <a:ext uri="{FF2B5EF4-FFF2-40B4-BE49-F238E27FC236}">
-                <a16:creationId xmlns:a16="http://schemas.microsoft.com/office/drawing/2014/main" id="{6B400C30-7989-486E-8167-212C1986A553}"/>
-              </a:ext>
-            </a:extLst>
-          </p:cNvPr>
+            <a:endParaRPr lang="en-US" dirty="0"/>
+          </a:p>
+        </p:txBody>
+      </p:sp>
+      <p:sp>
+        <p:nvSpPr>
+          <p:cNvPr id="3" name="Vertical Text Placeholder 2"/>
           <p:cNvSpPr>
             <a:spLocks noGrp="1"/>
           </p:cNvSpPr>
@@ -617,8 +654,8 @@
         </p:nvSpPr>
         <p:spPr>
           <a:xfrm>
-            <a:off x="838200" y="365125"/>
-            <a:ext cx="7734300" cy="5811838"/>
+            <a:off x="1444672" y="798973"/>
+            <a:ext cx="7828830" cy="4659889"/>
           </a:xfrm>
         </p:spPr>
         <p:txBody>
@@ -658,18 +695,13 @@
               <a:rPr lang="en-US"/>
               <a:t>Fifth level</a:t>
             </a:r>
-          </a:p>
-        </p:txBody>
-      </p:sp>
-      <p:sp>
-        <p:nvSpPr>
-          <p:cNvPr id="4" name="Date Placeholder 3">
-            <a:extLst>
-              <a:ext uri="{FF2B5EF4-FFF2-40B4-BE49-F238E27FC236}">
-                <a16:creationId xmlns:a16="http://schemas.microsoft.com/office/drawing/2014/main" id="{99388BAE-84FB-43D7-B2DA-8E176F40BB83}"/>
-              </a:ext>
-            </a:extLst>
-          </p:cNvPr>
+            <a:endParaRPr lang="en-US" dirty="0"/>
+          </a:p>
+        </p:txBody>
+      </p:sp>
+      <p:sp>
+        <p:nvSpPr>
+          <p:cNvPr id="4" name="Date Placeholder 3"/>
           <p:cNvSpPr>
             <a:spLocks noGrp="1"/>
           </p:cNvSpPr>
@@ -684,7 +716,7 @@
           <a:p>
             <a:fld id="{A28F3DAD-FDE4-4B63-8F60-730F5BA11A21}" type="datetimeFigureOut">
               <a:rPr lang="en-US" smtClean="0"/>
-              <a:t>4/10/2023</a:t>
+              <a:t>4/12/2023</a:t>
             </a:fld>
             <a:endParaRPr lang="en-US"/>
           </a:p>
@@ -692,13 +724,7 @@
       </p:sp>
       <p:sp>
         <p:nvSpPr>
-          <p:cNvPr id="5" name="Footer Placeholder 4">
-            <a:extLst>
-              <a:ext uri="{FF2B5EF4-FFF2-40B4-BE49-F238E27FC236}">
-                <a16:creationId xmlns:a16="http://schemas.microsoft.com/office/drawing/2014/main" id="{44AF60FE-82D6-4AF5-AC47-3128BF2C710F}"/>
-              </a:ext>
-            </a:extLst>
-          </p:cNvPr>
+          <p:cNvPr id="5" name="Footer Placeholder 4"/>
           <p:cNvSpPr>
             <a:spLocks noGrp="1"/>
           </p:cNvSpPr>
@@ -717,13 +743,7 @@
       </p:sp>
       <p:sp>
         <p:nvSpPr>
-          <p:cNvPr id="6" name="Slide Number Placeholder 5">
-            <a:extLst>
-              <a:ext uri="{FF2B5EF4-FFF2-40B4-BE49-F238E27FC236}">
-                <a16:creationId xmlns:a16="http://schemas.microsoft.com/office/drawing/2014/main" id="{F5087F68-0230-41D2-A0D5-92C0C469F728}"/>
-              </a:ext>
-            </a:extLst>
-          </p:cNvPr>
+          <p:cNvPr id="6" name="Slide Number Placeholder 5"/>
           <p:cNvSpPr>
             <a:spLocks noGrp="1"/>
           </p:cNvSpPr>
@@ -744,10 +764,41 @@
           </a:p>
         </p:txBody>
       </p:sp>
+      <p:cxnSp>
+        <p:nvCxnSpPr>
+          <p:cNvPr id="15" name="Straight Connector 14"/>
+          <p:cNvCxnSpPr/>
+          <p:nvPr/>
+        </p:nvCxnSpPr>
+        <p:spPr>
+          <a:xfrm>
+            <a:off x="9439111" y="798973"/>
+            <a:ext cx="0" cy="4659889"/>
+          </a:xfrm>
+          <a:prstGeom prst="line">
+            <a:avLst/>
+          </a:prstGeom>
+          <a:ln w="31750"/>
+        </p:spPr>
+        <p:style>
+          <a:lnRef idx="3">
+            <a:schemeClr val="accent1"/>
+          </a:lnRef>
+          <a:fillRef idx="0">
+            <a:schemeClr val="accent1"/>
+          </a:fillRef>
+          <a:effectRef idx="2">
+            <a:schemeClr val="accent1"/>
+          </a:effectRef>
+          <a:fontRef idx="minor">
+            <a:schemeClr val="tx1"/>
+          </a:fontRef>
+        </p:style>
+      </p:cxnSp>
     </p:spTree>
     <p:extLst>
       <p:ext uri="{BB962C8B-B14F-4D97-AF65-F5344CB8AC3E}">
-        <p14:creationId xmlns:p14="http://schemas.microsoft.com/office/powerpoint/2010/main" val="3637481809"/>
+        <p14:creationId xmlns:p14="http://schemas.microsoft.com/office/powerpoint/2010/main" val="2458361060"/>
       </p:ext>
     </p:extLst>
   </p:cSld>
@@ -776,13 +827,7 @@
       </p:grpSpPr>
       <p:sp>
         <p:nvSpPr>
-          <p:cNvPr id="2" name="Title 1">
-            <a:extLst>
-              <a:ext uri="{FF2B5EF4-FFF2-40B4-BE49-F238E27FC236}">
-                <a16:creationId xmlns:a16="http://schemas.microsoft.com/office/drawing/2014/main" id="{8D0401CC-180D-4AAB-B932-8C9015A0BFCB}"/>
-              </a:ext>
-            </a:extLst>
-          </p:cNvPr>
+          <p:cNvPr id="2" name="Title 1"/>
           <p:cNvSpPr>
             <a:spLocks noGrp="1"/>
           </p:cNvSpPr>
@@ -799,18 +844,13 @@
               <a:rPr lang="en-US"/>
               <a:t>Click to edit Master title style</a:t>
             </a:r>
-          </a:p>
-        </p:txBody>
-      </p:sp>
-      <p:sp>
-        <p:nvSpPr>
-          <p:cNvPr id="3" name="Content Placeholder 2">
-            <a:extLst>
-              <a:ext uri="{FF2B5EF4-FFF2-40B4-BE49-F238E27FC236}">
-                <a16:creationId xmlns:a16="http://schemas.microsoft.com/office/drawing/2014/main" id="{7E8181B0-97EF-45CE-89E1-0474BAF2497E}"/>
-              </a:ext>
-            </a:extLst>
-          </p:cNvPr>
+            <a:endParaRPr lang="en-US" dirty="0"/>
+          </a:p>
+        </p:txBody>
+      </p:sp>
+      <p:sp>
+        <p:nvSpPr>
+          <p:cNvPr id="3" name="Content Placeholder 2"/>
           <p:cNvSpPr>
             <a:spLocks noGrp="1"/>
           </p:cNvSpPr>
@@ -820,7 +860,7 @@
         </p:nvSpPr>
         <p:spPr/>
         <p:txBody>
-          <a:bodyPr/>
+          <a:bodyPr anchor="t"/>
           <a:lstStyle/>
           <a:p>
             <a:pPr lvl="0"/>
@@ -856,18 +896,13 @@
               <a:rPr lang="en-US"/>
               <a:t>Fifth level</a:t>
             </a:r>
-          </a:p>
-        </p:txBody>
-      </p:sp>
-      <p:sp>
-        <p:nvSpPr>
-          <p:cNvPr id="4" name="Date Placeholder 3">
-            <a:extLst>
-              <a:ext uri="{FF2B5EF4-FFF2-40B4-BE49-F238E27FC236}">
-                <a16:creationId xmlns:a16="http://schemas.microsoft.com/office/drawing/2014/main" id="{B8A05FE1-328E-48FF-AC19-4984EFFB55C5}"/>
-              </a:ext>
-            </a:extLst>
-          </p:cNvPr>
+            <a:endParaRPr lang="en-US" dirty="0"/>
+          </a:p>
+        </p:txBody>
+      </p:sp>
+      <p:sp>
+        <p:nvSpPr>
+          <p:cNvPr id="4" name="Date Placeholder 3"/>
           <p:cNvSpPr>
             <a:spLocks noGrp="1"/>
           </p:cNvSpPr>
@@ -882,7 +917,7 @@
           <a:p>
             <a:fld id="{A28F3DAD-FDE4-4B63-8F60-730F5BA11A21}" type="datetimeFigureOut">
               <a:rPr lang="en-US" smtClean="0"/>
-              <a:t>4/10/2023</a:t>
+              <a:t>4/12/2023</a:t>
             </a:fld>
             <a:endParaRPr lang="en-US"/>
           </a:p>
@@ -890,13 +925,7 @@
       </p:sp>
       <p:sp>
         <p:nvSpPr>
-          <p:cNvPr id="5" name="Footer Placeholder 4">
-            <a:extLst>
-              <a:ext uri="{FF2B5EF4-FFF2-40B4-BE49-F238E27FC236}">
-                <a16:creationId xmlns:a16="http://schemas.microsoft.com/office/drawing/2014/main" id="{BDB236E8-A79A-407F-A078-52961A48C9AD}"/>
-              </a:ext>
-            </a:extLst>
-          </p:cNvPr>
+          <p:cNvPr id="5" name="Footer Placeholder 4"/>
           <p:cNvSpPr>
             <a:spLocks noGrp="1"/>
           </p:cNvSpPr>
@@ -915,13 +944,7 @@
       </p:sp>
       <p:sp>
         <p:nvSpPr>
-          <p:cNvPr id="6" name="Slide Number Placeholder 5">
-            <a:extLst>
-              <a:ext uri="{FF2B5EF4-FFF2-40B4-BE49-F238E27FC236}">
-                <a16:creationId xmlns:a16="http://schemas.microsoft.com/office/drawing/2014/main" id="{60F932A5-4D06-4154-B41A-4975201690D2}"/>
-              </a:ext>
-            </a:extLst>
-          </p:cNvPr>
+          <p:cNvPr id="6" name="Slide Number Placeholder 5"/>
           <p:cNvSpPr>
             <a:spLocks noGrp="1"/>
           </p:cNvSpPr>
@@ -942,10 +965,41 @@
           </a:p>
         </p:txBody>
       </p:sp>
+      <p:cxnSp>
+        <p:nvCxnSpPr>
+          <p:cNvPr id="33" name="Straight Connector 32"/>
+          <p:cNvCxnSpPr/>
+          <p:nvPr/>
+        </p:nvCxnSpPr>
+        <p:spPr>
+          <a:xfrm>
+            <a:off x="1453896" y="1847088"/>
+            <a:ext cx="9607522" cy="0"/>
+          </a:xfrm>
+          <a:prstGeom prst="line">
+            <a:avLst/>
+          </a:prstGeom>
+          <a:ln w="31750"/>
+        </p:spPr>
+        <p:style>
+          <a:lnRef idx="3">
+            <a:schemeClr val="accent1"/>
+          </a:lnRef>
+          <a:fillRef idx="0">
+            <a:schemeClr val="accent1"/>
+          </a:fillRef>
+          <a:effectRef idx="2">
+            <a:schemeClr val="accent1"/>
+          </a:effectRef>
+          <a:fontRef idx="minor">
+            <a:schemeClr val="tx1"/>
+          </a:fontRef>
+        </p:style>
+      </p:cxnSp>
     </p:spTree>
     <p:extLst>
       <p:ext uri="{BB962C8B-B14F-4D97-AF65-F5344CB8AC3E}">
-        <p14:creationId xmlns:p14="http://schemas.microsoft.com/office/powerpoint/2010/main" val="3364847205"/>
+        <p14:creationId xmlns:p14="http://schemas.microsoft.com/office/powerpoint/2010/main" val="1098155693"/>
       </p:ext>
     </p:extLst>
   </p:cSld>
@@ -974,13 +1028,7 @@
       </p:grpSpPr>
       <p:sp>
         <p:nvSpPr>
-          <p:cNvPr id="2" name="Title 1">
-            <a:extLst>
-              <a:ext uri="{FF2B5EF4-FFF2-40B4-BE49-F238E27FC236}">
-                <a16:creationId xmlns:a16="http://schemas.microsoft.com/office/drawing/2014/main" id="{751F43C4-8D58-4479-B76D-0F9955F221DA}"/>
-              </a:ext>
-            </a:extLst>
-          </p:cNvPr>
+          <p:cNvPr id="2" name="Title 1"/>
           <p:cNvSpPr>
             <a:spLocks noGrp="1"/>
           </p:cNvSpPr>
@@ -990,15 +1038,17 @@
         </p:nvSpPr>
         <p:spPr>
           <a:xfrm>
-            <a:off x="831850" y="1709738"/>
-            <a:ext cx="10515600" cy="2852737"/>
+            <a:off x="1454239" y="1756130"/>
+            <a:ext cx="8643154" cy="1887950"/>
           </a:xfrm>
         </p:spPr>
         <p:txBody>
-          <a:bodyPr anchor="b"/>
+          <a:bodyPr anchor="b">
+            <a:normAutofit/>
+          </a:bodyPr>
           <a:lstStyle>
-            <a:lvl1pPr>
-              <a:defRPr sz="6000"/>
+            <a:lvl1pPr algn="l">
+              <a:defRPr sz="3600"/>
             </a:lvl1pPr>
           </a:lstStyle>
           <a:p>
@@ -1006,18 +1056,13 @@
               <a:rPr lang="en-US"/>
               <a:t>Click to edit Master title style</a:t>
             </a:r>
-          </a:p>
-        </p:txBody>
-      </p:sp>
-      <p:sp>
-        <p:nvSpPr>
-          <p:cNvPr id="3" name="Text Placeholder 2">
-            <a:extLst>
-              <a:ext uri="{FF2B5EF4-FFF2-40B4-BE49-F238E27FC236}">
-                <a16:creationId xmlns:a16="http://schemas.microsoft.com/office/drawing/2014/main" id="{9AD8B144-49D0-440E-9BAB-B1429A413089}"/>
-              </a:ext>
-            </a:extLst>
-          </p:cNvPr>
+            <a:endParaRPr lang="en-US" dirty="0"/>
+          </a:p>
+        </p:txBody>
+      </p:sp>
+      <p:sp>
+        <p:nvSpPr>
+          <p:cNvPr id="3" name="Text Placeholder 2"/>
           <p:cNvSpPr>
             <a:spLocks noGrp="1"/>
           </p:cNvSpPr>
@@ -1027,26 +1072,26 @@
         </p:nvSpPr>
         <p:spPr>
           <a:xfrm>
-            <a:off x="831850" y="4589463"/>
-            <a:ext cx="10515600" cy="1500187"/>
+            <a:off x="1454239" y="3806195"/>
+            <a:ext cx="8630446" cy="1012929"/>
           </a:xfrm>
         </p:spPr>
         <p:txBody>
-          <a:bodyPr/>
+          <a:bodyPr tIns="91440">
+            <a:normAutofit/>
+          </a:bodyPr>
           <a:lstStyle>
-            <a:lvl1pPr marL="0" indent="0">
+            <a:lvl1pPr marL="0" indent="0" algn="l">
               <a:buNone/>
-              <a:defRPr sz="2400">
+              <a:defRPr sz="1800">
                 <a:solidFill>
-                  <a:schemeClr val="tx1">
-                    <a:tint val="75000"/>
-                  </a:schemeClr>
+                  <a:schemeClr val="tx1"/>
                 </a:solidFill>
               </a:defRPr>
             </a:lvl1pPr>
             <a:lvl2pPr marL="457200" indent="0">
               <a:buNone/>
-              <a:defRPr sz="2000">
+              <a:defRPr sz="1800">
                 <a:solidFill>
                   <a:schemeClr val="tx1">
                     <a:tint val="75000"/>
@@ -1136,13 +1181,7 @@
       </p:sp>
       <p:sp>
         <p:nvSpPr>
-          <p:cNvPr id="4" name="Date Placeholder 3">
-            <a:extLst>
-              <a:ext uri="{FF2B5EF4-FFF2-40B4-BE49-F238E27FC236}">
-                <a16:creationId xmlns:a16="http://schemas.microsoft.com/office/drawing/2014/main" id="{40FA2CB2-DABC-4F92-8342-63F319F82966}"/>
-              </a:ext>
-            </a:extLst>
-          </p:cNvPr>
+          <p:cNvPr id="4" name="Date Placeholder 3"/>
           <p:cNvSpPr>
             <a:spLocks noGrp="1"/>
           </p:cNvSpPr>
@@ -1157,7 +1196,7 @@
           <a:p>
             <a:fld id="{A28F3DAD-FDE4-4B63-8F60-730F5BA11A21}" type="datetimeFigureOut">
               <a:rPr lang="en-US" smtClean="0"/>
-              <a:t>4/10/2023</a:t>
+              <a:t>4/12/2023</a:t>
             </a:fld>
             <a:endParaRPr lang="en-US"/>
           </a:p>
@@ -1165,13 +1204,7 @@
       </p:sp>
       <p:sp>
         <p:nvSpPr>
-          <p:cNvPr id="5" name="Footer Placeholder 4">
-            <a:extLst>
-              <a:ext uri="{FF2B5EF4-FFF2-40B4-BE49-F238E27FC236}">
-                <a16:creationId xmlns:a16="http://schemas.microsoft.com/office/drawing/2014/main" id="{DEFB97FC-9F31-4F6B-825E-9187C1DC1A72}"/>
-              </a:ext>
-            </a:extLst>
-          </p:cNvPr>
+          <p:cNvPr id="5" name="Footer Placeholder 4"/>
           <p:cNvSpPr>
             <a:spLocks noGrp="1"/>
           </p:cNvSpPr>
@@ -1190,13 +1223,7 @@
       </p:sp>
       <p:sp>
         <p:nvSpPr>
-          <p:cNvPr id="6" name="Slide Number Placeholder 5">
-            <a:extLst>
-              <a:ext uri="{FF2B5EF4-FFF2-40B4-BE49-F238E27FC236}">
-                <a16:creationId xmlns:a16="http://schemas.microsoft.com/office/drawing/2014/main" id="{AF1040AE-9EC1-4007-AC90-044CC526BCDE}"/>
-              </a:ext>
-            </a:extLst>
-          </p:cNvPr>
+          <p:cNvPr id="6" name="Slide Number Placeholder 5"/>
           <p:cNvSpPr>
             <a:spLocks noGrp="1"/>
           </p:cNvSpPr>
@@ -1217,10 +1244,41 @@
           </a:p>
         </p:txBody>
       </p:sp>
+      <p:cxnSp>
+        <p:nvCxnSpPr>
+          <p:cNvPr id="15" name="Straight Connector 14"/>
+          <p:cNvCxnSpPr/>
+          <p:nvPr/>
+        </p:nvCxnSpPr>
+        <p:spPr>
+          <a:xfrm>
+            <a:off x="1454239" y="3804985"/>
+            <a:ext cx="8630446" cy="0"/>
+          </a:xfrm>
+          <a:prstGeom prst="line">
+            <a:avLst/>
+          </a:prstGeom>
+          <a:ln w="31750"/>
+        </p:spPr>
+        <p:style>
+          <a:lnRef idx="3">
+            <a:schemeClr val="accent1"/>
+          </a:lnRef>
+          <a:fillRef idx="0">
+            <a:schemeClr val="accent1"/>
+          </a:fillRef>
+          <a:effectRef idx="2">
+            <a:schemeClr val="accent1"/>
+          </a:effectRef>
+          <a:fontRef idx="minor">
+            <a:schemeClr val="tx1"/>
+          </a:fontRef>
+        </p:style>
+      </p:cxnSp>
     </p:spTree>
     <p:extLst>
       <p:ext uri="{BB962C8B-B14F-4D97-AF65-F5344CB8AC3E}">
-        <p14:creationId xmlns:p14="http://schemas.microsoft.com/office/powerpoint/2010/main" val="3197918319"/>
+        <p14:creationId xmlns:p14="http://schemas.microsoft.com/office/powerpoint/2010/main" val="3518853019"/>
       </p:ext>
     </p:extLst>
   </p:cSld>
@@ -1249,13 +1307,7 @@
       </p:grpSpPr>
       <p:sp>
         <p:nvSpPr>
-          <p:cNvPr id="2" name="Title 1">
-            <a:extLst>
-              <a:ext uri="{FF2B5EF4-FFF2-40B4-BE49-F238E27FC236}">
-                <a16:creationId xmlns:a16="http://schemas.microsoft.com/office/drawing/2014/main" id="{795DF262-62C2-4A00-AFD0-41B510213BAB}"/>
-              </a:ext>
-            </a:extLst>
-          </p:cNvPr>
+          <p:cNvPr id="2" name="Title 1"/>
           <p:cNvSpPr>
             <a:spLocks noGrp="1"/>
           </p:cNvSpPr>
@@ -1263,7 +1315,12 @@
             <p:ph type="title"/>
           </p:nvPr>
         </p:nvSpPr>
-        <p:spPr/>
+        <p:spPr>
+          <a:xfrm>
+            <a:off x="1449217" y="804889"/>
+            <a:ext cx="9605635" cy="1059305"/>
+          </a:xfrm>
+        </p:spPr>
         <p:txBody>
           <a:bodyPr/>
           <a:lstStyle/>
@@ -1272,18 +1329,13 @@
               <a:rPr lang="en-US"/>
               <a:t>Click to edit Master title style</a:t>
             </a:r>
-          </a:p>
-        </p:txBody>
-      </p:sp>
-      <p:sp>
-        <p:nvSpPr>
-          <p:cNvPr id="3" name="Content Placeholder 2">
-            <a:extLst>
-              <a:ext uri="{FF2B5EF4-FFF2-40B4-BE49-F238E27FC236}">
-                <a16:creationId xmlns:a16="http://schemas.microsoft.com/office/drawing/2014/main" id="{7A61C2DC-7C96-4BE9-9E2D-F0AC66509776}"/>
-              </a:ext>
-            </a:extLst>
-          </p:cNvPr>
+            <a:endParaRPr lang="en-US" dirty="0"/>
+          </a:p>
+        </p:txBody>
+      </p:sp>
+      <p:sp>
+        <p:nvSpPr>
+          <p:cNvPr id="3" name="Content Placeholder 2"/>
           <p:cNvSpPr>
             <a:spLocks noGrp="1"/>
           </p:cNvSpPr>
@@ -1293,8 +1345,8 @@
         </p:nvSpPr>
         <p:spPr>
           <a:xfrm>
-            <a:off x="838200" y="1825625"/>
-            <a:ext cx="5181600" cy="4351338"/>
+            <a:off x="1447331" y="2010878"/>
+            <a:ext cx="4645152" cy="3448595"/>
           </a:xfrm>
         </p:spPr>
         <p:txBody>
@@ -1334,18 +1386,13 @@
               <a:rPr lang="en-US"/>
               <a:t>Fifth level</a:t>
             </a:r>
-          </a:p>
-        </p:txBody>
-      </p:sp>
-      <p:sp>
-        <p:nvSpPr>
-          <p:cNvPr id="4" name="Content Placeholder 3">
-            <a:extLst>
-              <a:ext uri="{FF2B5EF4-FFF2-40B4-BE49-F238E27FC236}">
-                <a16:creationId xmlns:a16="http://schemas.microsoft.com/office/drawing/2014/main" id="{DA8A1433-2E08-4F71-A3D5-A25B4F252403}"/>
-              </a:ext>
-            </a:extLst>
-          </p:cNvPr>
+            <a:endParaRPr lang="en-US" dirty="0"/>
+          </a:p>
+        </p:txBody>
+      </p:sp>
+      <p:sp>
+        <p:nvSpPr>
+          <p:cNvPr id="4" name="Content Placeholder 3"/>
           <p:cNvSpPr>
             <a:spLocks noGrp="1"/>
           </p:cNvSpPr>
@@ -1355,8 +1402,8 @@
         </p:nvSpPr>
         <p:spPr>
           <a:xfrm>
-            <a:off x="6172200" y="1825625"/>
-            <a:ext cx="5181600" cy="4351338"/>
+            <a:off x="6413771" y="2017343"/>
+            <a:ext cx="4645152" cy="3441520"/>
           </a:xfrm>
         </p:spPr>
         <p:txBody>
@@ -1396,18 +1443,13 @@
               <a:rPr lang="en-US"/>
               <a:t>Fifth level</a:t>
             </a:r>
-          </a:p>
-        </p:txBody>
-      </p:sp>
-      <p:sp>
-        <p:nvSpPr>
-          <p:cNvPr id="5" name="Date Placeholder 4">
-            <a:extLst>
-              <a:ext uri="{FF2B5EF4-FFF2-40B4-BE49-F238E27FC236}">
-                <a16:creationId xmlns:a16="http://schemas.microsoft.com/office/drawing/2014/main" id="{1D855D2B-6D3D-4842-9250-35F33CE24920}"/>
-              </a:ext>
-            </a:extLst>
-          </p:cNvPr>
+            <a:endParaRPr lang="en-US" dirty="0"/>
+          </a:p>
+        </p:txBody>
+      </p:sp>
+      <p:sp>
+        <p:nvSpPr>
+          <p:cNvPr id="5" name="Date Placeholder 4"/>
           <p:cNvSpPr>
             <a:spLocks noGrp="1"/>
           </p:cNvSpPr>
@@ -1422,7 +1464,7 @@
           <a:p>
             <a:fld id="{A28F3DAD-FDE4-4B63-8F60-730F5BA11A21}" type="datetimeFigureOut">
               <a:rPr lang="en-US" smtClean="0"/>
-              <a:t>4/10/2023</a:t>
+              <a:t>4/12/2023</a:t>
             </a:fld>
             <a:endParaRPr lang="en-US"/>
           </a:p>
@@ -1430,13 +1472,7 @@
       </p:sp>
       <p:sp>
         <p:nvSpPr>
-          <p:cNvPr id="6" name="Footer Placeholder 5">
-            <a:extLst>
-              <a:ext uri="{FF2B5EF4-FFF2-40B4-BE49-F238E27FC236}">
-                <a16:creationId xmlns:a16="http://schemas.microsoft.com/office/drawing/2014/main" id="{57117FAA-5C2F-43DA-932B-1A6CF980F8CE}"/>
-              </a:ext>
-            </a:extLst>
-          </p:cNvPr>
+          <p:cNvPr id="6" name="Footer Placeholder 5"/>
           <p:cNvSpPr>
             <a:spLocks noGrp="1"/>
           </p:cNvSpPr>
@@ -1455,13 +1491,7 @@
       </p:sp>
       <p:sp>
         <p:nvSpPr>
-          <p:cNvPr id="7" name="Slide Number Placeholder 6">
-            <a:extLst>
-              <a:ext uri="{FF2B5EF4-FFF2-40B4-BE49-F238E27FC236}">
-                <a16:creationId xmlns:a16="http://schemas.microsoft.com/office/drawing/2014/main" id="{370395D8-C159-4762-AD0B-DC46E31D2B61}"/>
-              </a:ext>
-            </a:extLst>
-          </p:cNvPr>
+          <p:cNvPr id="7" name="Slide Number Placeholder 6"/>
           <p:cNvSpPr>
             <a:spLocks noGrp="1"/>
           </p:cNvSpPr>
@@ -1482,10 +1512,41 @@
           </a:p>
         </p:txBody>
       </p:sp>
+      <p:cxnSp>
+        <p:nvCxnSpPr>
+          <p:cNvPr id="35" name="Straight Connector 34"/>
+          <p:cNvCxnSpPr/>
+          <p:nvPr/>
+        </p:nvCxnSpPr>
+        <p:spPr>
+          <a:xfrm>
+            <a:off x="1453896" y="1847088"/>
+            <a:ext cx="9607522" cy="0"/>
+          </a:xfrm>
+          <a:prstGeom prst="line">
+            <a:avLst/>
+          </a:prstGeom>
+          <a:ln w="31750"/>
+        </p:spPr>
+        <p:style>
+          <a:lnRef idx="3">
+            <a:schemeClr val="accent1"/>
+          </a:lnRef>
+          <a:fillRef idx="0">
+            <a:schemeClr val="accent1"/>
+          </a:fillRef>
+          <a:effectRef idx="2">
+            <a:schemeClr val="accent1"/>
+          </a:effectRef>
+          <a:fontRef idx="minor">
+            <a:schemeClr val="tx1"/>
+          </a:fontRef>
+        </p:style>
+      </p:cxnSp>
     </p:spTree>
     <p:extLst>
       <p:ext uri="{BB962C8B-B14F-4D97-AF65-F5344CB8AC3E}">
-        <p14:creationId xmlns:p14="http://schemas.microsoft.com/office/powerpoint/2010/main" val="2149772496"/>
+        <p14:creationId xmlns:p14="http://schemas.microsoft.com/office/powerpoint/2010/main" val="2402330829"/>
       </p:ext>
     </p:extLst>
   </p:cSld>
@@ -1514,13 +1575,7 @@
       </p:grpSpPr>
       <p:sp>
         <p:nvSpPr>
-          <p:cNvPr id="2" name="Title 1">
-            <a:extLst>
-              <a:ext uri="{FF2B5EF4-FFF2-40B4-BE49-F238E27FC236}">
-                <a16:creationId xmlns:a16="http://schemas.microsoft.com/office/drawing/2014/main" id="{1EA0E594-778F-4CFB-B57D-80729BDAFDFD}"/>
-              </a:ext>
-            </a:extLst>
-          </p:cNvPr>
+          <p:cNvPr id="2" name="Title 1"/>
           <p:cNvSpPr>
             <a:spLocks noGrp="1"/>
           </p:cNvSpPr>
@@ -1530,8 +1585,8 @@
         </p:nvSpPr>
         <p:spPr>
           <a:xfrm>
-            <a:off x="839788" y="365125"/>
-            <a:ext cx="10515600" cy="1325563"/>
+            <a:off x="1447191" y="804163"/>
+            <a:ext cx="9607661" cy="1056319"/>
           </a:xfrm>
         </p:spPr>
         <p:txBody>
@@ -1542,18 +1597,13 @@
               <a:rPr lang="en-US"/>
               <a:t>Click to edit Master title style</a:t>
             </a:r>
-          </a:p>
-        </p:txBody>
-      </p:sp>
-      <p:sp>
-        <p:nvSpPr>
-          <p:cNvPr id="3" name="Text Placeholder 2">
-            <a:extLst>
-              <a:ext uri="{FF2B5EF4-FFF2-40B4-BE49-F238E27FC236}">
-                <a16:creationId xmlns:a16="http://schemas.microsoft.com/office/drawing/2014/main" id="{DB9C7605-3CC8-42DB-96E7-013E5ADCB7AB}"/>
-              </a:ext>
-            </a:extLst>
-          </p:cNvPr>
+            <a:endParaRPr lang="en-US" dirty="0"/>
+          </a:p>
+        </p:txBody>
+      </p:sp>
+      <p:sp>
+        <p:nvSpPr>
+          <p:cNvPr id="3" name="Text Placeholder 2"/>
           <p:cNvSpPr>
             <a:spLocks noGrp="1"/>
           </p:cNvSpPr>
@@ -1563,16 +1613,25 @@
         </p:nvSpPr>
         <p:spPr>
           <a:xfrm>
-            <a:off x="839788" y="1681163"/>
-            <a:ext cx="5157787" cy="823912"/>
+            <a:off x="1447191" y="2019549"/>
+            <a:ext cx="4645152" cy="801943"/>
           </a:xfrm>
         </p:spPr>
         <p:txBody>
-          <a:bodyPr anchor="b"/>
+          <a:bodyPr anchor="b">
+            <a:normAutofit/>
+          </a:bodyPr>
           <a:lstStyle>
             <a:lvl1pPr marL="0" indent="0">
+              <a:lnSpc>
+                <a:spcPct val="100000"/>
+              </a:lnSpc>
               <a:buNone/>
-              <a:defRPr sz="2400" b="1"/>
+              <a:defRPr sz="2200" b="0" cap="all" baseline="0">
+                <a:solidFill>
+                  <a:schemeClr val="accent1"/>
+                </a:solidFill>
+              </a:defRPr>
             </a:lvl1pPr>
             <a:lvl2pPr marL="457200" indent="0">
               <a:buNone/>
@@ -1618,13 +1677,7 @@
       </p:sp>
       <p:sp>
         <p:nvSpPr>
-          <p:cNvPr id="4" name="Content Placeholder 3">
-            <a:extLst>
-              <a:ext uri="{FF2B5EF4-FFF2-40B4-BE49-F238E27FC236}">
-                <a16:creationId xmlns:a16="http://schemas.microsoft.com/office/drawing/2014/main" id="{2251F5BC-8CDE-4980-A6AE-D4C23FD45AFB}"/>
-              </a:ext>
-            </a:extLst>
-          </p:cNvPr>
+          <p:cNvPr id="4" name="Content Placeholder 3"/>
           <p:cNvSpPr>
             <a:spLocks noGrp="1"/>
           </p:cNvSpPr>
@@ -1634,8 +1687,8 @@
         </p:nvSpPr>
         <p:spPr>
           <a:xfrm>
-            <a:off x="839788" y="2505075"/>
-            <a:ext cx="5157787" cy="3684588"/>
+            <a:off x="1447191" y="2824269"/>
+            <a:ext cx="4645152" cy="2644457"/>
           </a:xfrm>
         </p:spPr>
         <p:txBody>
@@ -1675,18 +1728,13 @@
               <a:rPr lang="en-US"/>
               <a:t>Fifth level</a:t>
             </a:r>
-          </a:p>
-        </p:txBody>
-      </p:sp>
-      <p:sp>
-        <p:nvSpPr>
-          <p:cNvPr id="5" name="Text Placeholder 4">
-            <a:extLst>
-              <a:ext uri="{FF2B5EF4-FFF2-40B4-BE49-F238E27FC236}">
-                <a16:creationId xmlns:a16="http://schemas.microsoft.com/office/drawing/2014/main" id="{2C4D28AE-C714-4BB9-8349-B57B3396A17B}"/>
-              </a:ext>
-            </a:extLst>
-          </p:cNvPr>
+            <a:endParaRPr lang="en-US" dirty="0"/>
+          </a:p>
+        </p:txBody>
+      </p:sp>
+      <p:sp>
+        <p:nvSpPr>
+          <p:cNvPr id="5" name="Text Placeholder 4"/>
           <p:cNvSpPr>
             <a:spLocks noGrp="1"/>
           </p:cNvSpPr>
@@ -1696,16 +1744,25 @@
         </p:nvSpPr>
         <p:spPr>
           <a:xfrm>
-            <a:off x="6172200" y="1681163"/>
-            <a:ext cx="5183188" cy="823912"/>
+            <a:off x="6412362" y="2023003"/>
+            <a:ext cx="4645152" cy="802237"/>
           </a:xfrm>
         </p:spPr>
         <p:txBody>
-          <a:bodyPr anchor="b"/>
+          <a:bodyPr anchor="b">
+            <a:normAutofit/>
+          </a:bodyPr>
           <a:lstStyle>
             <a:lvl1pPr marL="0" indent="0">
+              <a:lnSpc>
+                <a:spcPct val="100000"/>
+              </a:lnSpc>
               <a:buNone/>
-              <a:defRPr sz="2400" b="1"/>
+              <a:defRPr sz="2200" b="0" cap="all" baseline="0">
+                <a:solidFill>
+                  <a:schemeClr val="accent1"/>
+                </a:solidFill>
+              </a:defRPr>
             </a:lvl1pPr>
             <a:lvl2pPr marL="457200" indent="0">
               <a:buNone/>
@@ -1751,13 +1808,7 @@
       </p:sp>
       <p:sp>
         <p:nvSpPr>
-          <p:cNvPr id="6" name="Content Placeholder 5">
-            <a:extLst>
-              <a:ext uri="{FF2B5EF4-FFF2-40B4-BE49-F238E27FC236}">
-                <a16:creationId xmlns:a16="http://schemas.microsoft.com/office/drawing/2014/main" id="{97372B3B-ABB6-4284-850E-D8FA94296444}"/>
-              </a:ext>
-            </a:extLst>
-          </p:cNvPr>
+          <p:cNvPr id="6" name="Content Placeholder 5"/>
           <p:cNvSpPr>
             <a:spLocks noGrp="1"/>
           </p:cNvSpPr>
@@ -1767,8 +1818,8 @@
         </p:nvSpPr>
         <p:spPr>
           <a:xfrm>
-            <a:off x="6172200" y="2505075"/>
-            <a:ext cx="5183188" cy="3684588"/>
+            <a:off x="6412362" y="2821491"/>
+            <a:ext cx="4645152" cy="2637371"/>
           </a:xfrm>
         </p:spPr>
         <p:txBody>
@@ -1808,18 +1859,13 @@
               <a:rPr lang="en-US"/>
               <a:t>Fifth level</a:t>
             </a:r>
-          </a:p>
-        </p:txBody>
-      </p:sp>
-      <p:sp>
-        <p:nvSpPr>
-          <p:cNvPr id="7" name="Date Placeholder 6">
-            <a:extLst>
-              <a:ext uri="{FF2B5EF4-FFF2-40B4-BE49-F238E27FC236}">
-                <a16:creationId xmlns:a16="http://schemas.microsoft.com/office/drawing/2014/main" id="{3D40FF4C-E4F9-4C23-BCB9-B043D968DAE7}"/>
-              </a:ext>
-            </a:extLst>
-          </p:cNvPr>
+            <a:endParaRPr lang="en-US" dirty="0"/>
+          </a:p>
+        </p:txBody>
+      </p:sp>
+      <p:sp>
+        <p:nvSpPr>
+          <p:cNvPr id="7" name="Date Placeholder 6"/>
           <p:cNvSpPr>
             <a:spLocks noGrp="1"/>
           </p:cNvSpPr>
@@ -1834,7 +1880,7 @@
           <a:p>
             <a:fld id="{A28F3DAD-FDE4-4B63-8F60-730F5BA11A21}" type="datetimeFigureOut">
               <a:rPr lang="en-US" smtClean="0"/>
-              <a:t>4/10/2023</a:t>
+              <a:t>4/12/2023</a:t>
             </a:fld>
             <a:endParaRPr lang="en-US"/>
           </a:p>
@@ -1842,13 +1888,7 @@
       </p:sp>
       <p:sp>
         <p:nvSpPr>
-          <p:cNvPr id="8" name="Footer Placeholder 7">
-            <a:extLst>
-              <a:ext uri="{FF2B5EF4-FFF2-40B4-BE49-F238E27FC236}">
-                <a16:creationId xmlns:a16="http://schemas.microsoft.com/office/drawing/2014/main" id="{2710B94B-2289-42AD-BE55-6003A2DCB795}"/>
-              </a:ext>
-            </a:extLst>
-          </p:cNvPr>
+          <p:cNvPr id="8" name="Footer Placeholder 7"/>
           <p:cNvSpPr>
             <a:spLocks noGrp="1"/>
           </p:cNvSpPr>
@@ -1867,13 +1907,7 @@
       </p:sp>
       <p:sp>
         <p:nvSpPr>
-          <p:cNvPr id="9" name="Slide Number Placeholder 8">
-            <a:extLst>
-              <a:ext uri="{FF2B5EF4-FFF2-40B4-BE49-F238E27FC236}">
-                <a16:creationId xmlns:a16="http://schemas.microsoft.com/office/drawing/2014/main" id="{8BB8D5B9-995B-49A6-9DEE-3D92A5095227}"/>
-              </a:ext>
-            </a:extLst>
-          </p:cNvPr>
+          <p:cNvPr id="9" name="Slide Number Placeholder 8"/>
           <p:cNvSpPr>
             <a:spLocks noGrp="1"/>
           </p:cNvSpPr>
@@ -1894,10 +1928,41 @@
           </a:p>
         </p:txBody>
       </p:sp>
+      <p:cxnSp>
+        <p:nvCxnSpPr>
+          <p:cNvPr id="29" name="Straight Connector 28"/>
+          <p:cNvCxnSpPr/>
+          <p:nvPr/>
+        </p:nvCxnSpPr>
+        <p:spPr>
+          <a:xfrm>
+            <a:off x="1453896" y="1847088"/>
+            <a:ext cx="9607522" cy="0"/>
+          </a:xfrm>
+          <a:prstGeom prst="line">
+            <a:avLst/>
+          </a:prstGeom>
+          <a:ln w="31750"/>
+        </p:spPr>
+        <p:style>
+          <a:lnRef idx="3">
+            <a:schemeClr val="accent1"/>
+          </a:lnRef>
+          <a:fillRef idx="0">
+            <a:schemeClr val="accent1"/>
+          </a:fillRef>
+          <a:effectRef idx="2">
+            <a:schemeClr val="accent1"/>
+          </a:effectRef>
+          <a:fontRef idx="minor">
+            <a:schemeClr val="tx1"/>
+          </a:fontRef>
+        </p:style>
+      </p:cxnSp>
     </p:spTree>
     <p:extLst>
       <p:ext uri="{BB962C8B-B14F-4D97-AF65-F5344CB8AC3E}">
-        <p14:creationId xmlns:p14="http://schemas.microsoft.com/office/powerpoint/2010/main" val="4040118994"/>
+        <p14:creationId xmlns:p14="http://schemas.microsoft.com/office/powerpoint/2010/main" val="1078627523"/>
       </p:ext>
     </p:extLst>
   </p:cSld>
@@ -1926,13 +1991,7 @@
       </p:grpSpPr>
       <p:sp>
         <p:nvSpPr>
-          <p:cNvPr id="2" name="Title 1">
-            <a:extLst>
-              <a:ext uri="{FF2B5EF4-FFF2-40B4-BE49-F238E27FC236}">
-                <a16:creationId xmlns:a16="http://schemas.microsoft.com/office/drawing/2014/main" id="{7F50F679-EF04-42EB-9628-155701934223}"/>
-              </a:ext>
-            </a:extLst>
-          </p:cNvPr>
+          <p:cNvPr id="2" name="Title 1"/>
           <p:cNvSpPr>
             <a:spLocks noGrp="1"/>
           </p:cNvSpPr>
@@ -1949,18 +2008,13 @@
               <a:rPr lang="en-US"/>
               <a:t>Click to edit Master title style</a:t>
             </a:r>
-          </a:p>
-        </p:txBody>
-      </p:sp>
-      <p:sp>
-        <p:nvSpPr>
-          <p:cNvPr id="3" name="Date Placeholder 2">
-            <a:extLst>
-              <a:ext uri="{FF2B5EF4-FFF2-40B4-BE49-F238E27FC236}">
-                <a16:creationId xmlns:a16="http://schemas.microsoft.com/office/drawing/2014/main" id="{116F45A8-7832-46BD-96D3-D1E31A00543C}"/>
-              </a:ext>
-            </a:extLst>
-          </p:cNvPr>
+            <a:endParaRPr lang="en-US" dirty="0"/>
+          </a:p>
+        </p:txBody>
+      </p:sp>
+      <p:sp>
+        <p:nvSpPr>
+          <p:cNvPr id="3" name="Date Placeholder 2"/>
           <p:cNvSpPr>
             <a:spLocks noGrp="1"/>
           </p:cNvSpPr>
@@ -1975,7 +2029,7 @@
           <a:p>
             <a:fld id="{A28F3DAD-FDE4-4B63-8F60-730F5BA11A21}" type="datetimeFigureOut">
               <a:rPr lang="en-US" smtClean="0"/>
-              <a:t>4/10/2023</a:t>
+              <a:t>4/12/2023</a:t>
             </a:fld>
             <a:endParaRPr lang="en-US"/>
           </a:p>
@@ -1983,13 +2037,7 @@
       </p:sp>
       <p:sp>
         <p:nvSpPr>
-          <p:cNvPr id="4" name="Footer Placeholder 3">
-            <a:extLst>
-              <a:ext uri="{FF2B5EF4-FFF2-40B4-BE49-F238E27FC236}">
-                <a16:creationId xmlns:a16="http://schemas.microsoft.com/office/drawing/2014/main" id="{0A333382-F5C8-4FDF-ABF0-17593226D96D}"/>
-              </a:ext>
-            </a:extLst>
-          </p:cNvPr>
+          <p:cNvPr id="4" name="Footer Placeholder 3"/>
           <p:cNvSpPr>
             <a:spLocks noGrp="1"/>
           </p:cNvSpPr>
@@ -2008,13 +2056,7 @@
       </p:sp>
       <p:sp>
         <p:nvSpPr>
-          <p:cNvPr id="5" name="Slide Number Placeholder 4">
-            <a:extLst>
-              <a:ext uri="{FF2B5EF4-FFF2-40B4-BE49-F238E27FC236}">
-                <a16:creationId xmlns:a16="http://schemas.microsoft.com/office/drawing/2014/main" id="{EE9C51E0-D5A4-4E51-BEC2-809F8C10FF9E}"/>
-              </a:ext>
-            </a:extLst>
-          </p:cNvPr>
+          <p:cNvPr id="5" name="Slide Number Placeholder 4"/>
           <p:cNvSpPr>
             <a:spLocks noGrp="1"/>
           </p:cNvSpPr>
@@ -2035,10 +2077,41 @@
           </a:p>
         </p:txBody>
       </p:sp>
+      <p:cxnSp>
+        <p:nvCxnSpPr>
+          <p:cNvPr id="25" name="Straight Connector 24"/>
+          <p:cNvCxnSpPr/>
+          <p:nvPr/>
+        </p:nvCxnSpPr>
+        <p:spPr>
+          <a:xfrm>
+            <a:off x="1453896" y="1847088"/>
+            <a:ext cx="9607522" cy="0"/>
+          </a:xfrm>
+          <a:prstGeom prst="line">
+            <a:avLst/>
+          </a:prstGeom>
+          <a:ln w="31750"/>
+        </p:spPr>
+        <p:style>
+          <a:lnRef idx="3">
+            <a:schemeClr val="accent1"/>
+          </a:lnRef>
+          <a:fillRef idx="0">
+            <a:schemeClr val="accent1"/>
+          </a:fillRef>
+          <a:effectRef idx="2">
+            <a:schemeClr val="accent1"/>
+          </a:effectRef>
+          <a:fontRef idx="minor">
+            <a:schemeClr val="tx1"/>
+          </a:fontRef>
+        </p:style>
+      </p:cxnSp>
     </p:spTree>
     <p:extLst>
       <p:ext uri="{BB962C8B-B14F-4D97-AF65-F5344CB8AC3E}">
-        <p14:creationId xmlns:p14="http://schemas.microsoft.com/office/powerpoint/2010/main" val="1845196816"/>
+        <p14:creationId xmlns:p14="http://schemas.microsoft.com/office/powerpoint/2010/main" val="499054776"/>
       </p:ext>
     </p:extLst>
   </p:cSld>
@@ -2067,13 +2140,7 @@
       </p:grpSpPr>
       <p:sp>
         <p:nvSpPr>
-          <p:cNvPr id="2" name="Date Placeholder 1">
-            <a:extLst>
-              <a:ext uri="{FF2B5EF4-FFF2-40B4-BE49-F238E27FC236}">
-                <a16:creationId xmlns:a16="http://schemas.microsoft.com/office/drawing/2014/main" id="{F18DD026-49EA-49B8-9F49-1E75F233EA8D}"/>
-              </a:ext>
-            </a:extLst>
-          </p:cNvPr>
+          <p:cNvPr id="2" name="Date Placeholder 1"/>
           <p:cNvSpPr>
             <a:spLocks noGrp="1"/>
           </p:cNvSpPr>
@@ -2088,7 +2155,7 @@
           <a:p>
             <a:fld id="{A28F3DAD-FDE4-4B63-8F60-730F5BA11A21}" type="datetimeFigureOut">
               <a:rPr lang="en-US" smtClean="0"/>
-              <a:t>4/10/2023</a:t>
+              <a:t>4/12/2023</a:t>
             </a:fld>
             <a:endParaRPr lang="en-US"/>
           </a:p>
@@ -2096,13 +2163,7 @@
       </p:sp>
       <p:sp>
         <p:nvSpPr>
-          <p:cNvPr id="3" name="Footer Placeholder 2">
-            <a:extLst>
-              <a:ext uri="{FF2B5EF4-FFF2-40B4-BE49-F238E27FC236}">
-                <a16:creationId xmlns:a16="http://schemas.microsoft.com/office/drawing/2014/main" id="{A7278B0B-B2E6-4EAE-90B1-DAE13571BC7C}"/>
-              </a:ext>
-            </a:extLst>
-          </p:cNvPr>
+          <p:cNvPr id="3" name="Footer Placeholder 2"/>
           <p:cNvSpPr>
             <a:spLocks noGrp="1"/>
           </p:cNvSpPr>
@@ -2121,13 +2182,7 @@
       </p:sp>
       <p:sp>
         <p:nvSpPr>
-          <p:cNvPr id="4" name="Slide Number Placeholder 3">
-            <a:extLst>
-              <a:ext uri="{FF2B5EF4-FFF2-40B4-BE49-F238E27FC236}">
-                <a16:creationId xmlns:a16="http://schemas.microsoft.com/office/drawing/2014/main" id="{0BB6B9C7-F460-4B6B-A90E-6B6CA365A62A}"/>
-              </a:ext>
-            </a:extLst>
-          </p:cNvPr>
+          <p:cNvPr id="4" name="Slide Number Placeholder 3"/>
           <p:cNvSpPr>
             <a:spLocks noGrp="1"/>
           </p:cNvSpPr>
@@ -2151,7 +2206,7 @@
     </p:spTree>
     <p:extLst>
       <p:ext uri="{BB962C8B-B14F-4D97-AF65-F5344CB8AC3E}">
-        <p14:creationId xmlns:p14="http://schemas.microsoft.com/office/powerpoint/2010/main" val="3075345618"/>
+        <p14:creationId xmlns:p14="http://schemas.microsoft.com/office/powerpoint/2010/main" val="3364439183"/>
       </p:ext>
     </p:extLst>
   </p:cSld>
@@ -2180,13 +2235,7 @@
       </p:grpSpPr>
       <p:sp>
         <p:nvSpPr>
-          <p:cNvPr id="2" name="Title 1">
-            <a:extLst>
-              <a:ext uri="{FF2B5EF4-FFF2-40B4-BE49-F238E27FC236}">
-                <a16:creationId xmlns:a16="http://schemas.microsoft.com/office/drawing/2014/main" id="{E12C286E-75F3-4D1B-81F0-F587CE00B9FD}"/>
-              </a:ext>
-            </a:extLst>
-          </p:cNvPr>
+          <p:cNvPr id="2" name="Title 1"/>
           <p:cNvSpPr>
             <a:spLocks noGrp="1"/>
           </p:cNvSpPr>
@@ -2196,15 +2245,17 @@
         </p:nvSpPr>
         <p:spPr>
           <a:xfrm>
-            <a:off x="839788" y="457200"/>
-            <a:ext cx="3932237" cy="1600200"/>
+            <a:off x="1444671" y="798973"/>
+            <a:ext cx="3273099" cy="2247117"/>
           </a:xfrm>
         </p:spPr>
         <p:txBody>
-          <a:bodyPr anchor="b"/>
+          <a:bodyPr anchor="b">
+            <a:normAutofit/>
+          </a:bodyPr>
           <a:lstStyle>
-            <a:lvl1pPr>
-              <a:defRPr sz="3200"/>
+            <a:lvl1pPr algn="l">
+              <a:defRPr sz="2400"/>
             </a:lvl1pPr>
           </a:lstStyle>
           <a:p>
@@ -2212,18 +2263,13 @@
               <a:rPr lang="en-US"/>
               <a:t>Click to edit Master title style</a:t>
             </a:r>
-          </a:p>
-        </p:txBody>
-      </p:sp>
-      <p:sp>
-        <p:nvSpPr>
-          <p:cNvPr id="3" name="Content Placeholder 2">
-            <a:extLst>
-              <a:ext uri="{FF2B5EF4-FFF2-40B4-BE49-F238E27FC236}">
-                <a16:creationId xmlns:a16="http://schemas.microsoft.com/office/drawing/2014/main" id="{FDC05322-DAD9-4C0B-A615-3D1C672D33FB}"/>
-              </a:ext>
-            </a:extLst>
-          </p:cNvPr>
+            <a:endParaRPr lang="en-US" dirty="0"/>
+          </a:p>
+        </p:txBody>
+      </p:sp>
+      <p:sp>
+        <p:nvSpPr>
+          <p:cNvPr id="3" name="Content Placeholder 2"/>
           <p:cNvSpPr>
             <a:spLocks noGrp="1"/>
           </p:cNvSpPr>
@@ -2233,41 +2279,13 @@
         </p:nvSpPr>
         <p:spPr>
           <a:xfrm>
-            <a:off x="5183188" y="987425"/>
-            <a:ext cx="6172200" cy="4873625"/>
+            <a:off x="5043714" y="798974"/>
+            <a:ext cx="6012470" cy="4658826"/>
           </a:xfrm>
         </p:spPr>
         <p:txBody>
-          <a:bodyPr/>
-          <a:lstStyle>
-            <a:lvl1pPr>
-              <a:defRPr sz="3200"/>
-            </a:lvl1pPr>
-            <a:lvl2pPr>
-              <a:defRPr sz="2800"/>
-            </a:lvl2pPr>
-            <a:lvl3pPr>
-              <a:defRPr sz="2400"/>
-            </a:lvl3pPr>
-            <a:lvl4pPr>
-              <a:defRPr sz="2000"/>
-            </a:lvl4pPr>
-            <a:lvl5pPr>
-              <a:defRPr sz="2000"/>
-            </a:lvl5pPr>
-            <a:lvl6pPr>
-              <a:defRPr sz="2000"/>
-            </a:lvl6pPr>
-            <a:lvl7pPr>
-              <a:defRPr sz="2000"/>
-            </a:lvl7pPr>
-            <a:lvl8pPr>
-              <a:defRPr sz="2000"/>
-            </a:lvl8pPr>
-            <a:lvl9pPr>
-              <a:defRPr sz="2000"/>
-            </a:lvl9pPr>
-          </a:lstStyle>
+          <a:bodyPr anchor="ctr"/>
+          <a:lstStyle/>
           <a:p>
             <a:pPr lvl="0"/>
             <a:r>
@@ -2302,18 +2320,13 @@
               <a:rPr lang="en-US"/>
               <a:t>Fifth level</a:t>
             </a:r>
-          </a:p>
-        </p:txBody>
-      </p:sp>
-      <p:sp>
-        <p:nvSpPr>
-          <p:cNvPr id="4" name="Text Placeholder 3">
-            <a:extLst>
-              <a:ext uri="{FF2B5EF4-FFF2-40B4-BE49-F238E27FC236}">
-                <a16:creationId xmlns:a16="http://schemas.microsoft.com/office/drawing/2014/main" id="{6DF1842E-15A5-4AD7-9FEC-47D506D43EBA}"/>
-              </a:ext>
-            </a:extLst>
-          </p:cNvPr>
+            <a:endParaRPr lang="en-US" dirty="0"/>
+          </a:p>
+        </p:txBody>
+      </p:sp>
+      <p:sp>
+        <p:nvSpPr>
+          <p:cNvPr id="4" name="Text Placeholder 3"/>
           <p:cNvSpPr>
             <a:spLocks noGrp="1"/>
           </p:cNvSpPr>
@@ -2323,14 +2336,14 @@
         </p:nvSpPr>
         <p:spPr>
           <a:xfrm>
-            <a:off x="839788" y="2057400"/>
-            <a:ext cx="3932237" cy="3811588"/>
+            <a:off x="1444671" y="3205491"/>
+            <a:ext cx="3275013" cy="2248181"/>
           </a:xfrm>
         </p:spPr>
         <p:txBody>
           <a:bodyPr/>
           <a:lstStyle>
-            <a:lvl1pPr marL="0" indent="0">
+            <a:lvl1pPr marL="0" indent="0" algn="l">
               <a:buNone/>
               <a:defRPr sz="1600"/>
             </a:lvl1pPr>
@@ -2378,13 +2391,7 @@
       </p:sp>
       <p:sp>
         <p:nvSpPr>
-          <p:cNvPr id="5" name="Date Placeholder 4">
-            <a:extLst>
-              <a:ext uri="{FF2B5EF4-FFF2-40B4-BE49-F238E27FC236}">
-                <a16:creationId xmlns:a16="http://schemas.microsoft.com/office/drawing/2014/main" id="{A55D16F3-0832-4432-8E11-C7C20C639164}"/>
-              </a:ext>
-            </a:extLst>
-          </p:cNvPr>
+          <p:cNvPr id="5" name="Date Placeholder 4"/>
           <p:cNvSpPr>
             <a:spLocks noGrp="1"/>
           </p:cNvSpPr>
@@ -2399,7 +2406,7 @@
           <a:p>
             <a:fld id="{A28F3DAD-FDE4-4B63-8F60-730F5BA11A21}" type="datetimeFigureOut">
               <a:rPr lang="en-US" smtClean="0"/>
-              <a:t>4/10/2023</a:t>
+              <a:t>4/12/2023</a:t>
             </a:fld>
             <a:endParaRPr lang="en-US"/>
           </a:p>
@@ -2407,13 +2414,7 @@
       </p:sp>
       <p:sp>
         <p:nvSpPr>
-          <p:cNvPr id="6" name="Footer Placeholder 5">
-            <a:extLst>
-              <a:ext uri="{FF2B5EF4-FFF2-40B4-BE49-F238E27FC236}">
-                <a16:creationId xmlns:a16="http://schemas.microsoft.com/office/drawing/2014/main" id="{D8F671D5-4BD0-4D41-8255-2861FD6CB033}"/>
-              </a:ext>
-            </a:extLst>
-          </p:cNvPr>
+          <p:cNvPr id="6" name="Footer Placeholder 5"/>
           <p:cNvSpPr>
             <a:spLocks noGrp="1"/>
           </p:cNvSpPr>
@@ -2432,13 +2433,7 @@
       </p:sp>
       <p:sp>
         <p:nvSpPr>
-          <p:cNvPr id="7" name="Slide Number Placeholder 6">
-            <a:extLst>
-              <a:ext uri="{FF2B5EF4-FFF2-40B4-BE49-F238E27FC236}">
-                <a16:creationId xmlns:a16="http://schemas.microsoft.com/office/drawing/2014/main" id="{5F8FCF06-BFB4-4474-BD45-C6D04AFAE189}"/>
-              </a:ext>
-            </a:extLst>
-          </p:cNvPr>
+          <p:cNvPr id="7" name="Slide Number Placeholder 6"/>
           <p:cNvSpPr>
             <a:spLocks noGrp="1"/>
           </p:cNvSpPr>
@@ -2459,10 +2454,41 @@
           </a:p>
         </p:txBody>
       </p:sp>
+      <p:cxnSp>
+        <p:nvCxnSpPr>
+          <p:cNvPr id="17" name="Straight Connector 16"/>
+          <p:cNvCxnSpPr/>
+          <p:nvPr/>
+        </p:nvCxnSpPr>
+        <p:spPr>
+          <a:xfrm>
+            <a:off x="1448280" y="3205491"/>
+            <a:ext cx="3269490" cy="0"/>
+          </a:xfrm>
+          <a:prstGeom prst="line">
+            <a:avLst/>
+          </a:prstGeom>
+          <a:ln w="31750"/>
+        </p:spPr>
+        <p:style>
+          <a:lnRef idx="3">
+            <a:schemeClr val="accent1"/>
+          </a:lnRef>
+          <a:fillRef idx="0">
+            <a:schemeClr val="accent1"/>
+          </a:fillRef>
+          <a:effectRef idx="2">
+            <a:schemeClr val="accent1"/>
+          </a:effectRef>
+          <a:fontRef idx="minor">
+            <a:schemeClr val="tx1"/>
+          </a:fontRef>
+        </p:style>
+      </p:cxnSp>
     </p:spTree>
     <p:extLst>
       <p:ext uri="{BB962C8B-B14F-4D97-AF65-F5344CB8AC3E}">
-        <p14:creationId xmlns:p14="http://schemas.microsoft.com/office/powerpoint/2010/main" val="414259440"/>
+        <p14:creationId xmlns:p14="http://schemas.microsoft.com/office/powerpoint/2010/main" val="3764356493"/>
       </p:ext>
     </p:extLst>
   </p:cSld>
@@ -2489,15 +2515,143 @@
           <a:chExt cx="0" cy="0"/>
         </a:xfrm>
       </p:grpSpPr>
-      <p:sp>
-        <p:nvSpPr>
-          <p:cNvPr id="2" name="Title 1">
-            <a:extLst>
-              <a:ext uri="{FF2B5EF4-FFF2-40B4-BE49-F238E27FC236}">
-                <a16:creationId xmlns:a16="http://schemas.microsoft.com/office/drawing/2014/main" id="{4D27E7D7-A026-4B2B-88E9-724AE58ED914}"/>
-              </a:ext>
-            </a:extLst>
-          </p:cNvPr>
+      <p:grpSp>
+        <p:nvGrpSpPr>
+          <p:cNvPr id="8" name="Group 7"/>
+          <p:cNvGrpSpPr/>
+          <p:nvPr/>
+        </p:nvGrpSpPr>
+        <p:grpSpPr>
+          <a:xfrm>
+            <a:off x="7477387" y="482170"/>
+            <a:ext cx="4074533" cy="5149101"/>
+            <a:chOff x="7477387" y="482170"/>
+            <a:chExt cx="4074533" cy="5149101"/>
+          </a:xfrm>
+        </p:grpSpPr>
+        <p:sp>
+          <p:nvSpPr>
+            <p:cNvPr id="18" name="Rectangle 17"/>
+            <p:cNvSpPr/>
+            <p:nvPr/>
+          </p:nvSpPr>
+          <p:spPr bwMode="black">
+            <a:xfrm>
+              <a:off x="7477387" y="482170"/>
+              <a:ext cx="4074533" cy="5149101"/>
+            </a:xfrm>
+            <a:prstGeom prst="rect">
+              <a:avLst/>
+            </a:prstGeom>
+            <a:gradFill>
+              <a:gsLst>
+                <a:gs pos="0">
+                  <a:srgbClr val="000001"/>
+                </a:gs>
+                <a:gs pos="100000">
+                  <a:srgbClr val="191919"/>
+                </a:gs>
+              </a:gsLst>
+            </a:gradFill>
+            <a:ln w="76200" cmpd="sng">
+              <a:noFill/>
+              <a:miter lim="800000"/>
+            </a:ln>
+            <a:effectLst>
+              <a:outerShdw blurRad="127000" dist="228600" dir="4740000" sx="98000" sy="98000" algn="tl" rotWithShape="0">
+                <a:srgbClr val="000000">
+                  <a:alpha val="34000"/>
+                </a:srgbClr>
+              </a:outerShdw>
+            </a:effectLst>
+            <a:scene3d>
+              <a:camera prst="orthographicFront"/>
+              <a:lightRig rig="threePt" dir="t"/>
+            </a:scene3d>
+            <a:sp3d>
+              <a:bevelT w="152400" h="50800" prst="softRound"/>
+            </a:sp3d>
+          </p:spPr>
+          <p:style>
+            <a:lnRef idx="1">
+              <a:schemeClr val="accent1"/>
+            </a:lnRef>
+            <a:fillRef idx="3">
+              <a:schemeClr val="accent1"/>
+            </a:fillRef>
+            <a:effectRef idx="2">
+              <a:schemeClr val="accent1"/>
+            </a:effectRef>
+            <a:fontRef idx="minor">
+              <a:schemeClr val="lt1"/>
+            </a:fontRef>
+          </p:style>
+        </p:sp>
+        <p:sp>
+          <p:nvSpPr>
+            <p:cNvPr id="19" name="Rectangle 18"/>
+            <p:cNvSpPr/>
+            <p:nvPr/>
+          </p:nvSpPr>
+          <p:spPr bwMode="blackWhite">
+            <a:xfrm>
+              <a:off x="7790446" y="812506"/>
+              <a:ext cx="3450289" cy="4466452"/>
+            </a:xfrm>
+            <a:prstGeom prst="rect">
+              <a:avLst/>
+            </a:prstGeom>
+            <a:gradFill>
+              <a:gsLst>
+                <a:gs pos="0">
+                  <a:srgbClr val="DADADA"/>
+                </a:gs>
+                <a:gs pos="100000">
+                  <a:srgbClr val="FFFFFE"/>
+                </a:gs>
+              </a:gsLst>
+              <a:lin ang="16200000" scaled="0"/>
+            </a:gradFill>
+            <a:ln w="50800" cmpd="sng">
+              <a:solidFill>
+                <a:srgbClr val="191919"/>
+              </a:solidFill>
+              <a:miter lim="800000"/>
+            </a:ln>
+            <a:effectLst>
+              <a:innerShdw blurRad="63500" dist="88900" dir="14100000">
+                <a:srgbClr val="000000">
+                  <a:alpha val="30000"/>
+                </a:srgbClr>
+              </a:innerShdw>
+            </a:effectLst>
+            <a:scene3d>
+              <a:camera prst="orthographicFront"/>
+              <a:lightRig rig="threePt" dir="t"/>
+            </a:scene3d>
+            <a:sp3d>
+              <a:bevelT prst="relaxedInset"/>
+            </a:sp3d>
+          </p:spPr>
+          <p:style>
+            <a:lnRef idx="1">
+              <a:schemeClr val="accent1"/>
+            </a:lnRef>
+            <a:fillRef idx="3">
+              <a:schemeClr val="accent1"/>
+            </a:fillRef>
+            <a:effectRef idx="2">
+              <a:schemeClr val="accent1"/>
+            </a:effectRef>
+            <a:fontRef idx="minor">
+              <a:schemeClr val="lt1"/>
+            </a:fontRef>
+          </p:style>
+        </p:sp>
+      </p:grpSp>
+      <p:sp>
+        <p:nvSpPr>
+          <p:cNvPr id="2" name="Title 1"/>
           <p:cNvSpPr>
             <a:spLocks noGrp="1"/>
           </p:cNvSpPr>
@@ -2507,12 +2661,14 @@
         </p:nvSpPr>
         <p:spPr>
           <a:xfrm>
-            <a:off x="839788" y="457200"/>
-            <a:ext cx="3932237" cy="1600200"/>
+            <a:off x="1451206" y="1129513"/>
+            <a:ext cx="5532328" cy="1830584"/>
           </a:xfrm>
         </p:spPr>
         <p:txBody>
-          <a:bodyPr anchor="b"/>
+          <a:bodyPr anchor="b">
+            <a:normAutofit/>
+          </a:bodyPr>
           <a:lstStyle>
             <a:lvl1pPr>
               <a:defRPr sz="3200"/>
@@ -2523,20 +2679,15 @@
               <a:rPr lang="en-US"/>
               <a:t>Click to edit Master title style</a:t>
             </a:r>
-          </a:p>
-        </p:txBody>
-      </p:sp>
-      <p:sp>
-        <p:nvSpPr>
-          <p:cNvPr id="3" name="Picture Placeholder 2">
-            <a:extLst>
-              <a:ext uri="{FF2B5EF4-FFF2-40B4-BE49-F238E27FC236}">
-                <a16:creationId xmlns:a16="http://schemas.microsoft.com/office/drawing/2014/main" id="{101CC181-6A7F-4A8B-9344-49E1718A1618}"/>
-              </a:ext>
-            </a:extLst>
-          </p:cNvPr>
-          <p:cNvSpPr>
-            <a:spLocks noGrp="1"/>
+            <a:endParaRPr lang="en-US" dirty="0"/>
+          </a:p>
+        </p:txBody>
+      </p:sp>
+      <p:sp>
+        <p:nvSpPr>
+          <p:cNvPr id="3" name="Picture Placeholder 2"/>
+          <p:cNvSpPr>
+            <a:spLocks noGrp="1" noChangeAspect="1"/>
           </p:cNvSpPr>
           <p:nvPr>
             <p:ph type="pic" idx="1"/>
@@ -2544,14 +2695,24 @@
         </p:nvSpPr>
         <p:spPr>
           <a:xfrm>
-            <a:off x="5183188" y="987425"/>
-            <a:ext cx="6172200" cy="4873625"/>
+            <a:off x="8124389" y="1122542"/>
+            <a:ext cx="2791171" cy="3866327"/>
           </a:xfrm>
+          <a:solidFill>
+            <a:schemeClr val="bg1">
+              <a:lumMod val="85000"/>
+            </a:schemeClr>
+          </a:solidFill>
+          <a:ln w="9525" cap="sq">
+            <a:noFill/>
+            <a:miter lim="800000"/>
+          </a:ln>
+          <a:effectLst/>
         </p:spPr>
         <p:txBody>
-          <a:bodyPr/>
+          <a:bodyPr anchor="t"/>
           <a:lstStyle>
-            <a:lvl1pPr marL="0" indent="0">
+            <a:lvl1pPr marL="0" indent="0" algn="ctr">
               <a:buNone/>
               <a:defRPr sz="3200"/>
             </a:lvl1pPr>
@@ -2589,19 +2750,17 @@
             </a:lvl9pPr>
           </a:lstStyle>
           <a:p>
-            <a:endParaRPr lang="en-US"/>
-          </a:p>
-        </p:txBody>
-      </p:sp>
-      <p:sp>
-        <p:nvSpPr>
-          <p:cNvPr id="4" name="Text Placeholder 3">
-            <a:extLst>
-              <a:ext uri="{FF2B5EF4-FFF2-40B4-BE49-F238E27FC236}">
-                <a16:creationId xmlns:a16="http://schemas.microsoft.com/office/drawing/2014/main" id="{C2BE88D1-8208-4983-8D19-A92FE9581BAC}"/>
-              </a:ext>
-            </a:extLst>
-          </p:cNvPr>
+            <a:r>
+              <a:rPr lang="en-US"/>
+              <a:t>Click icon to add picture</a:t>
+            </a:r>
+            <a:endParaRPr lang="en-US" dirty="0"/>
+          </a:p>
+        </p:txBody>
+      </p:sp>
+      <p:sp>
+        <p:nvSpPr>
+          <p:cNvPr id="4" name="Text Placeholder 3"/>
           <p:cNvSpPr>
             <a:spLocks noGrp="1"/>
           </p:cNvSpPr>
@@ -2611,16 +2770,18 @@
         </p:nvSpPr>
         <p:spPr>
           <a:xfrm>
-            <a:off x="839788" y="2057400"/>
-            <a:ext cx="3932237" cy="3811588"/>
+            <a:off x="1450329" y="3145992"/>
+            <a:ext cx="5524404" cy="2003742"/>
           </a:xfrm>
         </p:spPr>
         <p:txBody>
-          <a:bodyPr/>
+          <a:bodyPr>
+            <a:normAutofit/>
+          </a:bodyPr>
           <a:lstStyle>
-            <a:lvl1pPr marL="0" indent="0">
+            <a:lvl1pPr marL="0" indent="0" algn="l">
               <a:buNone/>
-              <a:defRPr sz="1600"/>
+              <a:defRPr sz="1800"/>
             </a:lvl1pPr>
             <a:lvl2pPr marL="457200" indent="0">
               <a:buNone/>
@@ -2666,13 +2827,7 @@
       </p:sp>
       <p:sp>
         <p:nvSpPr>
-          <p:cNvPr id="5" name="Date Placeholder 4">
-            <a:extLst>
-              <a:ext uri="{FF2B5EF4-FFF2-40B4-BE49-F238E27FC236}">
-                <a16:creationId xmlns:a16="http://schemas.microsoft.com/office/drawing/2014/main" id="{C410CD36-B9F3-4A61-AA62-A86AE97D04F7}"/>
-              </a:ext>
-            </a:extLst>
-          </p:cNvPr>
+          <p:cNvPr id="5" name="Date Placeholder 4"/>
           <p:cNvSpPr>
             <a:spLocks noGrp="1"/>
           </p:cNvSpPr>
@@ -2680,14 +2835,23 @@
             <p:ph type="dt" sz="half" idx="10"/>
           </p:nvPr>
         </p:nvSpPr>
-        <p:spPr/>
-        <p:txBody>
-          <a:bodyPr/>
-          <a:lstStyle/>
+        <p:spPr>
+          <a:xfrm>
+            <a:off x="1447382" y="5469856"/>
+            <a:ext cx="5527351" cy="320123"/>
+          </a:xfrm>
+        </p:spPr>
+        <p:txBody>
+          <a:bodyPr/>
+          <a:lstStyle>
+            <a:lvl1pPr algn="l">
+              <a:defRPr/>
+            </a:lvl1pPr>
+          </a:lstStyle>
           <a:p>
             <a:fld id="{A28F3DAD-FDE4-4B63-8F60-730F5BA11A21}" type="datetimeFigureOut">
               <a:rPr lang="en-US" smtClean="0"/>
-              <a:t>4/10/2023</a:t>
+              <a:t>4/12/2023</a:t>
             </a:fld>
             <a:endParaRPr lang="en-US"/>
           </a:p>
@@ -2695,13 +2859,7 @@
       </p:sp>
       <p:sp>
         <p:nvSpPr>
-          <p:cNvPr id="6" name="Footer Placeholder 5">
-            <a:extLst>
-              <a:ext uri="{FF2B5EF4-FFF2-40B4-BE49-F238E27FC236}">
-                <a16:creationId xmlns:a16="http://schemas.microsoft.com/office/drawing/2014/main" id="{986083AE-D09D-40DE-920D-497BB156AB86}"/>
-              </a:ext>
-            </a:extLst>
-          </p:cNvPr>
+          <p:cNvPr id="6" name="Footer Placeholder 5"/>
           <p:cNvSpPr>
             <a:spLocks noGrp="1"/>
           </p:cNvSpPr>
@@ -2709,7 +2867,12 @@
             <p:ph type="ftr" sz="quarter" idx="11"/>
           </p:nvPr>
         </p:nvSpPr>
-        <p:spPr/>
+        <p:spPr>
+          <a:xfrm>
+            <a:off x="1447382" y="318640"/>
+            <a:ext cx="5541004" cy="320931"/>
+          </a:xfrm>
+        </p:spPr>
         <p:txBody>
           <a:bodyPr/>
           <a:lstStyle/>
@@ -2720,13 +2883,7 @@
       </p:sp>
       <p:sp>
         <p:nvSpPr>
-          <p:cNvPr id="7" name="Slide Number Placeholder 6">
-            <a:extLst>
-              <a:ext uri="{FF2B5EF4-FFF2-40B4-BE49-F238E27FC236}">
-                <a16:creationId xmlns:a16="http://schemas.microsoft.com/office/drawing/2014/main" id="{E5512AB2-EF4A-4D31-970B-5B85328CD1A3}"/>
-              </a:ext>
-            </a:extLst>
-          </p:cNvPr>
+          <p:cNvPr id="7" name="Slide Number Placeholder 6"/>
           <p:cNvSpPr>
             <a:spLocks noGrp="1"/>
           </p:cNvSpPr>
@@ -2747,10 +2904,41 @@
           </a:p>
         </p:txBody>
       </p:sp>
+      <p:cxnSp>
+        <p:nvCxnSpPr>
+          <p:cNvPr id="31" name="Straight Connector 30"/>
+          <p:cNvCxnSpPr/>
+          <p:nvPr/>
+        </p:nvCxnSpPr>
+        <p:spPr>
+          <a:xfrm>
+            <a:off x="1447382" y="3143605"/>
+            <a:ext cx="5527351" cy="0"/>
+          </a:xfrm>
+          <a:prstGeom prst="line">
+            <a:avLst/>
+          </a:prstGeom>
+          <a:ln w="31750"/>
+        </p:spPr>
+        <p:style>
+          <a:lnRef idx="3">
+            <a:schemeClr val="accent1"/>
+          </a:lnRef>
+          <a:fillRef idx="0">
+            <a:schemeClr val="accent1"/>
+          </a:fillRef>
+          <a:effectRef idx="2">
+            <a:schemeClr val="accent1"/>
+          </a:effectRef>
+          <a:fontRef idx="minor">
+            <a:schemeClr val="tx1"/>
+          </a:fontRef>
+        </p:style>
+      </p:cxnSp>
     </p:spTree>
     <p:extLst>
       <p:ext uri="{BB962C8B-B14F-4D97-AF65-F5344CB8AC3E}">
-        <p14:creationId xmlns:p14="http://schemas.microsoft.com/office/powerpoint/2010/main" val="2066312827"/>
+        <p14:creationId xmlns:p14="http://schemas.microsoft.com/office/powerpoint/2010/main" val="1117271132"/>
       </p:ext>
     </p:extLst>
   </p:cSld>
@@ -2764,8 +2952,8 @@
 <p:sldMaster xmlns:a="http://schemas.openxmlformats.org/drawingml/2006/main" xmlns:r="http://schemas.openxmlformats.org/officeDocument/2006/relationships" xmlns:p="http://schemas.openxmlformats.org/presentationml/2006/main">
   <p:cSld>
     <p:bg>
-      <p:bgRef idx="1001">
-        <a:schemeClr val="bg1"/>
+      <p:bgRef idx="1003">
+        <a:schemeClr val="bg2"/>
       </p:bgRef>
     </p:bg>
     <p:spTree>
@@ -2784,139 +2972,201 @@
       </p:grpSpPr>
       <p:sp>
         <p:nvSpPr>
-          <p:cNvPr id="2" name="Title Placeholder 1">
-            <a:extLst>
-              <a:ext uri="{FF2B5EF4-FFF2-40B4-BE49-F238E27FC236}">
-                <a16:creationId xmlns:a16="http://schemas.microsoft.com/office/drawing/2014/main" id="{B6B2D295-9EA9-4682-9CB3-A859B70B2183}"/>
-              </a:ext>
-            </a:extLst>
-          </p:cNvPr>
-          <p:cNvSpPr>
-            <a:spLocks noGrp="1"/>
-          </p:cNvSpPr>
-          <p:nvPr>
-            <p:ph type="title"/>
-          </p:nvPr>
+          <p:cNvPr id="8" name="Rectangle 7"/>
+          <p:cNvSpPr/>
+          <p:nvPr/>
         </p:nvSpPr>
         <p:spPr>
           <a:xfrm>
-            <a:off x="838200" y="365125"/>
-            <a:ext cx="10515600" cy="1325563"/>
+            <a:off x="0" y="2019476"/>
+            <a:ext cx="12192000" cy="4105941"/>
+          </a:xfrm>
+          <a:prstGeom prst="rect">
+            <a:avLst/>
+          </a:prstGeom>
+          <a:gradFill flip="none" rotWithShape="1">
+            <a:gsLst>
+              <a:gs pos="0">
+                <a:schemeClr val="bg2">
+                  <a:alpha val="0"/>
+                </a:schemeClr>
+              </a:gs>
+              <a:gs pos="100000">
+                <a:schemeClr val="bg2"/>
+              </a:gs>
+            </a:gsLst>
+            <a:lin ang="5400000" scaled="0"/>
+            <a:tileRect/>
+          </a:gradFill>
+          <a:ln>
+            <a:noFill/>
+          </a:ln>
+        </p:spPr>
+        <p:style>
+          <a:lnRef idx="2">
+            <a:schemeClr val="accent1">
+              <a:shade val="50000"/>
+            </a:schemeClr>
+          </a:lnRef>
+          <a:fillRef idx="1">
+            <a:schemeClr val="accent1"/>
+          </a:fillRef>
+          <a:effectRef idx="0">
+            <a:schemeClr val="accent1"/>
+          </a:effectRef>
+          <a:fontRef idx="minor">
+            <a:schemeClr val="lt1"/>
+          </a:fontRef>
+        </p:style>
+      </p:sp>
+      <p:pic>
+        <p:nvPicPr>
+          <p:cNvPr id="7" name="Picture 6"/>
+          <p:cNvPicPr>
+            <a:picLocks noChangeAspect="1"/>
+          </p:cNvPicPr>
+          <p:nvPr/>
+        </p:nvPicPr>
+        <p:blipFill rotWithShape="1">
+          <a:blip r:embed="rId13">
+            <a:extLst>
+              <a:ext uri="{28A0092B-C50C-407E-A947-70E740481C1C}">
+                <a14:useLocalDpi xmlns:a14="http://schemas.microsoft.com/office/drawing/2010/main" val="0"/>
+              </a:ext>
+            </a:extLst>
+          </a:blip>
+          <a:srcRect t="1538" b="-1538"/>
+          <a:stretch/>
+        </p:blipFill>
+        <p:spPr bwMode="black">
+          <a:xfrm>
+            <a:off x="0" y="6126480"/>
+            <a:ext cx="12192000" cy="742950"/>
           </a:xfrm>
           <a:prstGeom prst="rect">
             <a:avLst/>
           </a:prstGeom>
         </p:spPr>
-        <p:txBody>
-          <a:bodyPr vert="horz" lIns="91440" tIns="45720" rIns="91440" bIns="45720" rtlCol="0" anchor="ctr">
-            <a:normAutofit/>
-          </a:bodyPr>
-          <a:lstStyle/>
-          <a:p>
-            <a:r>
-              <a:rPr lang="en-US"/>
-              <a:t>Click to edit Master title style</a:t>
-            </a:r>
-          </a:p>
-        </p:txBody>
-      </p:sp>
-      <p:sp>
-        <p:nvSpPr>
-          <p:cNvPr id="3" name="Text Placeholder 2">
-            <a:extLst>
-              <a:ext uri="{FF2B5EF4-FFF2-40B4-BE49-F238E27FC236}">
-                <a16:creationId xmlns:a16="http://schemas.microsoft.com/office/drawing/2014/main" id="{FD88BB7C-B160-4CA6-9767-D522FDF969F9}"/>
-              </a:ext>
-            </a:extLst>
-          </p:cNvPr>
-          <p:cNvSpPr>
-            <a:spLocks noGrp="1"/>
-          </p:cNvSpPr>
-          <p:nvPr>
-            <p:ph type="body" idx="1"/>
+      </p:pic>
+      <p:sp>
+        <p:nvSpPr>
+          <p:cNvPr id="2" name="Title Placeholder 1"/>
+          <p:cNvSpPr>
+            <a:spLocks noGrp="1"/>
+          </p:cNvSpPr>
+          <p:nvPr>
+            <p:ph type="title"/>
           </p:nvPr>
         </p:nvSpPr>
         <p:spPr>
           <a:xfrm>
-            <a:off x="838200" y="1825625"/>
-            <a:ext cx="10515600" cy="4351338"/>
+            <a:off x="1451579" y="804519"/>
+            <a:ext cx="9603275" cy="1049235"/>
           </a:xfrm>
           <a:prstGeom prst="rect">
             <a:avLst/>
           </a:prstGeom>
         </p:spPr>
         <p:txBody>
-          <a:bodyPr vert="horz" lIns="91440" tIns="45720" rIns="91440" bIns="45720" rtlCol="0">
+          <a:bodyPr vert="horz" lIns="91440" tIns="45720" rIns="91440" bIns="45720" rtlCol="0" anchor="t">
             <a:normAutofit/>
           </a:bodyPr>
           <a:lstStyle/>
           <a:p>
-            <a:pPr lvl="0"/>
             <a:r>
               <a:rPr lang="en-US"/>
-              <a:t>Click to edit Master text styles</a:t>
-            </a:r>
-          </a:p>
-          <a:p>
-            <a:pPr lvl="1"/>
-            <a:r>
-              <a:rPr lang="en-US"/>
-              <a:t>Second level</a:t>
-            </a:r>
-          </a:p>
-          <a:p>
-            <a:pPr lvl="2"/>
-            <a:r>
-              <a:rPr lang="en-US"/>
-              <a:t>Third level</a:t>
-            </a:r>
-          </a:p>
-          <a:p>
-            <a:pPr lvl="3"/>
-            <a:r>
-              <a:rPr lang="en-US"/>
-              <a:t>Fourth level</a:t>
-            </a:r>
-          </a:p>
-          <a:p>
-            <a:pPr lvl="4"/>
-            <a:r>
-              <a:rPr lang="en-US"/>
-              <a:t>Fifth level</a:t>
-            </a:r>
-          </a:p>
-        </p:txBody>
-      </p:sp>
-      <p:sp>
-        <p:nvSpPr>
-          <p:cNvPr id="4" name="Date Placeholder 3">
-            <a:extLst>
-              <a:ext uri="{FF2B5EF4-FFF2-40B4-BE49-F238E27FC236}">
-                <a16:creationId xmlns:a16="http://schemas.microsoft.com/office/drawing/2014/main" id="{EEAFA836-240E-43B1-B309-A543B744187D}"/>
-              </a:ext>
-            </a:extLst>
-          </p:cNvPr>
-          <p:cNvSpPr>
-            <a:spLocks noGrp="1"/>
-          </p:cNvSpPr>
-          <p:nvPr>
-            <p:ph type="dt" sz="half" idx="2"/>
+              <a:t>Click to edit Master title style</a:t>
+            </a:r>
+            <a:endParaRPr lang="en-US" dirty="0"/>
+          </a:p>
+        </p:txBody>
+      </p:sp>
+      <p:sp>
+        <p:nvSpPr>
+          <p:cNvPr id="3" name="Text Placeholder 2"/>
+          <p:cNvSpPr>
+            <a:spLocks noGrp="1"/>
+          </p:cNvSpPr>
+          <p:nvPr>
+            <p:ph type="body" idx="1"/>
           </p:nvPr>
         </p:nvSpPr>
         <p:spPr>
           <a:xfrm>
-            <a:off x="838200" y="6356350"/>
-            <a:ext cx="2743200" cy="365125"/>
+            <a:off x="1451579" y="2015732"/>
+            <a:ext cx="9603275" cy="3450613"/>
           </a:xfrm>
           <a:prstGeom prst="rect">
             <a:avLst/>
           </a:prstGeom>
         </p:spPr>
         <p:txBody>
+          <a:bodyPr vert="horz" lIns="91440" tIns="45720" rIns="91440" bIns="45720" rtlCol="0">
+            <a:normAutofit/>
+          </a:bodyPr>
+          <a:lstStyle/>
+          <a:p>
+            <a:pPr lvl="0"/>
+            <a:r>
+              <a:rPr lang="en-US"/>
+              <a:t>Click to edit Master text styles</a:t>
+            </a:r>
+          </a:p>
+          <a:p>
+            <a:pPr lvl="1"/>
+            <a:r>
+              <a:rPr lang="en-US"/>
+              <a:t>Second level</a:t>
+            </a:r>
+          </a:p>
+          <a:p>
+            <a:pPr lvl="2"/>
+            <a:r>
+              <a:rPr lang="en-US"/>
+              <a:t>Third level</a:t>
+            </a:r>
+          </a:p>
+          <a:p>
+            <a:pPr lvl="3"/>
+            <a:r>
+              <a:rPr lang="en-US"/>
+              <a:t>Fourth level</a:t>
+            </a:r>
+          </a:p>
+          <a:p>
+            <a:pPr lvl="4"/>
+            <a:r>
+              <a:rPr lang="en-US"/>
+              <a:t>Fifth level</a:t>
+            </a:r>
+            <a:endParaRPr lang="en-US" dirty="0"/>
+          </a:p>
+        </p:txBody>
+      </p:sp>
+      <p:sp>
+        <p:nvSpPr>
+          <p:cNvPr id="4" name="Date Placeholder 3"/>
+          <p:cNvSpPr>
+            <a:spLocks noGrp="1"/>
+          </p:cNvSpPr>
+          <p:nvPr>
+            <p:ph type="dt" sz="half" idx="2"/>
+          </p:nvPr>
+        </p:nvSpPr>
+        <p:spPr>
+          <a:xfrm>
+            <a:off x="7554138" y="330370"/>
+            <a:ext cx="3500715" cy="309201"/>
+          </a:xfrm>
+          <a:prstGeom prst="rect">
+            <a:avLst/>
+          </a:prstGeom>
+        </p:spPr>
+        <p:txBody>
           <a:bodyPr vert="horz" lIns="91440" tIns="45720" rIns="91440" bIns="45720" rtlCol="0" anchor="ctr"/>
           <a:lstStyle>
-            <a:lvl1pPr algn="l">
-              <a:defRPr sz="1200">
+            <a:lvl1pPr algn="r">
+              <a:defRPr sz="1000">
                 <a:solidFill>
                   <a:schemeClr val="tx1">
                     <a:tint val="75000"/>
@@ -2928,7 +3178,7 @@
           <a:p>
             <a:fld id="{A28F3DAD-FDE4-4B63-8F60-730F5BA11A21}" type="datetimeFigureOut">
               <a:rPr lang="en-US" smtClean="0"/>
-              <a:t>4/10/2023</a:t>
+              <a:t>4/12/2023</a:t>
             </a:fld>
             <a:endParaRPr lang="en-US"/>
           </a:p>
@@ -2936,13 +3186,7 @@
       </p:sp>
       <p:sp>
         <p:nvSpPr>
-          <p:cNvPr id="5" name="Footer Placeholder 4">
-            <a:extLst>
-              <a:ext uri="{FF2B5EF4-FFF2-40B4-BE49-F238E27FC236}">
-                <a16:creationId xmlns:a16="http://schemas.microsoft.com/office/drawing/2014/main" id="{57A429F3-1B5B-4056-82D8-9316DA76B1B7}"/>
-              </a:ext>
-            </a:extLst>
-          </p:cNvPr>
+          <p:cNvPr id="5" name="Footer Placeholder 4"/>
           <p:cNvSpPr>
             <a:spLocks noGrp="1"/>
           </p:cNvSpPr>
@@ -2952,8 +3196,8 @@
         </p:nvSpPr>
         <p:spPr>
           <a:xfrm>
-            <a:off x="4038600" y="6356350"/>
-            <a:ext cx="4114800" cy="365125"/>
+            <a:off x="1451579" y="329307"/>
+            <a:ext cx="5938836" cy="309201"/>
           </a:xfrm>
           <a:prstGeom prst="rect">
             <a:avLst/>
@@ -2962,8 +3206,8 @@
         <p:txBody>
           <a:bodyPr vert="horz" lIns="91440" tIns="45720" rIns="91440" bIns="45720" rtlCol="0" anchor="ctr"/>
           <a:lstStyle>
-            <a:lvl1pPr algn="ctr">
-              <a:defRPr sz="1200">
+            <a:lvl1pPr algn="l">
+              <a:defRPr sz="1000">
                 <a:solidFill>
                   <a:schemeClr val="tx1">
                     <a:tint val="75000"/>
@@ -2979,13 +3223,7 @@
       </p:sp>
       <p:sp>
         <p:nvSpPr>
-          <p:cNvPr id="6" name="Slide Number Placeholder 5">
-            <a:extLst>
-              <a:ext uri="{FF2B5EF4-FFF2-40B4-BE49-F238E27FC236}">
-                <a16:creationId xmlns:a16="http://schemas.microsoft.com/office/drawing/2014/main" id="{AE7CE497-BD92-4E3B-9DB9-CCAD758E6619}"/>
-              </a:ext>
-            </a:extLst>
-          </p:cNvPr>
+          <p:cNvPr id="6" name="Slide Number Placeholder 5"/>
           <p:cNvSpPr>
             <a:spLocks noGrp="1"/>
           </p:cNvSpPr>
@@ -2995,22 +3233,20 @@
         </p:nvSpPr>
         <p:spPr>
           <a:xfrm>
-            <a:off x="8610600" y="6356350"/>
-            <a:ext cx="2743200" cy="365125"/>
+            <a:off x="480060" y="798973"/>
+            <a:ext cx="811019" cy="503578"/>
           </a:xfrm>
           <a:prstGeom prst="rect">
             <a:avLst/>
           </a:prstGeom>
         </p:spPr>
         <p:txBody>
-          <a:bodyPr vert="horz" lIns="91440" tIns="45720" rIns="91440" bIns="45720" rtlCol="0" anchor="ctr"/>
+          <a:bodyPr vert="horz" lIns="91440" tIns="45720" rIns="91440" bIns="45720" rtlCol="0" anchor="t"/>
           <a:lstStyle>
             <a:lvl1pPr algn="r">
-              <a:defRPr sz="1200">
+              <a:defRPr sz="2800">
                 <a:solidFill>
-                  <a:schemeClr val="tx1">
-                    <a:tint val="75000"/>
-                  </a:schemeClr>
+                  <a:schemeClr val="accent1"/>
                 </a:solidFill>
               </a:defRPr>
             </a:lvl1pPr>
@@ -3024,26 +3260,63 @@
           </a:p>
         </p:txBody>
       </p:sp>
+      <p:cxnSp>
+        <p:nvCxnSpPr>
+          <p:cNvPr id="10" name="Straight Connector 9"/>
+          <p:cNvCxnSpPr/>
+          <p:nvPr/>
+        </p:nvCxnSpPr>
+        <p:spPr>
+          <a:xfrm>
+            <a:off x="0" y="6128413"/>
+            <a:ext cx="12192000" cy="0"/>
+          </a:xfrm>
+          <a:prstGeom prst="line">
+            <a:avLst/>
+          </a:prstGeom>
+          <a:ln w="12700">
+            <a:solidFill>
+              <a:srgbClr val="000001">
+                <a:alpha val="20000"/>
+              </a:srgbClr>
+            </a:solidFill>
+          </a:ln>
+        </p:spPr>
+        <p:style>
+          <a:lnRef idx="1">
+            <a:schemeClr val="accent1"/>
+          </a:lnRef>
+          <a:fillRef idx="0">
+            <a:schemeClr val="accent1"/>
+          </a:fillRef>
+          <a:effectRef idx="0">
+            <a:schemeClr val="accent1"/>
+          </a:effectRef>
+          <a:fontRef idx="minor">
+            <a:schemeClr val="tx1"/>
+          </a:fontRef>
+        </p:style>
+      </p:cxnSp>
     </p:spTree>
     <p:extLst>
       <p:ext uri="{BB962C8B-B14F-4D97-AF65-F5344CB8AC3E}">
-        <p14:creationId xmlns:p14="http://schemas.microsoft.com/office/powerpoint/2010/main" val="2759185800"/>
+        <p14:creationId xmlns:p14="http://schemas.microsoft.com/office/powerpoint/2010/main" val="1958833448"/>
       </p:ext>
     </p:extLst>
   </p:cSld>
   <p:clrMap bg1="lt1" tx1="dk1" bg2="lt2" tx2="dk2" accent1="accent1" accent2="accent2" accent3="accent3" accent4="accent4" accent5="accent5" accent6="accent6" hlink="hlink" folHlink="folHlink"/>
   <p:sldLayoutIdLst>
-    <p:sldLayoutId id="2147483649" r:id="rId1"/>
-    <p:sldLayoutId id="2147483650" r:id="rId2"/>
-    <p:sldLayoutId id="2147483651" r:id="rId3"/>
-    <p:sldLayoutId id="2147483652" r:id="rId4"/>
-    <p:sldLayoutId id="2147483653" r:id="rId5"/>
-    <p:sldLayoutId id="2147483654" r:id="rId6"/>
-    <p:sldLayoutId id="2147483655" r:id="rId7"/>
-    <p:sldLayoutId id="2147483656" r:id="rId8"/>
-    <p:sldLayoutId id="2147483657" r:id="rId9"/>
-    <p:sldLayoutId id="2147483658" r:id="rId10"/>
-    <p:sldLayoutId id="2147483659" r:id="rId11"/>
+    <p:sldLayoutId id="2147483661" r:id="rId1"/>
+    <p:sldLayoutId id="2147483662" r:id="rId2"/>
+    <p:sldLayoutId id="2147483663" r:id="rId3"/>
+    <p:sldLayoutId id="2147483664" r:id="rId4"/>
+    <p:sldLayoutId id="2147483665" r:id="rId5"/>
+    <p:sldLayoutId id="2147483666" r:id="rId6"/>
+    <p:sldLayoutId id="2147483667" r:id="rId7"/>
+    <p:sldLayoutId id="2147483668" r:id="rId8"/>
+    <p:sldLayoutId id="2147483669" r:id="rId9"/>
+    <p:sldLayoutId id="2147483670" r:id="rId10"/>
+    <p:sldLayoutId id="2147483671" r:id="rId11"/>
   </p:sldLayoutIdLst>
   <p:txStyles>
     <p:titleStyle>
@@ -3055,10 +3328,11 @@
           <a:spcPct val="0"/>
         </a:spcBef>
         <a:buNone/>
-        <a:defRPr sz="4400" kern="1200">
+        <a:defRPr sz="3200" b="0" i="0" kern="1200" cap="all">
           <a:solidFill>
             <a:schemeClr val="tx1"/>
           </a:solidFill>
+          <a:effectLst/>
           <a:latin typeface="+mj-lt"/>
           <a:ea typeface="+mj-ea"/>
           <a:cs typeface="+mj-cs"/>
@@ -3068,17 +3342,22 @@
     <p:bodyStyle>
       <a:lvl1pPr marL="228600" indent="-228600" algn="l" defTabSz="914400" rtl="0" eaLnBrk="1" latinLnBrk="0" hangingPunct="1">
         <a:lnSpc>
-          <a:spcPct val="90000"/>
+          <a:spcPct val="120000"/>
         </a:lnSpc>
         <a:spcBef>
           <a:spcPts val="1000"/>
         </a:spcBef>
+        <a:buClr>
+          <a:schemeClr val="accent1"/>
+        </a:buClr>
+        <a:buSzPct val="100000"/>
         <a:buFont typeface="Arial" panose="020B0604020202020204" pitchFamily="34" charset="0"/>
         <a:buChar char="•"/>
-        <a:defRPr sz="2800" kern="1200">
+        <a:defRPr sz="2000" kern="1200">
           <a:solidFill>
             <a:schemeClr val="tx1"/>
           </a:solidFill>
+          <a:effectLst/>
           <a:latin typeface="+mn-lt"/>
           <a:ea typeface="+mn-ea"/>
           <a:cs typeface="+mn-cs"/>
@@ -3086,17 +3365,22 @@
       </a:lvl1pPr>
       <a:lvl2pPr marL="685800" indent="-228600" algn="l" defTabSz="914400" rtl="0" eaLnBrk="1" latinLnBrk="0" hangingPunct="1">
         <a:lnSpc>
-          <a:spcPct val="90000"/>
+          <a:spcPct val="120000"/>
         </a:lnSpc>
         <a:spcBef>
           <a:spcPts val="500"/>
         </a:spcBef>
+        <a:buClr>
+          <a:schemeClr val="accent1"/>
+        </a:buClr>
+        <a:buSzPct val="100000"/>
         <a:buFont typeface="Arial" panose="020B0604020202020204" pitchFamily="34" charset="0"/>
         <a:buChar char="•"/>
-        <a:defRPr sz="2400" kern="1200">
+        <a:defRPr sz="1800" kern="1200" cap="none" baseline="0">
           <a:solidFill>
             <a:schemeClr val="tx1"/>
           </a:solidFill>
+          <a:effectLst/>
           <a:latin typeface="+mn-lt"/>
           <a:ea typeface="+mn-ea"/>
           <a:cs typeface="+mn-cs"/>
@@ -3104,17 +3388,22 @@
       </a:lvl2pPr>
       <a:lvl3pPr marL="1143000" indent="-228600" algn="l" defTabSz="914400" rtl="0" eaLnBrk="1" latinLnBrk="0" hangingPunct="1">
         <a:lnSpc>
-          <a:spcPct val="90000"/>
+          <a:spcPct val="120000"/>
         </a:lnSpc>
         <a:spcBef>
           <a:spcPts val="500"/>
         </a:spcBef>
+        <a:buClr>
+          <a:schemeClr val="accent1"/>
+        </a:buClr>
+        <a:buSzPct val="100000"/>
         <a:buFont typeface="Arial" panose="020B0604020202020204" pitchFamily="34" charset="0"/>
         <a:buChar char="•"/>
-        <a:defRPr sz="2000" kern="1200">
+        <a:defRPr sz="1600" kern="1200">
           <a:solidFill>
             <a:schemeClr val="tx1"/>
           </a:solidFill>
+          <a:effectLst/>
           <a:latin typeface="+mn-lt"/>
           <a:ea typeface="+mn-ea"/>
           <a:cs typeface="+mn-cs"/>
@@ -3122,17 +3411,22 @@
       </a:lvl3pPr>
       <a:lvl4pPr marL="1600200" indent="-228600" algn="l" defTabSz="914400" rtl="0" eaLnBrk="1" latinLnBrk="0" hangingPunct="1">
         <a:lnSpc>
-          <a:spcPct val="90000"/>
+          <a:spcPct val="120000"/>
         </a:lnSpc>
         <a:spcBef>
           <a:spcPts val="500"/>
         </a:spcBef>
+        <a:buClr>
+          <a:schemeClr val="accent1"/>
+        </a:buClr>
+        <a:buSzPct val="100000"/>
         <a:buFont typeface="Arial" panose="020B0604020202020204" pitchFamily="34" charset="0"/>
         <a:buChar char="•"/>
-        <a:defRPr sz="1800" kern="1200">
+        <a:defRPr sz="1400" kern="1200" cap="none" baseline="0">
           <a:solidFill>
             <a:schemeClr val="tx1"/>
           </a:solidFill>
+          <a:effectLst/>
           <a:latin typeface="+mn-lt"/>
           <a:ea typeface="+mn-ea"/>
           <a:cs typeface="+mn-cs"/>
@@ -3140,17 +3434,22 @@
       </a:lvl4pPr>
       <a:lvl5pPr marL="2057400" indent="-228600" algn="l" defTabSz="914400" rtl="0" eaLnBrk="1" latinLnBrk="0" hangingPunct="1">
         <a:lnSpc>
-          <a:spcPct val="90000"/>
+          <a:spcPct val="120000"/>
         </a:lnSpc>
         <a:spcBef>
           <a:spcPts val="500"/>
         </a:spcBef>
+        <a:buClr>
+          <a:schemeClr val="accent1"/>
+        </a:buClr>
+        <a:buSzPct val="100000"/>
         <a:buFont typeface="Arial" panose="020B0604020202020204" pitchFamily="34" charset="0"/>
         <a:buChar char="•"/>
-        <a:defRPr sz="1800" kern="1200">
+        <a:defRPr sz="1200" kern="1200">
           <a:solidFill>
             <a:schemeClr val="tx1"/>
           </a:solidFill>
+          <a:effectLst/>
           <a:latin typeface="+mn-lt"/>
           <a:ea typeface="+mn-ea"/>
           <a:cs typeface="+mn-cs"/>
@@ -3158,17 +3457,22 @@
       </a:lvl5pPr>
       <a:lvl6pPr marL="2514600" indent="-228600" algn="l" defTabSz="914400" rtl="0" eaLnBrk="1" latinLnBrk="0" hangingPunct="1">
         <a:lnSpc>
-          <a:spcPct val="90000"/>
+          <a:spcPct val="120000"/>
         </a:lnSpc>
         <a:spcBef>
           <a:spcPts val="500"/>
         </a:spcBef>
+        <a:buClr>
+          <a:schemeClr val="accent1"/>
+        </a:buClr>
+        <a:buSzPct val="100000"/>
         <a:buFont typeface="Arial" panose="020B0604020202020204" pitchFamily="34" charset="0"/>
         <a:buChar char="•"/>
-        <a:defRPr sz="1800" kern="1200">
+        <a:defRPr sz="1200" kern="1200">
           <a:solidFill>
             <a:schemeClr val="tx1"/>
           </a:solidFill>
+          <a:effectLst/>
           <a:latin typeface="+mn-lt"/>
           <a:ea typeface="+mn-ea"/>
           <a:cs typeface="+mn-cs"/>
@@ -3176,17 +3480,22 @@
       </a:lvl6pPr>
       <a:lvl7pPr marL="2971800" indent="-228600" algn="l" defTabSz="914400" rtl="0" eaLnBrk="1" latinLnBrk="0" hangingPunct="1">
         <a:lnSpc>
-          <a:spcPct val="90000"/>
+          <a:spcPct val="120000"/>
         </a:lnSpc>
         <a:spcBef>
           <a:spcPts val="500"/>
         </a:spcBef>
+        <a:buClr>
+          <a:schemeClr val="accent1"/>
+        </a:buClr>
+        <a:buSzPct val="100000"/>
         <a:buFont typeface="Arial" panose="020B0604020202020204" pitchFamily="34" charset="0"/>
         <a:buChar char="•"/>
-        <a:defRPr sz="1800" kern="1200">
+        <a:defRPr sz="1200" kern="1200">
           <a:solidFill>
             <a:schemeClr val="tx1"/>
           </a:solidFill>
+          <a:effectLst/>
           <a:latin typeface="+mn-lt"/>
           <a:ea typeface="+mn-ea"/>
           <a:cs typeface="+mn-cs"/>
@@ -3194,17 +3503,22 @@
       </a:lvl7pPr>
       <a:lvl8pPr marL="3429000" indent="-228600" algn="l" defTabSz="914400" rtl="0" eaLnBrk="1" latinLnBrk="0" hangingPunct="1">
         <a:lnSpc>
-          <a:spcPct val="90000"/>
+          <a:spcPct val="120000"/>
         </a:lnSpc>
         <a:spcBef>
           <a:spcPts val="500"/>
         </a:spcBef>
+        <a:buClr>
+          <a:schemeClr val="accent1"/>
+        </a:buClr>
+        <a:buSzPct val="100000"/>
         <a:buFont typeface="Arial" panose="020B0604020202020204" pitchFamily="34" charset="0"/>
         <a:buChar char="•"/>
-        <a:defRPr sz="1800" kern="1200">
+        <a:defRPr sz="1200" kern="1200" baseline="0">
           <a:solidFill>
             <a:schemeClr val="tx1"/>
           </a:solidFill>
+          <a:effectLst/>
           <a:latin typeface="+mn-lt"/>
           <a:ea typeface="+mn-ea"/>
           <a:cs typeface="+mn-cs"/>
@@ -3212,17 +3526,22 @@
       </a:lvl8pPr>
       <a:lvl9pPr marL="3886200" indent="-228600" algn="l" defTabSz="914400" rtl="0" eaLnBrk="1" latinLnBrk="0" hangingPunct="1">
         <a:lnSpc>
-          <a:spcPct val="90000"/>
+          <a:spcPct val="120000"/>
         </a:lnSpc>
         <a:spcBef>
           <a:spcPts val="500"/>
         </a:spcBef>
+        <a:buClr>
+          <a:schemeClr val="accent1"/>
+        </a:buClr>
+        <a:buSzPct val="100000"/>
         <a:buFont typeface="Arial" panose="020B0604020202020204" pitchFamily="34" charset="0"/>
         <a:buChar char="•"/>
-        <a:defRPr sz="1800" kern="1200">
+        <a:defRPr sz="1200" kern="1200" baseline="0">
           <a:solidFill>
             <a:schemeClr val="tx1"/>
           </a:solidFill>
+          <a:effectLst/>
           <a:latin typeface="+mn-lt"/>
           <a:ea typeface="+mn-ea"/>
           <a:cs typeface="+mn-cs"/>
@@ -3477,7 +3796,9 @@
         </p:nvSpPr>
         <p:spPr/>
         <p:txBody>
-          <a:bodyPr/>
+          <a:bodyPr>
+            <a:normAutofit lnSpcReduction="10000"/>
+          </a:bodyPr>
           <a:lstStyle/>
           <a:p>
             <a:r>
@@ -4742,12 +5063,1253 @@
               <a:t> sort Numbers, it is not as accurate as with Strings</a:t>
             </a:r>
           </a:p>
+          <a:p>
+            <a:r>
+              <a:rPr lang="en-US" dirty="0"/>
+              <a:t>By default, sort() converts Numbers to Strings, and it will compare the first Number of each string.</a:t>
+            </a:r>
+          </a:p>
+          <a:p>
+            <a:r>
+              <a:rPr lang="en-US" dirty="0"/>
+              <a:t>This will sort incorrectly in situations like with “50” and “250”, since it will read the 5 in 50 and the 2 in 250 first and 5 &gt; 2.</a:t>
+            </a:r>
+          </a:p>
         </p:txBody>
       </p:sp>
     </p:spTree>
     <p:extLst>
       <p:ext uri="{BB962C8B-B14F-4D97-AF65-F5344CB8AC3E}">
         <p14:creationId xmlns:p14="http://schemas.microsoft.com/office/powerpoint/2010/main" val="2808866415"/>
+      </p:ext>
+    </p:extLst>
+  </p:cSld>
+  <p:clrMapOvr>
+    <a:masterClrMapping/>
+  </p:clrMapOvr>
+</p:sld>
+</file>
+
+<file path=ppt/slides/slide21.xml><?xml version="1.0" encoding="utf-8"?>
+<p:sld xmlns:a="http://schemas.openxmlformats.org/drawingml/2006/main" xmlns:r="http://schemas.openxmlformats.org/officeDocument/2006/relationships" xmlns:p="http://schemas.openxmlformats.org/presentationml/2006/main">
+  <p:cSld>
+    <p:spTree>
+      <p:nvGrpSpPr>
+        <p:cNvPr id="1" name=""/>
+        <p:cNvGrpSpPr/>
+        <p:nvPr/>
+      </p:nvGrpSpPr>
+      <p:grpSpPr>
+        <a:xfrm>
+          <a:off x="0" y="0"/>
+          <a:ext cx="0" cy="0"/>
+          <a:chOff x="0" y="0"/>
+          <a:chExt cx="0" cy="0"/>
+        </a:xfrm>
+      </p:grpSpPr>
+      <p:sp>
+        <p:nvSpPr>
+          <p:cNvPr id="2" name="Title 1">
+            <a:extLst>
+              <a:ext uri="{FF2B5EF4-FFF2-40B4-BE49-F238E27FC236}">
+                <a16:creationId xmlns:a16="http://schemas.microsoft.com/office/drawing/2014/main" id="{92A8A4E7-EBFF-4676-93CD-56A21C2AC8C8}"/>
+              </a:ext>
+            </a:extLst>
+          </p:cNvPr>
+          <p:cNvSpPr>
+            <a:spLocks noGrp="1"/>
+          </p:cNvSpPr>
+          <p:nvPr>
+            <p:ph type="title"/>
+          </p:nvPr>
+        </p:nvSpPr>
+        <p:spPr/>
+        <p:txBody>
+          <a:bodyPr/>
+          <a:lstStyle/>
+          <a:p>
+            <a:r>
+              <a:rPr lang="en-US" dirty="0"/>
+              <a:t>Sorting Numbers</a:t>
+            </a:r>
+          </a:p>
+        </p:txBody>
+      </p:sp>
+      <p:sp>
+        <p:nvSpPr>
+          <p:cNvPr id="3" name="Content Placeholder 2">
+            <a:extLst>
+              <a:ext uri="{FF2B5EF4-FFF2-40B4-BE49-F238E27FC236}">
+                <a16:creationId xmlns:a16="http://schemas.microsoft.com/office/drawing/2014/main" id="{0FFCA134-AC3F-40B6-BEC0-31614F45AC55}"/>
+              </a:ext>
+            </a:extLst>
+          </p:cNvPr>
+          <p:cNvSpPr>
+            <a:spLocks noGrp="1"/>
+          </p:cNvSpPr>
+          <p:nvPr>
+            <p:ph idx="1"/>
+          </p:nvPr>
+        </p:nvSpPr>
+        <p:spPr/>
+        <p:txBody>
+          <a:bodyPr/>
+          <a:lstStyle/>
+          <a:p>
+            <a:r>
+              <a:rPr lang="en-US" dirty="0"/>
+              <a:t>We will need to sort Numbers frequently, so to solve this issue, we have to write a </a:t>
+            </a:r>
+            <a:r>
+              <a:rPr lang="en-US" b="1" i="1" dirty="0"/>
+              <a:t>compare function</a:t>
+            </a:r>
+            <a:r>
+              <a:rPr lang="en-US" dirty="0"/>
+              <a:t> to give to the sort() method</a:t>
+            </a:r>
+          </a:p>
+          <a:p>
+            <a:r>
+              <a:rPr lang="en-US" dirty="0"/>
+              <a:t>Don’t worry too much about how the function works for right now: only that a – b will sort ascending, and b – a will sort descending.</a:t>
+            </a:r>
+          </a:p>
+          <a:p>
+            <a:r>
+              <a:rPr lang="en-US" dirty="0"/>
+              <a:t>Notice: this function does not have a name.</a:t>
+            </a:r>
+          </a:p>
+          <a:p>
+            <a:endParaRPr lang="en-US" dirty="0"/>
+          </a:p>
+        </p:txBody>
+      </p:sp>
+      <p:pic>
+        <p:nvPicPr>
+          <p:cNvPr id="7" name="Picture 6">
+            <a:extLst>
+              <a:ext uri="{FF2B5EF4-FFF2-40B4-BE49-F238E27FC236}">
+                <a16:creationId xmlns:a16="http://schemas.microsoft.com/office/drawing/2014/main" id="{1BF34AF8-F450-4697-A799-4F468D482EFE}"/>
+              </a:ext>
+            </a:extLst>
+          </p:cNvPr>
+          <p:cNvPicPr>
+            <a:picLocks noChangeAspect="1"/>
+          </p:cNvPicPr>
+          <p:nvPr/>
+        </p:nvPicPr>
+        <p:blipFill>
+          <a:blip r:embed="rId2">
+            <a:extLst>
+              <a:ext uri="{28A0092B-C50C-407E-A947-70E740481C1C}">
+                <a14:useLocalDpi xmlns:a14="http://schemas.microsoft.com/office/drawing/2010/main" val="0"/>
+              </a:ext>
+            </a:extLst>
+          </a:blip>
+          <a:stretch>
+            <a:fillRect/>
+          </a:stretch>
+        </p:blipFill>
+        <p:spPr>
+          <a:xfrm>
+            <a:off x="6852747" y="0"/>
+            <a:ext cx="5339253" cy="1524000"/>
+          </a:xfrm>
+          <a:prstGeom prst="rect">
+            <a:avLst/>
+          </a:prstGeom>
+        </p:spPr>
+      </p:pic>
+    </p:spTree>
+    <p:extLst>
+      <p:ext uri="{BB962C8B-B14F-4D97-AF65-F5344CB8AC3E}">
+        <p14:creationId xmlns:p14="http://schemas.microsoft.com/office/powerpoint/2010/main" val="1805768662"/>
+      </p:ext>
+    </p:extLst>
+  </p:cSld>
+  <p:clrMapOvr>
+    <a:masterClrMapping/>
+  </p:clrMapOvr>
+</p:sld>
+</file>
+
+<file path=ppt/slides/slide22.xml><?xml version="1.0" encoding="utf-8"?>
+<p:sld xmlns:a="http://schemas.openxmlformats.org/drawingml/2006/main" xmlns:r="http://schemas.openxmlformats.org/officeDocument/2006/relationships" xmlns:p="http://schemas.openxmlformats.org/presentationml/2006/main">
+  <p:cSld>
+    <p:spTree>
+      <p:nvGrpSpPr>
+        <p:cNvPr id="1" name=""/>
+        <p:cNvGrpSpPr/>
+        <p:nvPr/>
+      </p:nvGrpSpPr>
+      <p:grpSpPr>
+        <a:xfrm>
+          <a:off x="0" y="0"/>
+          <a:ext cx="0" cy="0"/>
+          <a:chOff x="0" y="0"/>
+          <a:chExt cx="0" cy="0"/>
+        </a:xfrm>
+      </p:grpSpPr>
+      <p:sp>
+        <p:nvSpPr>
+          <p:cNvPr id="2" name="Title 1">
+            <a:extLst>
+              <a:ext uri="{FF2B5EF4-FFF2-40B4-BE49-F238E27FC236}">
+                <a16:creationId xmlns:a16="http://schemas.microsoft.com/office/drawing/2014/main" id="{ADBCC767-5F78-476E-A8DD-173284326FD3}"/>
+              </a:ext>
+            </a:extLst>
+          </p:cNvPr>
+          <p:cNvSpPr>
+            <a:spLocks noGrp="1"/>
+          </p:cNvSpPr>
+          <p:nvPr>
+            <p:ph type="title"/>
+          </p:nvPr>
+        </p:nvSpPr>
+        <p:spPr/>
+        <p:txBody>
+          <a:bodyPr/>
+          <a:lstStyle/>
+          <a:p>
+            <a:r>
+              <a:rPr lang="en-US" dirty="0"/>
+              <a:t>Random Sort</a:t>
+            </a:r>
+          </a:p>
+        </p:txBody>
+      </p:sp>
+      <p:sp>
+        <p:nvSpPr>
+          <p:cNvPr id="3" name="Content Placeholder 2">
+            <a:extLst>
+              <a:ext uri="{FF2B5EF4-FFF2-40B4-BE49-F238E27FC236}">
+                <a16:creationId xmlns:a16="http://schemas.microsoft.com/office/drawing/2014/main" id="{C1DC6D82-CAEE-4C5B-BC82-CDEF82D32E23}"/>
+              </a:ext>
+            </a:extLst>
+          </p:cNvPr>
+          <p:cNvSpPr>
+            <a:spLocks noGrp="1"/>
+          </p:cNvSpPr>
+          <p:nvPr>
+            <p:ph idx="1"/>
+          </p:nvPr>
+        </p:nvSpPr>
+        <p:spPr/>
+        <p:txBody>
+          <a:bodyPr/>
+          <a:lstStyle/>
+          <a:p>
+            <a:r>
+              <a:rPr lang="en-US" dirty="0"/>
+              <a:t>Sometimes you might want to “reset” an array back to a random order</a:t>
+            </a:r>
+          </a:p>
+          <a:p>
+            <a:r>
+              <a:rPr lang="en-US" dirty="0"/>
+              <a:t>We can use a special compare function to achieve this</a:t>
+            </a:r>
+          </a:p>
+          <a:p>
+            <a:r>
+              <a:rPr lang="en-US" dirty="0"/>
+              <a:t>Fairly niche</a:t>
+            </a:r>
+          </a:p>
+        </p:txBody>
+      </p:sp>
+      <p:pic>
+        <p:nvPicPr>
+          <p:cNvPr id="5" name="Picture 4">
+            <a:extLst>
+              <a:ext uri="{FF2B5EF4-FFF2-40B4-BE49-F238E27FC236}">
+                <a16:creationId xmlns:a16="http://schemas.microsoft.com/office/drawing/2014/main" id="{037538E9-AE54-4AAC-B53C-5EB8BA4C12A5}"/>
+              </a:ext>
+            </a:extLst>
+          </p:cNvPr>
+          <p:cNvPicPr>
+            <a:picLocks noChangeAspect="1"/>
+          </p:cNvPicPr>
+          <p:nvPr/>
+        </p:nvPicPr>
+        <p:blipFill>
+          <a:blip r:embed="rId2">
+            <a:extLst>
+              <a:ext uri="{28A0092B-C50C-407E-A947-70E740481C1C}">
+                <a14:useLocalDpi xmlns:a14="http://schemas.microsoft.com/office/drawing/2010/main" val="0"/>
+              </a:ext>
+            </a:extLst>
+          </a:blip>
+          <a:stretch>
+            <a:fillRect/>
+          </a:stretch>
+        </p:blipFill>
+        <p:spPr>
+          <a:xfrm>
+            <a:off x="4814376" y="4742329"/>
+            <a:ext cx="7377624" cy="2097415"/>
+          </a:xfrm>
+          <a:prstGeom prst="rect">
+            <a:avLst/>
+          </a:prstGeom>
+        </p:spPr>
+      </p:pic>
+    </p:spTree>
+    <p:extLst>
+      <p:ext uri="{BB962C8B-B14F-4D97-AF65-F5344CB8AC3E}">
+        <p14:creationId xmlns:p14="http://schemas.microsoft.com/office/powerpoint/2010/main" val="1320554393"/>
+      </p:ext>
+    </p:extLst>
+  </p:cSld>
+  <p:clrMapOvr>
+    <a:masterClrMapping/>
+  </p:clrMapOvr>
+</p:sld>
+</file>
+
+<file path=ppt/slides/slide23.xml><?xml version="1.0" encoding="utf-8"?>
+<p:sld xmlns:a="http://schemas.openxmlformats.org/drawingml/2006/main" xmlns:r="http://schemas.openxmlformats.org/officeDocument/2006/relationships" xmlns:p="http://schemas.openxmlformats.org/presentationml/2006/main">
+  <p:cSld>
+    <p:spTree>
+      <p:nvGrpSpPr>
+        <p:cNvPr id="1" name=""/>
+        <p:cNvGrpSpPr/>
+        <p:nvPr/>
+      </p:nvGrpSpPr>
+      <p:grpSpPr>
+        <a:xfrm>
+          <a:off x="0" y="0"/>
+          <a:ext cx="0" cy="0"/>
+          <a:chOff x="0" y="0"/>
+          <a:chExt cx="0" cy="0"/>
+        </a:xfrm>
+      </p:grpSpPr>
+      <p:sp>
+        <p:nvSpPr>
+          <p:cNvPr id="2" name="Title 1">
+            <a:extLst>
+              <a:ext uri="{FF2B5EF4-FFF2-40B4-BE49-F238E27FC236}">
+                <a16:creationId xmlns:a16="http://schemas.microsoft.com/office/drawing/2014/main" id="{B6171517-EDBB-4DE5-AF18-E14600CFDE8E}"/>
+              </a:ext>
+            </a:extLst>
+          </p:cNvPr>
+          <p:cNvSpPr>
+            <a:spLocks noGrp="1"/>
+          </p:cNvSpPr>
+          <p:nvPr>
+            <p:ph type="title"/>
+          </p:nvPr>
+        </p:nvSpPr>
+        <p:spPr/>
+        <p:txBody>
+          <a:bodyPr/>
+          <a:lstStyle/>
+          <a:p>
+            <a:r>
+              <a:rPr lang="en-US" dirty="0"/>
+              <a:t>Finding the Min and Max of an Array</a:t>
+            </a:r>
+          </a:p>
+        </p:txBody>
+      </p:sp>
+      <p:sp>
+        <p:nvSpPr>
+          <p:cNvPr id="3" name="Content Placeholder 2">
+            <a:extLst>
+              <a:ext uri="{FF2B5EF4-FFF2-40B4-BE49-F238E27FC236}">
+                <a16:creationId xmlns:a16="http://schemas.microsoft.com/office/drawing/2014/main" id="{D9187562-8EDB-40DD-9039-C18A7A0FBC7F}"/>
+              </a:ext>
+            </a:extLst>
+          </p:cNvPr>
+          <p:cNvSpPr>
+            <a:spLocks noGrp="1"/>
+          </p:cNvSpPr>
+          <p:nvPr>
+            <p:ph idx="1"/>
+          </p:nvPr>
+        </p:nvSpPr>
+        <p:spPr/>
+        <p:txBody>
+          <a:bodyPr/>
+          <a:lstStyle/>
+          <a:p>
+            <a:r>
+              <a:rPr lang="en-US" dirty="0"/>
+              <a:t>Max:</a:t>
+            </a:r>
+          </a:p>
+          <a:p>
+            <a:pPr lvl="1"/>
+            <a:r>
+              <a:rPr lang="en-US" dirty="0" err="1"/>
+              <a:t>Math.max.apply</a:t>
+            </a:r>
+            <a:r>
+              <a:rPr lang="en-US" dirty="0"/>
+              <a:t>()</a:t>
+            </a:r>
+          </a:p>
+          <a:p>
+            <a:r>
+              <a:rPr lang="en-US" dirty="0"/>
+              <a:t>Min:</a:t>
+            </a:r>
+          </a:p>
+          <a:p>
+            <a:pPr lvl="1"/>
+            <a:r>
+              <a:rPr lang="en-US" dirty="0" err="1"/>
+              <a:t>Math.min.apply</a:t>
+            </a:r>
+            <a:r>
+              <a:rPr lang="en-US" dirty="0"/>
+              <a:t>()</a:t>
+            </a:r>
+          </a:p>
+          <a:p>
+            <a:pPr lvl="1"/>
+            <a:endParaRPr lang="en-US" dirty="0"/>
+          </a:p>
+        </p:txBody>
+      </p:sp>
+      <p:pic>
+        <p:nvPicPr>
+          <p:cNvPr id="5" name="Picture 4">
+            <a:extLst>
+              <a:ext uri="{FF2B5EF4-FFF2-40B4-BE49-F238E27FC236}">
+                <a16:creationId xmlns:a16="http://schemas.microsoft.com/office/drawing/2014/main" id="{EEC47084-BD50-4D87-BCE9-2B5B74276E39}"/>
+              </a:ext>
+            </a:extLst>
+          </p:cNvPr>
+          <p:cNvPicPr>
+            <a:picLocks noChangeAspect="1"/>
+          </p:cNvPicPr>
+          <p:nvPr/>
+        </p:nvPicPr>
+        <p:blipFill>
+          <a:blip r:embed="rId2">
+            <a:extLst>
+              <a:ext uri="{28A0092B-C50C-407E-A947-70E740481C1C}">
+                <a14:useLocalDpi xmlns:a14="http://schemas.microsoft.com/office/drawing/2010/main" val="0"/>
+              </a:ext>
+            </a:extLst>
+          </a:blip>
+          <a:stretch>
+            <a:fillRect/>
+          </a:stretch>
+        </p:blipFill>
+        <p:spPr>
+          <a:xfrm>
+            <a:off x="0" y="3711389"/>
+            <a:ext cx="5182655" cy="3146612"/>
+          </a:xfrm>
+          <a:prstGeom prst="rect">
+            <a:avLst/>
+          </a:prstGeom>
+        </p:spPr>
+      </p:pic>
+      <p:pic>
+        <p:nvPicPr>
+          <p:cNvPr id="7" name="Picture 6">
+            <a:extLst>
+              <a:ext uri="{FF2B5EF4-FFF2-40B4-BE49-F238E27FC236}">
+                <a16:creationId xmlns:a16="http://schemas.microsoft.com/office/drawing/2014/main" id="{B774824D-0668-4C08-84C4-6FAFCADE8BB2}"/>
+              </a:ext>
+            </a:extLst>
+          </p:cNvPr>
+          <p:cNvPicPr>
+            <a:picLocks noChangeAspect="1"/>
+          </p:cNvPicPr>
+          <p:nvPr/>
+        </p:nvPicPr>
+        <p:blipFill>
+          <a:blip r:embed="rId3">
+            <a:extLst>
+              <a:ext uri="{28A0092B-C50C-407E-A947-70E740481C1C}">
+                <a14:useLocalDpi xmlns:a14="http://schemas.microsoft.com/office/drawing/2010/main" val="0"/>
+              </a:ext>
+            </a:extLst>
+          </a:blip>
+          <a:stretch>
+            <a:fillRect/>
+          </a:stretch>
+        </p:blipFill>
+        <p:spPr>
+          <a:xfrm>
+            <a:off x="7144871" y="3714199"/>
+            <a:ext cx="5047129" cy="3143802"/>
+          </a:xfrm>
+          <a:prstGeom prst="rect">
+            <a:avLst/>
+          </a:prstGeom>
+        </p:spPr>
+      </p:pic>
+    </p:spTree>
+    <p:extLst>
+      <p:ext uri="{BB962C8B-B14F-4D97-AF65-F5344CB8AC3E}">
+        <p14:creationId xmlns:p14="http://schemas.microsoft.com/office/powerpoint/2010/main" val="891292664"/>
+      </p:ext>
+    </p:extLst>
+  </p:cSld>
+  <p:clrMapOvr>
+    <a:masterClrMapping/>
+  </p:clrMapOvr>
+</p:sld>
+</file>
+
+<file path=ppt/slides/slide24.xml><?xml version="1.0" encoding="utf-8"?>
+<p:sld xmlns:a="http://schemas.openxmlformats.org/drawingml/2006/main" xmlns:r="http://schemas.openxmlformats.org/officeDocument/2006/relationships" xmlns:p="http://schemas.openxmlformats.org/presentationml/2006/main">
+  <p:cSld>
+    <p:spTree>
+      <p:nvGrpSpPr>
+        <p:cNvPr id="1" name=""/>
+        <p:cNvGrpSpPr/>
+        <p:nvPr/>
+      </p:nvGrpSpPr>
+      <p:grpSpPr>
+        <a:xfrm>
+          <a:off x="0" y="0"/>
+          <a:ext cx="0" cy="0"/>
+          <a:chOff x="0" y="0"/>
+          <a:chExt cx="0" cy="0"/>
+        </a:xfrm>
+      </p:grpSpPr>
+      <p:sp>
+        <p:nvSpPr>
+          <p:cNvPr id="2" name="Title 1">
+            <a:extLst>
+              <a:ext uri="{FF2B5EF4-FFF2-40B4-BE49-F238E27FC236}">
+                <a16:creationId xmlns:a16="http://schemas.microsoft.com/office/drawing/2014/main" id="{4D17C414-36AD-4741-8BB6-E718531F6A3F}"/>
+              </a:ext>
+            </a:extLst>
+          </p:cNvPr>
+          <p:cNvSpPr>
+            <a:spLocks noGrp="1"/>
+          </p:cNvSpPr>
+          <p:nvPr>
+            <p:ph type="title"/>
+          </p:nvPr>
+        </p:nvSpPr>
+        <p:spPr/>
+        <p:txBody>
+          <a:bodyPr/>
+          <a:lstStyle/>
+          <a:p>
+            <a:r>
+              <a:rPr lang="en-US" dirty="0"/>
+              <a:t>Sorting Object Arrays</a:t>
+            </a:r>
+          </a:p>
+        </p:txBody>
+      </p:sp>
+      <p:sp>
+        <p:nvSpPr>
+          <p:cNvPr id="3" name="Content Placeholder 2">
+            <a:extLst>
+              <a:ext uri="{FF2B5EF4-FFF2-40B4-BE49-F238E27FC236}">
+                <a16:creationId xmlns:a16="http://schemas.microsoft.com/office/drawing/2014/main" id="{B62B8136-E2EF-4ED8-9BB3-B3CEF09239BF}"/>
+              </a:ext>
+            </a:extLst>
+          </p:cNvPr>
+          <p:cNvSpPr>
+            <a:spLocks noGrp="1"/>
+          </p:cNvSpPr>
+          <p:nvPr>
+            <p:ph idx="1"/>
+          </p:nvPr>
+        </p:nvSpPr>
+        <p:spPr/>
+        <p:txBody>
+          <a:bodyPr/>
+          <a:lstStyle/>
+          <a:p>
+            <a:r>
+              <a:rPr lang="en-US" dirty="0"/>
+              <a:t>Many times you arrays will be full of objects</a:t>
+            </a:r>
+          </a:p>
+          <a:p>
+            <a:r>
+              <a:rPr lang="en-US" dirty="0"/>
+              <a:t>We can use our compare function with our object’s properties/values</a:t>
+            </a:r>
+          </a:p>
+          <a:p>
+            <a:endParaRPr lang="en-US" dirty="0"/>
+          </a:p>
+          <a:p>
+            <a:endParaRPr lang="en-US" dirty="0"/>
+          </a:p>
+        </p:txBody>
+      </p:sp>
+      <p:pic>
+        <p:nvPicPr>
+          <p:cNvPr id="5" name="Picture 4">
+            <a:extLst>
+              <a:ext uri="{FF2B5EF4-FFF2-40B4-BE49-F238E27FC236}">
+                <a16:creationId xmlns:a16="http://schemas.microsoft.com/office/drawing/2014/main" id="{568215FE-50EC-461D-A9A2-80A6DE29819E}"/>
+              </a:ext>
+            </a:extLst>
+          </p:cNvPr>
+          <p:cNvPicPr>
+            <a:picLocks noChangeAspect="1"/>
+          </p:cNvPicPr>
+          <p:nvPr/>
+        </p:nvPicPr>
+        <p:blipFill>
+          <a:blip r:embed="rId2">
+            <a:extLst>
+              <a:ext uri="{28A0092B-C50C-407E-A947-70E740481C1C}">
+                <a14:useLocalDpi xmlns:a14="http://schemas.microsoft.com/office/drawing/2010/main" val="0"/>
+              </a:ext>
+            </a:extLst>
+          </a:blip>
+          <a:stretch>
+            <a:fillRect/>
+          </a:stretch>
+        </p:blipFill>
+        <p:spPr>
+          <a:xfrm>
+            <a:off x="0" y="3352687"/>
+            <a:ext cx="12192000" cy="3505313"/>
+          </a:xfrm>
+          <a:prstGeom prst="rect">
+            <a:avLst/>
+          </a:prstGeom>
+        </p:spPr>
+      </p:pic>
+    </p:spTree>
+    <p:extLst>
+      <p:ext uri="{BB962C8B-B14F-4D97-AF65-F5344CB8AC3E}">
+        <p14:creationId xmlns:p14="http://schemas.microsoft.com/office/powerpoint/2010/main" val="1759415615"/>
+      </p:ext>
+    </p:extLst>
+  </p:cSld>
+  <p:clrMapOvr>
+    <a:masterClrMapping/>
+  </p:clrMapOvr>
+</p:sld>
+</file>
+
+<file path=ppt/slides/slide25.xml><?xml version="1.0" encoding="utf-8"?>
+<p:sld xmlns:a="http://schemas.openxmlformats.org/drawingml/2006/main" xmlns:r="http://schemas.openxmlformats.org/officeDocument/2006/relationships" xmlns:p="http://schemas.openxmlformats.org/presentationml/2006/main">
+  <p:cSld>
+    <p:spTree>
+      <p:nvGrpSpPr>
+        <p:cNvPr id="1" name=""/>
+        <p:cNvGrpSpPr/>
+        <p:nvPr/>
+      </p:nvGrpSpPr>
+      <p:grpSpPr>
+        <a:xfrm>
+          <a:off x="0" y="0"/>
+          <a:ext cx="0" cy="0"/>
+          <a:chOff x="0" y="0"/>
+          <a:chExt cx="0" cy="0"/>
+        </a:xfrm>
+      </p:grpSpPr>
+      <p:sp>
+        <p:nvSpPr>
+          <p:cNvPr id="2" name="Title 1">
+            <a:extLst>
+              <a:ext uri="{FF2B5EF4-FFF2-40B4-BE49-F238E27FC236}">
+                <a16:creationId xmlns:a16="http://schemas.microsoft.com/office/drawing/2014/main" id="{5DFFA91D-0AE3-4A74-8910-B644D52B70B5}"/>
+              </a:ext>
+            </a:extLst>
+          </p:cNvPr>
+          <p:cNvSpPr>
+            <a:spLocks noGrp="1"/>
+          </p:cNvSpPr>
+          <p:nvPr>
+            <p:ph type="title"/>
+          </p:nvPr>
+        </p:nvSpPr>
+        <p:spPr/>
+        <p:txBody>
+          <a:bodyPr/>
+          <a:lstStyle/>
+          <a:p>
+            <a:r>
+              <a:rPr lang="en-US" dirty="0"/>
+              <a:t>Array Iteration</a:t>
+            </a:r>
+          </a:p>
+        </p:txBody>
+      </p:sp>
+      <p:sp>
+        <p:nvSpPr>
+          <p:cNvPr id="3" name="Content Placeholder 2">
+            <a:extLst>
+              <a:ext uri="{FF2B5EF4-FFF2-40B4-BE49-F238E27FC236}">
+                <a16:creationId xmlns:a16="http://schemas.microsoft.com/office/drawing/2014/main" id="{4185C0A7-43EE-405C-ADC3-541AAF91BFC7}"/>
+              </a:ext>
+            </a:extLst>
+          </p:cNvPr>
+          <p:cNvSpPr>
+            <a:spLocks noGrp="1"/>
+          </p:cNvSpPr>
+          <p:nvPr>
+            <p:ph idx="1"/>
+          </p:nvPr>
+        </p:nvSpPr>
+        <p:spPr/>
+        <p:txBody>
+          <a:bodyPr/>
+          <a:lstStyle/>
+          <a:p>
+            <a:r>
+              <a:rPr lang="en-US" dirty="0"/>
+              <a:t>A lot of times when we work with arrays we want to do something to each element of the array</a:t>
+            </a:r>
+          </a:p>
+          <a:p>
+            <a:r>
+              <a:rPr lang="en-US" dirty="0"/>
+              <a:t>Iteration methods all take a </a:t>
+            </a:r>
+            <a:r>
+              <a:rPr lang="en-US" b="1" i="1" dirty="0"/>
+              <a:t>callback function: </a:t>
+            </a:r>
+            <a:r>
+              <a:rPr lang="en-US" dirty="0"/>
+              <a:t>a function used as a parameter of another function</a:t>
+            </a:r>
+          </a:p>
+          <a:p>
+            <a:r>
+              <a:rPr lang="en-US" dirty="0"/>
+              <a:t>We need to write a callback function to manipulate an element, then the iteration method will apply our callback function to every element in the array</a:t>
+            </a:r>
+          </a:p>
+        </p:txBody>
+      </p:sp>
+    </p:spTree>
+    <p:extLst>
+      <p:ext uri="{BB962C8B-B14F-4D97-AF65-F5344CB8AC3E}">
+        <p14:creationId xmlns:p14="http://schemas.microsoft.com/office/powerpoint/2010/main" val="3397691771"/>
+      </p:ext>
+    </p:extLst>
+  </p:cSld>
+  <p:clrMapOvr>
+    <a:masterClrMapping/>
+  </p:clrMapOvr>
+</p:sld>
+</file>
+
+<file path=ppt/slides/slide26.xml><?xml version="1.0" encoding="utf-8"?>
+<p:sld xmlns:a="http://schemas.openxmlformats.org/drawingml/2006/main" xmlns:r="http://schemas.openxmlformats.org/officeDocument/2006/relationships" xmlns:p="http://schemas.openxmlformats.org/presentationml/2006/main">
+  <p:cSld>
+    <p:spTree>
+      <p:nvGrpSpPr>
+        <p:cNvPr id="1" name=""/>
+        <p:cNvGrpSpPr/>
+        <p:nvPr/>
+      </p:nvGrpSpPr>
+      <p:grpSpPr>
+        <a:xfrm>
+          <a:off x="0" y="0"/>
+          <a:ext cx="0" cy="0"/>
+          <a:chOff x="0" y="0"/>
+          <a:chExt cx="0" cy="0"/>
+        </a:xfrm>
+      </p:grpSpPr>
+      <p:sp>
+        <p:nvSpPr>
+          <p:cNvPr id="2" name="Title 1">
+            <a:extLst>
+              <a:ext uri="{FF2B5EF4-FFF2-40B4-BE49-F238E27FC236}">
+                <a16:creationId xmlns:a16="http://schemas.microsoft.com/office/drawing/2014/main" id="{E71CA59C-C058-4547-A238-23B51116CAE6}"/>
+              </a:ext>
+            </a:extLst>
+          </p:cNvPr>
+          <p:cNvSpPr>
+            <a:spLocks noGrp="1"/>
+          </p:cNvSpPr>
+          <p:nvPr>
+            <p:ph type="title"/>
+          </p:nvPr>
+        </p:nvSpPr>
+        <p:spPr/>
+        <p:txBody>
+          <a:bodyPr/>
+          <a:lstStyle/>
+          <a:p>
+            <a:r>
+              <a:rPr lang="en-US" dirty="0"/>
+              <a:t>Anonymous Functions</a:t>
+            </a:r>
+          </a:p>
+        </p:txBody>
+      </p:sp>
+      <p:sp>
+        <p:nvSpPr>
+          <p:cNvPr id="3" name="Content Placeholder 2">
+            <a:extLst>
+              <a:ext uri="{FF2B5EF4-FFF2-40B4-BE49-F238E27FC236}">
+                <a16:creationId xmlns:a16="http://schemas.microsoft.com/office/drawing/2014/main" id="{95CA53A6-38DF-42BB-8074-867A15D340E7}"/>
+              </a:ext>
+            </a:extLst>
+          </p:cNvPr>
+          <p:cNvSpPr>
+            <a:spLocks noGrp="1"/>
+          </p:cNvSpPr>
+          <p:nvPr>
+            <p:ph idx="1"/>
+          </p:nvPr>
+        </p:nvSpPr>
+        <p:spPr/>
+        <p:txBody>
+          <a:bodyPr/>
+          <a:lstStyle/>
+          <a:p>
+            <a:r>
+              <a:rPr lang="en-US" dirty="0"/>
+              <a:t>Many of our callback functions will only be used a single time inside of an iteration method (similar to compare functions)</a:t>
+            </a:r>
+          </a:p>
+          <a:p>
+            <a:r>
+              <a:rPr lang="en-US" dirty="0"/>
+              <a:t>Functions like these can be defined inside of the parentheses of another function and </a:t>
+            </a:r>
+            <a:r>
+              <a:rPr lang="en-US" i="1" dirty="0"/>
+              <a:t>do not need to be named </a:t>
+            </a:r>
+            <a:endParaRPr lang="en-US" dirty="0"/>
+          </a:p>
+          <a:p>
+            <a:r>
+              <a:rPr lang="en-US" dirty="0"/>
+              <a:t>We call these functions </a:t>
+            </a:r>
+            <a:r>
+              <a:rPr lang="en-US" b="1" i="1" dirty="0"/>
+              <a:t>anonymous functions</a:t>
+            </a:r>
+            <a:r>
+              <a:rPr lang="en-US" dirty="0"/>
+              <a:t> since they only get used once and are never named</a:t>
+            </a:r>
+          </a:p>
+          <a:p>
+            <a:endParaRPr lang="en-US" dirty="0"/>
+          </a:p>
+        </p:txBody>
+      </p:sp>
+    </p:spTree>
+    <p:extLst>
+      <p:ext uri="{BB962C8B-B14F-4D97-AF65-F5344CB8AC3E}">
+        <p14:creationId xmlns:p14="http://schemas.microsoft.com/office/powerpoint/2010/main" val="1982009432"/>
+      </p:ext>
+    </p:extLst>
+  </p:cSld>
+  <p:clrMapOvr>
+    <a:masterClrMapping/>
+  </p:clrMapOvr>
+</p:sld>
+</file>
+
+<file path=ppt/slides/slide27.xml><?xml version="1.0" encoding="utf-8"?>
+<p:sld xmlns:a="http://schemas.openxmlformats.org/drawingml/2006/main" xmlns:r="http://schemas.openxmlformats.org/officeDocument/2006/relationships" xmlns:p="http://schemas.openxmlformats.org/presentationml/2006/main">
+  <p:cSld>
+    <p:spTree>
+      <p:nvGrpSpPr>
+        <p:cNvPr id="1" name=""/>
+        <p:cNvGrpSpPr/>
+        <p:nvPr/>
+      </p:nvGrpSpPr>
+      <p:grpSpPr>
+        <a:xfrm>
+          <a:off x="0" y="0"/>
+          <a:ext cx="0" cy="0"/>
+          <a:chOff x="0" y="0"/>
+          <a:chExt cx="0" cy="0"/>
+        </a:xfrm>
+      </p:grpSpPr>
+      <p:sp>
+        <p:nvSpPr>
+          <p:cNvPr id="2" name="Title 1">
+            <a:extLst>
+              <a:ext uri="{FF2B5EF4-FFF2-40B4-BE49-F238E27FC236}">
+                <a16:creationId xmlns:a16="http://schemas.microsoft.com/office/drawing/2014/main" id="{F5A1C580-E60B-47EF-B20A-E5D246649575}"/>
+              </a:ext>
+            </a:extLst>
+          </p:cNvPr>
+          <p:cNvSpPr>
+            <a:spLocks noGrp="1"/>
+          </p:cNvSpPr>
+          <p:nvPr>
+            <p:ph type="title"/>
+          </p:nvPr>
+        </p:nvSpPr>
+        <p:spPr/>
+        <p:txBody>
+          <a:bodyPr/>
+          <a:lstStyle/>
+          <a:p>
+            <a:r>
+              <a:rPr lang="en-US" b="1" i="1" dirty="0" err="1"/>
+              <a:t>forEach</a:t>
+            </a:r>
+            <a:r>
+              <a:rPr lang="en-US" b="1" i="1" dirty="0"/>
+              <a:t>()</a:t>
+            </a:r>
+          </a:p>
+        </p:txBody>
+      </p:sp>
+      <p:sp>
+        <p:nvSpPr>
+          <p:cNvPr id="3" name="Content Placeholder 2">
+            <a:extLst>
+              <a:ext uri="{FF2B5EF4-FFF2-40B4-BE49-F238E27FC236}">
+                <a16:creationId xmlns:a16="http://schemas.microsoft.com/office/drawing/2014/main" id="{85B0B306-EFA5-4477-A698-49890599D8D7}"/>
+              </a:ext>
+            </a:extLst>
+          </p:cNvPr>
+          <p:cNvSpPr>
+            <a:spLocks noGrp="1"/>
+          </p:cNvSpPr>
+          <p:nvPr>
+            <p:ph idx="1"/>
+          </p:nvPr>
+        </p:nvSpPr>
+        <p:spPr/>
+        <p:txBody>
+          <a:bodyPr/>
+          <a:lstStyle/>
+          <a:p>
+            <a:pPr lvl="1"/>
+            <a:r>
+              <a:rPr lang="en-US" dirty="0"/>
+              <a:t>Applies a callback function to each element of your array</a:t>
+            </a:r>
+          </a:p>
+          <a:p>
+            <a:pPr lvl="1"/>
+            <a:r>
+              <a:rPr lang="en-US" dirty="0"/>
+              <a:t>Three possible parameters:</a:t>
+            </a:r>
+          </a:p>
+          <a:p>
+            <a:pPr lvl="2"/>
+            <a:r>
+              <a:rPr lang="en-US" dirty="0"/>
+              <a:t>element – the element to operate on</a:t>
+            </a:r>
+          </a:p>
+          <a:p>
+            <a:pPr lvl="2"/>
+            <a:r>
+              <a:rPr lang="en-US" dirty="0"/>
+              <a:t>index – the element’s index</a:t>
+            </a:r>
+          </a:p>
+          <a:p>
+            <a:pPr lvl="2"/>
+            <a:r>
+              <a:rPr lang="en-US" dirty="0"/>
+              <a:t>array – the array you want to operate on</a:t>
+            </a:r>
+          </a:p>
+          <a:p>
+            <a:pPr lvl="1"/>
+            <a:r>
+              <a:rPr lang="en-US" dirty="0"/>
+              <a:t>You will not always need all three parameters, often one is plenty</a:t>
+            </a:r>
+          </a:p>
+        </p:txBody>
+      </p:sp>
+    </p:spTree>
+    <p:extLst>
+      <p:ext uri="{BB962C8B-B14F-4D97-AF65-F5344CB8AC3E}">
+        <p14:creationId xmlns:p14="http://schemas.microsoft.com/office/powerpoint/2010/main" val="4159988287"/>
+      </p:ext>
+    </p:extLst>
+  </p:cSld>
+  <p:clrMapOvr>
+    <a:masterClrMapping/>
+  </p:clrMapOvr>
+</p:sld>
+</file>
+
+<file path=ppt/slides/slide28.xml><?xml version="1.0" encoding="utf-8"?>
+<p:sld xmlns:a="http://schemas.openxmlformats.org/drawingml/2006/main" xmlns:r="http://schemas.openxmlformats.org/officeDocument/2006/relationships" xmlns:p="http://schemas.openxmlformats.org/presentationml/2006/main">
+  <p:cSld>
+    <p:spTree>
+      <p:nvGrpSpPr>
+        <p:cNvPr id="1" name=""/>
+        <p:cNvGrpSpPr/>
+        <p:nvPr/>
+      </p:nvGrpSpPr>
+      <p:grpSpPr>
+        <a:xfrm>
+          <a:off x="0" y="0"/>
+          <a:ext cx="0" cy="0"/>
+          <a:chOff x="0" y="0"/>
+          <a:chExt cx="0" cy="0"/>
+        </a:xfrm>
+      </p:grpSpPr>
+      <p:sp>
+        <p:nvSpPr>
+          <p:cNvPr id="2" name="Title 1">
+            <a:extLst>
+              <a:ext uri="{FF2B5EF4-FFF2-40B4-BE49-F238E27FC236}">
+                <a16:creationId xmlns:a16="http://schemas.microsoft.com/office/drawing/2014/main" id="{6B95BE60-8F3E-461F-94C0-76BE1357F327}"/>
+              </a:ext>
+            </a:extLst>
+          </p:cNvPr>
+          <p:cNvSpPr>
+            <a:spLocks noGrp="1"/>
+          </p:cNvSpPr>
+          <p:nvPr>
+            <p:ph type="title"/>
+          </p:nvPr>
+        </p:nvSpPr>
+        <p:spPr/>
+        <p:txBody>
+          <a:bodyPr/>
+          <a:lstStyle/>
+          <a:p>
+            <a:r>
+              <a:rPr lang="en-US" b="1" i="1" dirty="0" err="1"/>
+              <a:t>forEach</a:t>
+            </a:r>
+            <a:r>
+              <a:rPr lang="en-US" b="1" i="1" dirty="0"/>
+              <a:t>()</a:t>
+            </a:r>
+          </a:p>
+        </p:txBody>
+      </p:sp>
+      <p:pic>
+        <p:nvPicPr>
+          <p:cNvPr id="5" name="Content Placeholder 4">
+            <a:extLst>
+              <a:ext uri="{FF2B5EF4-FFF2-40B4-BE49-F238E27FC236}">
+                <a16:creationId xmlns:a16="http://schemas.microsoft.com/office/drawing/2014/main" id="{FB35DEB5-14D7-42A7-99C2-83A54E3C5E4E}"/>
+              </a:ext>
+            </a:extLst>
+          </p:cNvPr>
+          <p:cNvPicPr>
+            <a:picLocks noGrp="1" noChangeAspect="1"/>
+          </p:cNvPicPr>
+          <p:nvPr>
+            <p:ph idx="1"/>
+          </p:nvPr>
+        </p:nvPicPr>
+        <p:blipFill>
+          <a:blip r:embed="rId2">
+            <a:extLst>
+              <a:ext uri="{28A0092B-C50C-407E-A947-70E740481C1C}">
+                <a14:useLocalDpi xmlns:a14="http://schemas.microsoft.com/office/drawing/2010/main" val="0"/>
+              </a:ext>
+            </a:extLst>
+          </a:blip>
+          <a:stretch>
+            <a:fillRect/>
+          </a:stretch>
+        </p:blipFill>
+        <p:spPr>
+          <a:xfrm>
+            <a:off x="7276674" y="3672564"/>
+            <a:ext cx="4816257" cy="3185436"/>
+          </a:xfrm>
+        </p:spPr>
+      </p:pic>
+      <p:pic>
+        <p:nvPicPr>
+          <p:cNvPr id="7" name="Picture 6">
+            <a:extLst>
+              <a:ext uri="{FF2B5EF4-FFF2-40B4-BE49-F238E27FC236}">
+                <a16:creationId xmlns:a16="http://schemas.microsoft.com/office/drawing/2014/main" id="{EBC8BEE7-9627-4F72-AEE0-F6977A1E9509}"/>
+              </a:ext>
+            </a:extLst>
+          </p:cNvPr>
+          <p:cNvPicPr>
+            <a:picLocks noChangeAspect="1"/>
+          </p:cNvPicPr>
+          <p:nvPr/>
+        </p:nvPicPr>
+        <p:blipFill>
+          <a:blip r:embed="rId3">
+            <a:extLst>
+              <a:ext uri="{28A0092B-C50C-407E-A947-70E740481C1C}">
+                <a14:useLocalDpi xmlns:a14="http://schemas.microsoft.com/office/drawing/2010/main" val="0"/>
+              </a:ext>
+            </a:extLst>
+          </a:blip>
+          <a:stretch>
+            <a:fillRect/>
+          </a:stretch>
+        </p:blipFill>
+        <p:spPr>
+          <a:xfrm>
+            <a:off x="7276674" y="0"/>
+            <a:ext cx="4915326" cy="2514818"/>
+          </a:xfrm>
+          <a:prstGeom prst="rect">
+            <a:avLst/>
+          </a:prstGeom>
+        </p:spPr>
+      </p:pic>
+      <p:sp>
+        <p:nvSpPr>
+          <p:cNvPr id="8" name="TextBox 7">
+            <a:extLst>
+              <a:ext uri="{FF2B5EF4-FFF2-40B4-BE49-F238E27FC236}">
+                <a16:creationId xmlns:a16="http://schemas.microsoft.com/office/drawing/2014/main" id="{FF5C7E35-181F-4441-ACC6-69431A90A390}"/>
+              </a:ext>
+            </a:extLst>
+          </p:cNvPr>
+          <p:cNvSpPr txBox="1"/>
+          <p:nvPr/>
+        </p:nvSpPr>
+        <p:spPr>
+          <a:xfrm>
+            <a:off x="866909" y="2174782"/>
+            <a:ext cx="6409765" cy="1323439"/>
+          </a:xfrm>
+          <a:prstGeom prst="rect">
+            <a:avLst/>
+          </a:prstGeom>
+          <a:noFill/>
+        </p:spPr>
+        <p:txBody>
+          <a:bodyPr wrap="square" rtlCol="0">
+            <a:spAutoFit/>
+          </a:bodyPr>
+          <a:lstStyle/>
+          <a:p>
+            <a:pPr marL="285750" indent="-285750">
+              <a:buFont typeface="Arial" panose="020B0604020202020204" pitchFamily="34" charset="0"/>
+              <a:buChar char="•"/>
+            </a:pPr>
+            <a:r>
+              <a:rPr lang="en-US" sz="2000" dirty="0"/>
+              <a:t>We can either use anonymous functions as our callback functions, or ignore them entirely and define our functions like normal</a:t>
+            </a:r>
+          </a:p>
+          <a:p>
+            <a:pPr marL="285750" indent="-285750">
+              <a:buFont typeface="Arial" panose="020B0604020202020204" pitchFamily="34" charset="0"/>
+              <a:buChar char="•"/>
+            </a:pPr>
+            <a:r>
+              <a:rPr lang="en-US" sz="2000" dirty="0"/>
+              <a:t>These two examples function identically</a:t>
+            </a:r>
+          </a:p>
+        </p:txBody>
+      </p:sp>
+    </p:spTree>
+    <p:extLst>
+      <p:ext uri="{BB962C8B-B14F-4D97-AF65-F5344CB8AC3E}">
+        <p14:creationId xmlns:p14="http://schemas.microsoft.com/office/powerpoint/2010/main" val="1957854833"/>
+      </p:ext>
+    </p:extLst>
+  </p:cSld>
+  <p:clrMapOvr>
+    <a:masterClrMapping/>
+  </p:clrMapOvr>
+</p:sld>
+</file>
+
+<file path=ppt/slides/slide29.xml><?xml version="1.0" encoding="utf-8"?>
+<p:sld xmlns:a="http://schemas.openxmlformats.org/drawingml/2006/main" xmlns:r="http://schemas.openxmlformats.org/officeDocument/2006/relationships" xmlns:p="http://schemas.openxmlformats.org/presentationml/2006/main">
+  <p:cSld>
+    <p:spTree>
+      <p:nvGrpSpPr>
+        <p:cNvPr id="1" name=""/>
+        <p:cNvGrpSpPr/>
+        <p:nvPr/>
+      </p:nvGrpSpPr>
+      <p:grpSpPr>
+        <a:xfrm>
+          <a:off x="0" y="0"/>
+          <a:ext cx="0" cy="0"/>
+          <a:chOff x="0" y="0"/>
+          <a:chExt cx="0" cy="0"/>
+        </a:xfrm>
+      </p:grpSpPr>
+      <p:sp>
+        <p:nvSpPr>
+          <p:cNvPr id="2" name="Title 1">
+            <a:extLst>
+              <a:ext uri="{FF2B5EF4-FFF2-40B4-BE49-F238E27FC236}">
+                <a16:creationId xmlns:a16="http://schemas.microsoft.com/office/drawing/2014/main" id="{52F714CA-EBBF-4B6A-A127-D35B76955D3A}"/>
+              </a:ext>
+            </a:extLst>
+          </p:cNvPr>
+          <p:cNvSpPr>
+            <a:spLocks noGrp="1"/>
+          </p:cNvSpPr>
+          <p:nvPr>
+            <p:ph type="title"/>
+          </p:nvPr>
+        </p:nvSpPr>
+        <p:spPr/>
+        <p:txBody>
+          <a:bodyPr/>
+          <a:lstStyle/>
+          <a:p>
+            <a:r>
+              <a:rPr lang="en-US" b="1" i="1" dirty="0"/>
+              <a:t>map()</a:t>
+            </a:r>
+          </a:p>
+        </p:txBody>
+      </p:sp>
+      <p:sp>
+        <p:nvSpPr>
+          <p:cNvPr id="3" name="Content Placeholder 2">
+            <a:extLst>
+              <a:ext uri="{FF2B5EF4-FFF2-40B4-BE49-F238E27FC236}">
+                <a16:creationId xmlns:a16="http://schemas.microsoft.com/office/drawing/2014/main" id="{057C0FAE-6EBA-4B6E-855D-D50D089DA034}"/>
+              </a:ext>
+            </a:extLst>
+          </p:cNvPr>
+          <p:cNvSpPr>
+            <a:spLocks noGrp="1"/>
+          </p:cNvSpPr>
+          <p:nvPr>
+            <p:ph idx="1"/>
+          </p:nvPr>
+        </p:nvSpPr>
+        <p:spPr/>
+        <p:txBody>
+          <a:bodyPr/>
+          <a:lstStyle/>
+          <a:p>
+            <a:r>
+              <a:rPr lang="en-US" dirty="0"/>
+              <a:t>Creates a new array by performing an operation on each element in an array</a:t>
+            </a:r>
+          </a:p>
+          <a:p>
+            <a:r>
+              <a:rPr lang="en-US" dirty="0"/>
+              <a:t>Does not modify the original array</a:t>
+            </a:r>
+          </a:p>
+          <a:p>
+            <a:r>
+              <a:rPr lang="en-US" dirty="0"/>
+              <a:t>Does not execute on elements without values</a:t>
+            </a:r>
+          </a:p>
+        </p:txBody>
+      </p:sp>
+    </p:spTree>
+    <p:extLst>
+      <p:ext uri="{BB962C8B-B14F-4D97-AF65-F5344CB8AC3E}">
+        <p14:creationId xmlns:p14="http://schemas.microsoft.com/office/powerpoint/2010/main" val="1559487998"/>
       </p:ext>
     </p:extLst>
   </p:cSld>
@@ -4887,6 +6449,1546 @@
 </p:sld>
 </file>
 
+<file path=ppt/slides/slide30.xml><?xml version="1.0" encoding="utf-8"?>
+<p:sld xmlns:a="http://schemas.openxmlformats.org/drawingml/2006/main" xmlns:r="http://schemas.openxmlformats.org/officeDocument/2006/relationships" xmlns:p="http://schemas.openxmlformats.org/presentationml/2006/main">
+  <p:cSld>
+    <p:spTree>
+      <p:nvGrpSpPr>
+        <p:cNvPr id="1" name=""/>
+        <p:cNvGrpSpPr/>
+        <p:nvPr/>
+      </p:nvGrpSpPr>
+      <p:grpSpPr>
+        <a:xfrm>
+          <a:off x="0" y="0"/>
+          <a:ext cx="0" cy="0"/>
+          <a:chOff x="0" y="0"/>
+          <a:chExt cx="0" cy="0"/>
+        </a:xfrm>
+      </p:grpSpPr>
+      <p:sp>
+        <p:nvSpPr>
+          <p:cNvPr id="2" name="Title 1">
+            <a:extLst>
+              <a:ext uri="{FF2B5EF4-FFF2-40B4-BE49-F238E27FC236}">
+                <a16:creationId xmlns:a16="http://schemas.microsoft.com/office/drawing/2014/main" id="{8ACC553B-1EE3-4915-BD51-5B30FFF154FC}"/>
+              </a:ext>
+            </a:extLst>
+          </p:cNvPr>
+          <p:cNvSpPr>
+            <a:spLocks noGrp="1"/>
+          </p:cNvSpPr>
+          <p:nvPr>
+            <p:ph type="title"/>
+          </p:nvPr>
+        </p:nvSpPr>
+        <p:spPr/>
+        <p:txBody>
+          <a:bodyPr/>
+          <a:lstStyle/>
+          <a:p>
+            <a:r>
+              <a:rPr lang="en-US" b="1" i="1" dirty="0"/>
+              <a:t>map()</a:t>
+            </a:r>
+          </a:p>
+        </p:txBody>
+      </p:sp>
+      <p:pic>
+        <p:nvPicPr>
+          <p:cNvPr id="5" name="Content Placeholder 4">
+            <a:extLst>
+              <a:ext uri="{FF2B5EF4-FFF2-40B4-BE49-F238E27FC236}">
+                <a16:creationId xmlns:a16="http://schemas.microsoft.com/office/drawing/2014/main" id="{A04A6C63-8A05-4504-8E40-614EAD6D800B}"/>
+              </a:ext>
+            </a:extLst>
+          </p:cNvPr>
+          <p:cNvPicPr>
+            <a:picLocks noGrp="1" noChangeAspect="1"/>
+          </p:cNvPicPr>
+          <p:nvPr>
+            <p:ph idx="1"/>
+          </p:nvPr>
+        </p:nvPicPr>
+        <p:blipFill>
+          <a:blip r:embed="rId2">
+            <a:extLst>
+              <a:ext uri="{28A0092B-C50C-407E-A947-70E740481C1C}">
+                <a14:useLocalDpi xmlns:a14="http://schemas.microsoft.com/office/drawing/2010/main" val="0"/>
+              </a:ext>
+            </a:extLst>
+          </a:blip>
+          <a:stretch>
+            <a:fillRect/>
+          </a:stretch>
+        </p:blipFill>
+        <p:spPr>
+          <a:xfrm>
+            <a:off x="8564566" y="0"/>
+            <a:ext cx="3627434" cy="2583404"/>
+          </a:xfrm>
+        </p:spPr>
+      </p:pic>
+      <p:pic>
+        <p:nvPicPr>
+          <p:cNvPr id="7" name="Picture 6">
+            <a:extLst>
+              <a:ext uri="{FF2B5EF4-FFF2-40B4-BE49-F238E27FC236}">
+                <a16:creationId xmlns:a16="http://schemas.microsoft.com/office/drawing/2014/main" id="{81C8DED7-F1B8-47CD-BFAD-EC589E954A5B}"/>
+              </a:ext>
+            </a:extLst>
+          </p:cNvPr>
+          <p:cNvPicPr>
+            <a:picLocks noChangeAspect="1"/>
+          </p:cNvPicPr>
+          <p:nvPr/>
+        </p:nvPicPr>
+        <p:blipFill>
+          <a:blip r:embed="rId3">
+            <a:extLst>
+              <a:ext uri="{28A0092B-C50C-407E-A947-70E740481C1C}">
+                <a14:useLocalDpi xmlns:a14="http://schemas.microsoft.com/office/drawing/2010/main" val="0"/>
+              </a:ext>
+            </a:extLst>
+          </a:blip>
+          <a:stretch>
+            <a:fillRect/>
+          </a:stretch>
+        </p:blipFill>
+        <p:spPr>
+          <a:xfrm>
+            <a:off x="8884633" y="5013800"/>
+            <a:ext cx="3307367" cy="1844200"/>
+          </a:xfrm>
+          <a:prstGeom prst="rect">
+            <a:avLst/>
+          </a:prstGeom>
+        </p:spPr>
+      </p:pic>
+      <p:sp>
+        <p:nvSpPr>
+          <p:cNvPr id="8" name="TextBox 7">
+            <a:extLst>
+              <a:ext uri="{FF2B5EF4-FFF2-40B4-BE49-F238E27FC236}">
+                <a16:creationId xmlns:a16="http://schemas.microsoft.com/office/drawing/2014/main" id="{8D2445EC-9236-49B0-B049-48AFFC42FFCC}"/>
+              </a:ext>
+            </a:extLst>
+          </p:cNvPr>
+          <p:cNvSpPr txBox="1"/>
+          <p:nvPr/>
+        </p:nvSpPr>
+        <p:spPr>
+          <a:xfrm>
+            <a:off x="672353" y="1801906"/>
+            <a:ext cx="7772400" cy="1631216"/>
+          </a:xfrm>
+          <a:prstGeom prst="rect">
+            <a:avLst/>
+          </a:prstGeom>
+          <a:noFill/>
+        </p:spPr>
+        <p:txBody>
+          <a:bodyPr wrap="square" rtlCol="0">
+            <a:spAutoFit/>
+          </a:bodyPr>
+          <a:lstStyle/>
+          <a:p>
+            <a:pPr marL="285750" indent="-285750">
+              <a:buFont typeface="Arial" panose="020B0604020202020204" pitchFamily="34" charset="0"/>
+              <a:buChar char="•"/>
+            </a:pPr>
+            <a:r>
+              <a:rPr lang="en-US" sz="2000" dirty="0"/>
+              <a:t>These examples use the same array as before, but this time they reduce each element by one</a:t>
+            </a:r>
+          </a:p>
+          <a:p>
+            <a:pPr marL="285750" indent="-285750">
+              <a:buFont typeface="Arial" panose="020B0604020202020204" pitchFamily="34" charset="0"/>
+              <a:buChar char="•"/>
+            </a:pPr>
+            <a:r>
+              <a:rPr lang="en-US" sz="2000" dirty="0"/>
+              <a:t>When we write our callback functions, many times we only need to operate on a single element</a:t>
+            </a:r>
+          </a:p>
+          <a:p>
+            <a:pPr marL="285750" indent="-285750">
+              <a:buFont typeface="Arial" panose="020B0604020202020204" pitchFamily="34" charset="0"/>
+              <a:buChar char="•"/>
+            </a:pPr>
+            <a:r>
+              <a:rPr lang="en-US" sz="2000" dirty="0"/>
+              <a:t>The map() method will then apply our function to each element</a:t>
+            </a:r>
+          </a:p>
+        </p:txBody>
+      </p:sp>
+    </p:spTree>
+    <p:extLst>
+      <p:ext uri="{BB962C8B-B14F-4D97-AF65-F5344CB8AC3E}">
+        <p14:creationId xmlns:p14="http://schemas.microsoft.com/office/powerpoint/2010/main" val="1597076805"/>
+      </p:ext>
+    </p:extLst>
+  </p:cSld>
+  <p:clrMapOvr>
+    <a:masterClrMapping/>
+  </p:clrMapOvr>
+</p:sld>
+</file>
+
+<file path=ppt/slides/slide31.xml><?xml version="1.0" encoding="utf-8"?>
+<p:sld xmlns:a="http://schemas.openxmlformats.org/drawingml/2006/main" xmlns:r="http://schemas.openxmlformats.org/officeDocument/2006/relationships" xmlns:p="http://schemas.openxmlformats.org/presentationml/2006/main">
+  <p:cSld>
+    <p:spTree>
+      <p:nvGrpSpPr>
+        <p:cNvPr id="1" name=""/>
+        <p:cNvGrpSpPr/>
+        <p:nvPr/>
+      </p:nvGrpSpPr>
+      <p:grpSpPr>
+        <a:xfrm>
+          <a:off x="0" y="0"/>
+          <a:ext cx="0" cy="0"/>
+          <a:chOff x="0" y="0"/>
+          <a:chExt cx="0" cy="0"/>
+        </a:xfrm>
+      </p:grpSpPr>
+      <p:sp>
+        <p:nvSpPr>
+          <p:cNvPr id="2" name="Title 1">
+            <a:extLst>
+              <a:ext uri="{FF2B5EF4-FFF2-40B4-BE49-F238E27FC236}">
+                <a16:creationId xmlns:a16="http://schemas.microsoft.com/office/drawing/2014/main" id="{CB417245-F9CE-4E14-AA25-DC88F7546535}"/>
+              </a:ext>
+            </a:extLst>
+          </p:cNvPr>
+          <p:cNvSpPr>
+            <a:spLocks noGrp="1"/>
+          </p:cNvSpPr>
+          <p:nvPr>
+            <p:ph type="title"/>
+          </p:nvPr>
+        </p:nvSpPr>
+        <p:spPr/>
+        <p:txBody>
+          <a:bodyPr/>
+          <a:lstStyle/>
+          <a:p>
+            <a:r>
+              <a:rPr lang="en-US" b="1" i="1" dirty="0"/>
+              <a:t>filter()</a:t>
+            </a:r>
+          </a:p>
+        </p:txBody>
+      </p:sp>
+      <p:sp>
+        <p:nvSpPr>
+          <p:cNvPr id="3" name="Content Placeholder 2">
+            <a:extLst>
+              <a:ext uri="{FF2B5EF4-FFF2-40B4-BE49-F238E27FC236}">
+                <a16:creationId xmlns:a16="http://schemas.microsoft.com/office/drawing/2014/main" id="{A354D923-DD88-4242-BAB9-7FEC2F91D6AC}"/>
+              </a:ext>
+            </a:extLst>
+          </p:cNvPr>
+          <p:cNvSpPr>
+            <a:spLocks noGrp="1"/>
+          </p:cNvSpPr>
+          <p:nvPr>
+            <p:ph idx="1"/>
+          </p:nvPr>
+        </p:nvSpPr>
+        <p:spPr/>
+        <p:txBody>
+          <a:bodyPr/>
+          <a:lstStyle/>
+          <a:p>
+            <a:r>
+              <a:rPr lang="en-US" dirty="0"/>
+              <a:t>Creates a new array of all the elements in an array that pass a test</a:t>
+            </a:r>
+          </a:p>
+          <a:p>
+            <a:r>
+              <a:rPr lang="en-US" dirty="0"/>
+              <a:t>Does not modify the original array</a:t>
+            </a:r>
+          </a:p>
+          <a:p>
+            <a:r>
+              <a:rPr lang="en-US" dirty="0"/>
+              <a:t>This is a great preview into conditionals</a:t>
+            </a:r>
+          </a:p>
+        </p:txBody>
+      </p:sp>
+    </p:spTree>
+    <p:extLst>
+      <p:ext uri="{BB962C8B-B14F-4D97-AF65-F5344CB8AC3E}">
+        <p14:creationId xmlns:p14="http://schemas.microsoft.com/office/powerpoint/2010/main" val="623891020"/>
+      </p:ext>
+    </p:extLst>
+  </p:cSld>
+  <p:clrMapOvr>
+    <a:masterClrMapping/>
+  </p:clrMapOvr>
+</p:sld>
+</file>
+
+<file path=ppt/slides/slide32.xml><?xml version="1.0" encoding="utf-8"?>
+<p:sld xmlns:a="http://schemas.openxmlformats.org/drawingml/2006/main" xmlns:r="http://schemas.openxmlformats.org/officeDocument/2006/relationships" xmlns:p="http://schemas.openxmlformats.org/presentationml/2006/main">
+  <p:cSld>
+    <p:spTree>
+      <p:nvGrpSpPr>
+        <p:cNvPr id="1" name=""/>
+        <p:cNvGrpSpPr/>
+        <p:nvPr/>
+      </p:nvGrpSpPr>
+      <p:grpSpPr>
+        <a:xfrm>
+          <a:off x="0" y="0"/>
+          <a:ext cx="0" cy="0"/>
+          <a:chOff x="0" y="0"/>
+          <a:chExt cx="0" cy="0"/>
+        </a:xfrm>
+      </p:grpSpPr>
+      <p:sp>
+        <p:nvSpPr>
+          <p:cNvPr id="2" name="Title 1">
+            <a:extLst>
+              <a:ext uri="{FF2B5EF4-FFF2-40B4-BE49-F238E27FC236}">
+                <a16:creationId xmlns:a16="http://schemas.microsoft.com/office/drawing/2014/main" id="{CBA4D99F-AED7-4845-B7C3-6EF1C447C003}"/>
+              </a:ext>
+            </a:extLst>
+          </p:cNvPr>
+          <p:cNvSpPr>
+            <a:spLocks noGrp="1"/>
+          </p:cNvSpPr>
+          <p:nvPr>
+            <p:ph type="title"/>
+          </p:nvPr>
+        </p:nvSpPr>
+        <p:spPr/>
+        <p:txBody>
+          <a:bodyPr/>
+          <a:lstStyle/>
+          <a:p>
+            <a:r>
+              <a:rPr lang="en-US" b="1" i="1" dirty="0"/>
+              <a:t>filter()</a:t>
+            </a:r>
+          </a:p>
+        </p:txBody>
+      </p:sp>
+      <p:sp>
+        <p:nvSpPr>
+          <p:cNvPr id="3" name="Content Placeholder 2">
+            <a:extLst>
+              <a:ext uri="{FF2B5EF4-FFF2-40B4-BE49-F238E27FC236}">
+                <a16:creationId xmlns:a16="http://schemas.microsoft.com/office/drawing/2014/main" id="{73D5A8BA-E2F4-42FA-AD56-B66793AA1CC8}"/>
+              </a:ext>
+            </a:extLst>
+          </p:cNvPr>
+          <p:cNvSpPr>
+            <a:spLocks noGrp="1"/>
+          </p:cNvSpPr>
+          <p:nvPr>
+            <p:ph idx="1"/>
+          </p:nvPr>
+        </p:nvSpPr>
+        <p:spPr/>
+        <p:txBody>
+          <a:bodyPr/>
+          <a:lstStyle/>
+          <a:p>
+            <a:r>
+              <a:rPr lang="en-US" dirty="0"/>
+              <a:t>These examples check if each element in an array is </a:t>
+            </a:r>
+            <a:br>
+              <a:rPr lang="en-US" dirty="0"/>
+            </a:br>
+            <a:r>
+              <a:rPr lang="en-US" dirty="0"/>
+              <a:t>even</a:t>
+            </a:r>
+          </a:p>
+          <a:p>
+            <a:r>
+              <a:rPr lang="en-US" dirty="0"/>
+              <a:t>The test can be anything you can imagine</a:t>
+            </a:r>
+          </a:p>
+          <a:p>
+            <a:r>
+              <a:rPr lang="en-US" dirty="0"/>
+              <a:t>Returns a new array</a:t>
+            </a:r>
+          </a:p>
+        </p:txBody>
+      </p:sp>
+      <p:pic>
+        <p:nvPicPr>
+          <p:cNvPr id="5" name="Picture 4">
+            <a:extLst>
+              <a:ext uri="{FF2B5EF4-FFF2-40B4-BE49-F238E27FC236}">
+                <a16:creationId xmlns:a16="http://schemas.microsoft.com/office/drawing/2014/main" id="{08B34618-0B1F-4707-A656-90407929383F}"/>
+              </a:ext>
+            </a:extLst>
+          </p:cNvPr>
+          <p:cNvPicPr>
+            <a:picLocks noChangeAspect="1"/>
+          </p:cNvPicPr>
+          <p:nvPr/>
+        </p:nvPicPr>
+        <p:blipFill>
+          <a:blip r:embed="rId2">
+            <a:extLst>
+              <a:ext uri="{28A0092B-C50C-407E-A947-70E740481C1C}">
+                <a14:useLocalDpi xmlns:a14="http://schemas.microsoft.com/office/drawing/2010/main" val="0"/>
+              </a:ext>
+            </a:extLst>
+          </a:blip>
+          <a:stretch>
+            <a:fillRect/>
+          </a:stretch>
+        </p:blipFill>
+        <p:spPr>
+          <a:xfrm>
+            <a:off x="9212322" y="0"/>
+            <a:ext cx="2979678" cy="2530059"/>
+          </a:xfrm>
+          <a:prstGeom prst="rect">
+            <a:avLst/>
+          </a:prstGeom>
+        </p:spPr>
+      </p:pic>
+      <p:pic>
+        <p:nvPicPr>
+          <p:cNvPr id="7" name="Picture 6">
+            <a:extLst>
+              <a:ext uri="{FF2B5EF4-FFF2-40B4-BE49-F238E27FC236}">
+                <a16:creationId xmlns:a16="http://schemas.microsoft.com/office/drawing/2014/main" id="{44DAB92E-9BBE-4D24-AF07-6165BF41D557}"/>
+              </a:ext>
+            </a:extLst>
+          </p:cNvPr>
+          <p:cNvPicPr>
+            <a:picLocks noChangeAspect="1"/>
+          </p:cNvPicPr>
+          <p:nvPr/>
+        </p:nvPicPr>
+        <p:blipFill>
+          <a:blip r:embed="rId3">
+            <a:extLst>
+              <a:ext uri="{28A0092B-C50C-407E-A947-70E740481C1C}">
+                <a14:useLocalDpi xmlns:a14="http://schemas.microsoft.com/office/drawing/2010/main" val="0"/>
+              </a:ext>
+            </a:extLst>
+          </a:blip>
+          <a:stretch>
+            <a:fillRect/>
+          </a:stretch>
+        </p:blipFill>
+        <p:spPr>
+          <a:xfrm>
+            <a:off x="8473118" y="4983318"/>
+            <a:ext cx="3718882" cy="1874682"/>
+          </a:xfrm>
+          <a:prstGeom prst="rect">
+            <a:avLst/>
+          </a:prstGeom>
+        </p:spPr>
+      </p:pic>
+    </p:spTree>
+    <p:extLst>
+      <p:ext uri="{BB962C8B-B14F-4D97-AF65-F5344CB8AC3E}">
+        <p14:creationId xmlns:p14="http://schemas.microsoft.com/office/powerpoint/2010/main" val="3502226863"/>
+      </p:ext>
+    </p:extLst>
+  </p:cSld>
+  <p:clrMapOvr>
+    <a:masterClrMapping/>
+  </p:clrMapOvr>
+</p:sld>
+</file>
+
+<file path=ppt/slides/slide33.xml><?xml version="1.0" encoding="utf-8"?>
+<p:sld xmlns:a="http://schemas.openxmlformats.org/drawingml/2006/main" xmlns:r="http://schemas.openxmlformats.org/officeDocument/2006/relationships" xmlns:p="http://schemas.openxmlformats.org/presentationml/2006/main">
+  <p:cSld>
+    <p:spTree>
+      <p:nvGrpSpPr>
+        <p:cNvPr id="1" name=""/>
+        <p:cNvGrpSpPr/>
+        <p:nvPr/>
+      </p:nvGrpSpPr>
+      <p:grpSpPr>
+        <a:xfrm>
+          <a:off x="0" y="0"/>
+          <a:ext cx="0" cy="0"/>
+          <a:chOff x="0" y="0"/>
+          <a:chExt cx="0" cy="0"/>
+        </a:xfrm>
+      </p:grpSpPr>
+      <p:sp>
+        <p:nvSpPr>
+          <p:cNvPr id="2" name="Title 1">
+            <a:extLst>
+              <a:ext uri="{FF2B5EF4-FFF2-40B4-BE49-F238E27FC236}">
+                <a16:creationId xmlns:a16="http://schemas.microsoft.com/office/drawing/2014/main" id="{F0EB0A25-1E13-4F91-AE3E-A3C1A2D2762A}"/>
+              </a:ext>
+            </a:extLst>
+          </p:cNvPr>
+          <p:cNvSpPr>
+            <a:spLocks noGrp="1"/>
+          </p:cNvSpPr>
+          <p:nvPr>
+            <p:ph type="title"/>
+          </p:nvPr>
+        </p:nvSpPr>
+        <p:spPr/>
+        <p:txBody>
+          <a:bodyPr/>
+          <a:lstStyle/>
+          <a:p>
+            <a:r>
+              <a:rPr lang="en-US" b="1" i="1" dirty="0"/>
+              <a:t>reduce()</a:t>
+            </a:r>
+          </a:p>
+        </p:txBody>
+      </p:sp>
+      <p:sp>
+        <p:nvSpPr>
+          <p:cNvPr id="3" name="Content Placeholder 2">
+            <a:extLst>
+              <a:ext uri="{FF2B5EF4-FFF2-40B4-BE49-F238E27FC236}">
+                <a16:creationId xmlns:a16="http://schemas.microsoft.com/office/drawing/2014/main" id="{0EBD2515-9A2E-46AD-B96E-3BDB9977EEB2}"/>
+              </a:ext>
+            </a:extLst>
+          </p:cNvPr>
+          <p:cNvSpPr>
+            <a:spLocks noGrp="1"/>
+          </p:cNvSpPr>
+          <p:nvPr>
+            <p:ph idx="1"/>
+          </p:nvPr>
+        </p:nvSpPr>
+        <p:spPr/>
+        <p:txBody>
+          <a:bodyPr/>
+          <a:lstStyle/>
+          <a:p>
+            <a:r>
+              <a:rPr lang="en-US" dirty="0"/>
+              <a:t>Runs a function on each element and returns a single value</a:t>
+            </a:r>
+          </a:p>
+          <a:p>
+            <a:r>
+              <a:rPr lang="en-US" dirty="0"/>
+              <a:t>Works left to right (</a:t>
+            </a:r>
+            <a:r>
+              <a:rPr lang="en-US" dirty="0" err="1"/>
+              <a:t>reduceRight</a:t>
+            </a:r>
+            <a:r>
+              <a:rPr lang="en-US" dirty="0"/>
+              <a:t>() is the opposite)</a:t>
+            </a:r>
+          </a:p>
+          <a:p>
+            <a:r>
+              <a:rPr lang="en-US" dirty="0"/>
+              <a:t>Has an extra parameter for a total</a:t>
+            </a:r>
+          </a:p>
+        </p:txBody>
+      </p:sp>
+    </p:spTree>
+    <p:extLst>
+      <p:ext uri="{BB962C8B-B14F-4D97-AF65-F5344CB8AC3E}">
+        <p14:creationId xmlns:p14="http://schemas.microsoft.com/office/powerpoint/2010/main" val="2756353844"/>
+      </p:ext>
+    </p:extLst>
+  </p:cSld>
+  <p:clrMapOvr>
+    <a:masterClrMapping/>
+  </p:clrMapOvr>
+</p:sld>
+</file>
+
+<file path=ppt/slides/slide34.xml><?xml version="1.0" encoding="utf-8"?>
+<p:sld xmlns:a="http://schemas.openxmlformats.org/drawingml/2006/main" xmlns:r="http://schemas.openxmlformats.org/officeDocument/2006/relationships" xmlns:p="http://schemas.openxmlformats.org/presentationml/2006/main">
+  <p:cSld>
+    <p:spTree>
+      <p:nvGrpSpPr>
+        <p:cNvPr id="1" name=""/>
+        <p:cNvGrpSpPr/>
+        <p:nvPr/>
+      </p:nvGrpSpPr>
+      <p:grpSpPr>
+        <a:xfrm>
+          <a:off x="0" y="0"/>
+          <a:ext cx="0" cy="0"/>
+          <a:chOff x="0" y="0"/>
+          <a:chExt cx="0" cy="0"/>
+        </a:xfrm>
+      </p:grpSpPr>
+      <p:sp>
+        <p:nvSpPr>
+          <p:cNvPr id="2" name="Title 1">
+            <a:extLst>
+              <a:ext uri="{FF2B5EF4-FFF2-40B4-BE49-F238E27FC236}">
+                <a16:creationId xmlns:a16="http://schemas.microsoft.com/office/drawing/2014/main" id="{3DE41B2C-4C88-4D3F-B26A-D31320965220}"/>
+              </a:ext>
+            </a:extLst>
+          </p:cNvPr>
+          <p:cNvSpPr>
+            <a:spLocks noGrp="1"/>
+          </p:cNvSpPr>
+          <p:nvPr>
+            <p:ph type="title"/>
+          </p:nvPr>
+        </p:nvSpPr>
+        <p:spPr/>
+        <p:txBody>
+          <a:bodyPr/>
+          <a:lstStyle/>
+          <a:p>
+            <a:r>
+              <a:rPr lang="en-US" b="1" i="1" dirty="0"/>
+              <a:t>reduce()</a:t>
+            </a:r>
+            <a:endParaRPr lang="en-US" dirty="0"/>
+          </a:p>
+        </p:txBody>
+      </p:sp>
+      <p:sp>
+        <p:nvSpPr>
+          <p:cNvPr id="3" name="Content Placeholder 2">
+            <a:extLst>
+              <a:ext uri="{FF2B5EF4-FFF2-40B4-BE49-F238E27FC236}">
+                <a16:creationId xmlns:a16="http://schemas.microsoft.com/office/drawing/2014/main" id="{3E9DBB48-15EA-46F9-BC1A-24E862B289C3}"/>
+              </a:ext>
+            </a:extLst>
+          </p:cNvPr>
+          <p:cNvSpPr>
+            <a:spLocks noGrp="1"/>
+          </p:cNvSpPr>
+          <p:nvPr>
+            <p:ph idx="1"/>
+          </p:nvPr>
+        </p:nvSpPr>
+        <p:spPr/>
+        <p:txBody>
+          <a:bodyPr/>
+          <a:lstStyle/>
+          <a:p>
+            <a:r>
+              <a:rPr lang="en-US" dirty="0"/>
+              <a:t>Always returns a single value rather than another</a:t>
+            </a:r>
+            <a:br>
+              <a:rPr lang="en-US" dirty="0"/>
+            </a:br>
+            <a:r>
+              <a:rPr lang="en-US" dirty="0"/>
+              <a:t>array</a:t>
+            </a:r>
+          </a:p>
+          <a:p>
+            <a:r>
+              <a:rPr lang="en-US" dirty="0"/>
+              <a:t>Comes up often when we want to find an array’s Sum, Max, Min, etc.</a:t>
+            </a:r>
+          </a:p>
+          <a:p>
+            <a:r>
+              <a:rPr lang="en-US" dirty="0"/>
+              <a:t>May accept an initial value for the value parameter</a:t>
+            </a:r>
+          </a:p>
+        </p:txBody>
+      </p:sp>
+      <p:pic>
+        <p:nvPicPr>
+          <p:cNvPr id="5" name="Picture 4">
+            <a:extLst>
+              <a:ext uri="{FF2B5EF4-FFF2-40B4-BE49-F238E27FC236}">
+                <a16:creationId xmlns:a16="http://schemas.microsoft.com/office/drawing/2014/main" id="{A429492C-6A84-4E17-A45C-2A8BB3A6C4FF}"/>
+              </a:ext>
+            </a:extLst>
+          </p:cNvPr>
+          <p:cNvPicPr>
+            <a:picLocks noChangeAspect="1"/>
+          </p:cNvPicPr>
+          <p:nvPr/>
+        </p:nvPicPr>
+        <p:blipFill>
+          <a:blip r:embed="rId2">
+            <a:extLst>
+              <a:ext uri="{28A0092B-C50C-407E-A947-70E740481C1C}">
+                <a14:useLocalDpi xmlns:a14="http://schemas.microsoft.com/office/drawing/2010/main" val="0"/>
+              </a:ext>
+            </a:extLst>
+          </a:blip>
+          <a:stretch>
+            <a:fillRect/>
+          </a:stretch>
+        </p:blipFill>
+        <p:spPr>
+          <a:xfrm>
+            <a:off x="8838909" y="0"/>
+            <a:ext cx="3353091" cy="2469094"/>
+          </a:xfrm>
+          <a:prstGeom prst="rect">
+            <a:avLst/>
+          </a:prstGeom>
+        </p:spPr>
+      </p:pic>
+      <p:pic>
+        <p:nvPicPr>
+          <p:cNvPr id="7" name="Picture 6">
+            <a:extLst>
+              <a:ext uri="{FF2B5EF4-FFF2-40B4-BE49-F238E27FC236}">
+                <a16:creationId xmlns:a16="http://schemas.microsoft.com/office/drawing/2014/main" id="{FD93837F-3977-44D7-A7D9-F8B6EF3376CA}"/>
+              </a:ext>
+            </a:extLst>
+          </p:cNvPr>
+          <p:cNvPicPr>
+            <a:picLocks noChangeAspect="1"/>
+          </p:cNvPicPr>
+          <p:nvPr/>
+        </p:nvPicPr>
+        <p:blipFill>
+          <a:blip r:embed="rId3">
+            <a:extLst>
+              <a:ext uri="{28A0092B-C50C-407E-A947-70E740481C1C}">
+                <a14:useLocalDpi xmlns:a14="http://schemas.microsoft.com/office/drawing/2010/main" val="0"/>
+              </a:ext>
+            </a:extLst>
+          </a:blip>
+          <a:stretch>
+            <a:fillRect/>
+          </a:stretch>
+        </p:blipFill>
+        <p:spPr>
+          <a:xfrm>
+            <a:off x="8084464" y="5745384"/>
+            <a:ext cx="4107536" cy="1112616"/>
+          </a:xfrm>
+          <a:prstGeom prst="rect">
+            <a:avLst/>
+          </a:prstGeom>
+        </p:spPr>
+      </p:pic>
+    </p:spTree>
+    <p:extLst>
+      <p:ext uri="{BB962C8B-B14F-4D97-AF65-F5344CB8AC3E}">
+        <p14:creationId xmlns:p14="http://schemas.microsoft.com/office/powerpoint/2010/main" val="1647358143"/>
+      </p:ext>
+    </p:extLst>
+  </p:cSld>
+  <p:clrMapOvr>
+    <a:masterClrMapping/>
+  </p:clrMapOvr>
+</p:sld>
+</file>
+
+<file path=ppt/slides/slide35.xml><?xml version="1.0" encoding="utf-8"?>
+<p:sld xmlns:a="http://schemas.openxmlformats.org/drawingml/2006/main" xmlns:r="http://schemas.openxmlformats.org/officeDocument/2006/relationships" xmlns:p="http://schemas.openxmlformats.org/presentationml/2006/main">
+  <p:cSld>
+    <p:spTree>
+      <p:nvGrpSpPr>
+        <p:cNvPr id="1" name=""/>
+        <p:cNvGrpSpPr/>
+        <p:nvPr/>
+      </p:nvGrpSpPr>
+      <p:grpSpPr>
+        <a:xfrm>
+          <a:off x="0" y="0"/>
+          <a:ext cx="0" cy="0"/>
+          <a:chOff x="0" y="0"/>
+          <a:chExt cx="0" cy="0"/>
+        </a:xfrm>
+      </p:grpSpPr>
+      <p:sp>
+        <p:nvSpPr>
+          <p:cNvPr id="2" name="Title 1">
+            <a:extLst>
+              <a:ext uri="{FF2B5EF4-FFF2-40B4-BE49-F238E27FC236}">
+                <a16:creationId xmlns:a16="http://schemas.microsoft.com/office/drawing/2014/main" id="{C912733D-6BDB-4BD8-9CD9-299911E45999}"/>
+              </a:ext>
+            </a:extLst>
+          </p:cNvPr>
+          <p:cNvSpPr>
+            <a:spLocks noGrp="1"/>
+          </p:cNvSpPr>
+          <p:nvPr>
+            <p:ph type="title"/>
+          </p:nvPr>
+        </p:nvSpPr>
+        <p:spPr/>
+        <p:txBody>
+          <a:bodyPr/>
+          <a:lstStyle/>
+          <a:p>
+            <a:r>
+              <a:rPr lang="en-US" b="1" i="1" dirty="0"/>
+              <a:t>every()</a:t>
+            </a:r>
+          </a:p>
+        </p:txBody>
+      </p:sp>
+      <p:sp>
+        <p:nvSpPr>
+          <p:cNvPr id="3" name="Content Placeholder 2">
+            <a:extLst>
+              <a:ext uri="{FF2B5EF4-FFF2-40B4-BE49-F238E27FC236}">
+                <a16:creationId xmlns:a16="http://schemas.microsoft.com/office/drawing/2014/main" id="{6005A5F8-657F-4F40-AAB5-7E1ED75F16F1}"/>
+              </a:ext>
+            </a:extLst>
+          </p:cNvPr>
+          <p:cNvSpPr>
+            <a:spLocks noGrp="1"/>
+          </p:cNvSpPr>
+          <p:nvPr>
+            <p:ph idx="1"/>
+          </p:nvPr>
+        </p:nvSpPr>
+        <p:spPr/>
+        <p:txBody>
+          <a:bodyPr/>
+          <a:lstStyle/>
+          <a:p>
+            <a:r>
+              <a:rPr lang="en-US" dirty="0"/>
+              <a:t>Checks if all elements in an array pass a test</a:t>
+            </a:r>
+          </a:p>
+          <a:p>
+            <a:r>
+              <a:rPr lang="en-US" dirty="0"/>
+              <a:t>Returns a </a:t>
+            </a:r>
+            <a:r>
+              <a:rPr lang="en-US" dirty="0" err="1"/>
+              <a:t>boolean</a:t>
+            </a:r>
+            <a:endParaRPr lang="en-US" dirty="0"/>
+          </a:p>
+        </p:txBody>
+      </p:sp>
+      <p:pic>
+        <p:nvPicPr>
+          <p:cNvPr id="5" name="Picture 4">
+            <a:extLst>
+              <a:ext uri="{FF2B5EF4-FFF2-40B4-BE49-F238E27FC236}">
+                <a16:creationId xmlns:a16="http://schemas.microsoft.com/office/drawing/2014/main" id="{CF85C500-CBE2-4A2A-A657-2E16DF9740B9}"/>
+              </a:ext>
+            </a:extLst>
+          </p:cNvPr>
+          <p:cNvPicPr>
+            <a:picLocks noChangeAspect="1"/>
+          </p:cNvPicPr>
+          <p:nvPr/>
+        </p:nvPicPr>
+        <p:blipFill>
+          <a:blip r:embed="rId2">
+            <a:extLst>
+              <a:ext uri="{28A0092B-C50C-407E-A947-70E740481C1C}">
+                <a14:useLocalDpi xmlns:a14="http://schemas.microsoft.com/office/drawing/2010/main" val="0"/>
+              </a:ext>
+            </a:extLst>
+          </a:blip>
+          <a:stretch>
+            <a:fillRect/>
+          </a:stretch>
+        </p:blipFill>
+        <p:spPr>
+          <a:xfrm>
+            <a:off x="9181839" y="0"/>
+            <a:ext cx="3010161" cy="1432684"/>
+          </a:xfrm>
+          <a:prstGeom prst="rect">
+            <a:avLst/>
+          </a:prstGeom>
+        </p:spPr>
+      </p:pic>
+      <p:pic>
+        <p:nvPicPr>
+          <p:cNvPr id="7" name="Picture 6">
+            <a:extLst>
+              <a:ext uri="{FF2B5EF4-FFF2-40B4-BE49-F238E27FC236}">
+                <a16:creationId xmlns:a16="http://schemas.microsoft.com/office/drawing/2014/main" id="{4E2EF38E-BA70-4476-8DB6-A632DDF25ADC}"/>
+              </a:ext>
+            </a:extLst>
+          </p:cNvPr>
+          <p:cNvPicPr>
+            <a:picLocks noChangeAspect="1"/>
+          </p:cNvPicPr>
+          <p:nvPr/>
+        </p:nvPicPr>
+        <p:blipFill>
+          <a:blip r:embed="rId3">
+            <a:extLst>
+              <a:ext uri="{28A0092B-C50C-407E-A947-70E740481C1C}">
+                <a14:useLocalDpi xmlns:a14="http://schemas.microsoft.com/office/drawing/2010/main" val="0"/>
+              </a:ext>
+            </a:extLst>
+          </a:blip>
+          <a:stretch>
+            <a:fillRect/>
+          </a:stretch>
+        </p:blipFill>
+        <p:spPr>
+          <a:xfrm>
+            <a:off x="8678876" y="5029042"/>
+            <a:ext cx="3513124" cy="1828958"/>
+          </a:xfrm>
+          <a:prstGeom prst="rect">
+            <a:avLst/>
+          </a:prstGeom>
+        </p:spPr>
+      </p:pic>
+    </p:spTree>
+    <p:extLst>
+      <p:ext uri="{BB962C8B-B14F-4D97-AF65-F5344CB8AC3E}">
+        <p14:creationId xmlns:p14="http://schemas.microsoft.com/office/powerpoint/2010/main" val="2149804807"/>
+      </p:ext>
+    </p:extLst>
+  </p:cSld>
+  <p:clrMapOvr>
+    <a:masterClrMapping/>
+  </p:clrMapOvr>
+</p:sld>
+</file>
+
+<file path=ppt/slides/slide36.xml><?xml version="1.0" encoding="utf-8"?>
+<p:sld xmlns:a="http://schemas.openxmlformats.org/drawingml/2006/main" xmlns:r="http://schemas.openxmlformats.org/officeDocument/2006/relationships" xmlns:p="http://schemas.openxmlformats.org/presentationml/2006/main">
+  <p:cSld>
+    <p:spTree>
+      <p:nvGrpSpPr>
+        <p:cNvPr id="1" name=""/>
+        <p:cNvGrpSpPr/>
+        <p:nvPr/>
+      </p:nvGrpSpPr>
+      <p:grpSpPr>
+        <a:xfrm>
+          <a:off x="0" y="0"/>
+          <a:ext cx="0" cy="0"/>
+          <a:chOff x="0" y="0"/>
+          <a:chExt cx="0" cy="0"/>
+        </a:xfrm>
+      </p:grpSpPr>
+      <p:sp>
+        <p:nvSpPr>
+          <p:cNvPr id="2" name="Title 1">
+            <a:extLst>
+              <a:ext uri="{FF2B5EF4-FFF2-40B4-BE49-F238E27FC236}">
+                <a16:creationId xmlns:a16="http://schemas.microsoft.com/office/drawing/2014/main" id="{2AE584B3-84C5-42DF-96B7-7FE30B0ACAD8}"/>
+              </a:ext>
+            </a:extLst>
+          </p:cNvPr>
+          <p:cNvSpPr>
+            <a:spLocks noGrp="1"/>
+          </p:cNvSpPr>
+          <p:nvPr>
+            <p:ph type="title"/>
+          </p:nvPr>
+        </p:nvSpPr>
+        <p:spPr/>
+        <p:txBody>
+          <a:bodyPr/>
+          <a:lstStyle/>
+          <a:p>
+            <a:r>
+              <a:rPr lang="en-US" b="1" i="1" dirty="0"/>
+              <a:t>some()</a:t>
+            </a:r>
+          </a:p>
+        </p:txBody>
+      </p:sp>
+      <p:sp>
+        <p:nvSpPr>
+          <p:cNvPr id="3" name="Content Placeholder 2">
+            <a:extLst>
+              <a:ext uri="{FF2B5EF4-FFF2-40B4-BE49-F238E27FC236}">
+                <a16:creationId xmlns:a16="http://schemas.microsoft.com/office/drawing/2014/main" id="{F6491531-18E6-4CBC-BA46-DAFAAF0AB4FB}"/>
+              </a:ext>
+            </a:extLst>
+          </p:cNvPr>
+          <p:cNvSpPr>
+            <a:spLocks noGrp="1"/>
+          </p:cNvSpPr>
+          <p:nvPr>
+            <p:ph idx="1"/>
+          </p:nvPr>
+        </p:nvSpPr>
+        <p:spPr/>
+        <p:txBody>
+          <a:bodyPr/>
+          <a:lstStyle/>
+          <a:p>
+            <a:r>
+              <a:rPr lang="en-US" dirty="0"/>
+              <a:t>Similar to every()</a:t>
+            </a:r>
+          </a:p>
+          <a:p>
+            <a:r>
+              <a:rPr lang="en-US" dirty="0"/>
+              <a:t>Checks if </a:t>
+            </a:r>
+            <a:r>
+              <a:rPr lang="en-US" i="1" dirty="0"/>
+              <a:t>at least one</a:t>
+            </a:r>
+            <a:r>
+              <a:rPr lang="en-US" dirty="0"/>
+              <a:t> element in an array passed a test</a:t>
+            </a:r>
+          </a:p>
+          <a:p>
+            <a:r>
+              <a:rPr lang="en-US" dirty="0"/>
+              <a:t>Returns a </a:t>
+            </a:r>
+            <a:r>
+              <a:rPr lang="en-US" dirty="0" err="1"/>
+              <a:t>boolean</a:t>
+            </a:r>
+            <a:endParaRPr lang="en-US" dirty="0"/>
+          </a:p>
+        </p:txBody>
+      </p:sp>
+      <p:pic>
+        <p:nvPicPr>
+          <p:cNvPr id="5" name="Picture 4">
+            <a:extLst>
+              <a:ext uri="{FF2B5EF4-FFF2-40B4-BE49-F238E27FC236}">
+                <a16:creationId xmlns:a16="http://schemas.microsoft.com/office/drawing/2014/main" id="{B230C027-75CC-4B41-BDFA-36790EAA260A}"/>
+              </a:ext>
+            </a:extLst>
+          </p:cNvPr>
+          <p:cNvPicPr>
+            <a:picLocks noChangeAspect="1"/>
+          </p:cNvPicPr>
+          <p:nvPr/>
+        </p:nvPicPr>
+        <p:blipFill>
+          <a:blip r:embed="rId2">
+            <a:extLst>
+              <a:ext uri="{28A0092B-C50C-407E-A947-70E740481C1C}">
+                <a14:useLocalDpi xmlns:a14="http://schemas.microsoft.com/office/drawing/2010/main" val="0"/>
+              </a:ext>
+            </a:extLst>
+          </a:blip>
+          <a:stretch>
+            <a:fillRect/>
+          </a:stretch>
+        </p:blipFill>
+        <p:spPr>
+          <a:xfrm>
+            <a:off x="9212322" y="0"/>
+            <a:ext cx="2979678" cy="2484335"/>
+          </a:xfrm>
+          <a:prstGeom prst="rect">
+            <a:avLst/>
+          </a:prstGeom>
+        </p:spPr>
+      </p:pic>
+      <p:pic>
+        <p:nvPicPr>
+          <p:cNvPr id="7" name="Picture 6">
+            <a:extLst>
+              <a:ext uri="{FF2B5EF4-FFF2-40B4-BE49-F238E27FC236}">
+                <a16:creationId xmlns:a16="http://schemas.microsoft.com/office/drawing/2014/main" id="{E924ACA3-1448-4A44-8B8B-7F894353EBDA}"/>
+              </a:ext>
+            </a:extLst>
+          </p:cNvPr>
+          <p:cNvPicPr>
+            <a:picLocks noChangeAspect="1"/>
+          </p:cNvPicPr>
+          <p:nvPr/>
+        </p:nvPicPr>
+        <p:blipFill>
+          <a:blip r:embed="rId3">
+            <a:extLst>
+              <a:ext uri="{28A0092B-C50C-407E-A947-70E740481C1C}">
+                <a14:useLocalDpi xmlns:a14="http://schemas.microsoft.com/office/drawing/2010/main" val="0"/>
+              </a:ext>
+            </a:extLst>
+          </a:blip>
+          <a:stretch>
+            <a:fillRect/>
+          </a:stretch>
+        </p:blipFill>
+        <p:spPr>
+          <a:xfrm>
+            <a:off x="8808427" y="5029042"/>
+            <a:ext cx="3383573" cy="1828958"/>
+          </a:xfrm>
+          <a:prstGeom prst="rect">
+            <a:avLst/>
+          </a:prstGeom>
+        </p:spPr>
+      </p:pic>
+    </p:spTree>
+    <p:extLst>
+      <p:ext uri="{BB962C8B-B14F-4D97-AF65-F5344CB8AC3E}">
+        <p14:creationId xmlns:p14="http://schemas.microsoft.com/office/powerpoint/2010/main" val="37858105"/>
+      </p:ext>
+    </p:extLst>
+  </p:cSld>
+  <p:clrMapOvr>
+    <a:masterClrMapping/>
+  </p:clrMapOvr>
+</p:sld>
+</file>
+
+<file path=ppt/slides/slide37.xml><?xml version="1.0" encoding="utf-8"?>
+<p:sld xmlns:a="http://schemas.openxmlformats.org/drawingml/2006/main" xmlns:r="http://schemas.openxmlformats.org/officeDocument/2006/relationships" xmlns:p="http://schemas.openxmlformats.org/presentationml/2006/main">
+  <p:cSld>
+    <p:spTree>
+      <p:nvGrpSpPr>
+        <p:cNvPr id="1" name=""/>
+        <p:cNvGrpSpPr/>
+        <p:nvPr/>
+      </p:nvGrpSpPr>
+      <p:grpSpPr>
+        <a:xfrm>
+          <a:off x="0" y="0"/>
+          <a:ext cx="0" cy="0"/>
+          <a:chOff x="0" y="0"/>
+          <a:chExt cx="0" cy="0"/>
+        </a:xfrm>
+      </p:grpSpPr>
+      <p:sp>
+        <p:nvSpPr>
+          <p:cNvPr id="2" name="Title 1">
+            <a:extLst>
+              <a:ext uri="{FF2B5EF4-FFF2-40B4-BE49-F238E27FC236}">
+                <a16:creationId xmlns:a16="http://schemas.microsoft.com/office/drawing/2014/main" id="{9AECFDCA-6140-48CB-B597-661CB1A6A4E0}"/>
+              </a:ext>
+            </a:extLst>
+          </p:cNvPr>
+          <p:cNvSpPr>
+            <a:spLocks noGrp="1"/>
+          </p:cNvSpPr>
+          <p:nvPr>
+            <p:ph type="title"/>
+          </p:nvPr>
+        </p:nvSpPr>
+        <p:spPr/>
+        <p:txBody>
+          <a:bodyPr/>
+          <a:lstStyle/>
+          <a:p>
+            <a:r>
+              <a:rPr lang="en-US" b="1" i="1" dirty="0" err="1"/>
+              <a:t>indexOf</a:t>
+            </a:r>
+            <a:r>
+              <a:rPr lang="en-US" b="1" i="1" dirty="0"/>
+              <a:t>()</a:t>
+            </a:r>
+          </a:p>
+        </p:txBody>
+      </p:sp>
+      <p:sp>
+        <p:nvSpPr>
+          <p:cNvPr id="3" name="Content Placeholder 2">
+            <a:extLst>
+              <a:ext uri="{FF2B5EF4-FFF2-40B4-BE49-F238E27FC236}">
+                <a16:creationId xmlns:a16="http://schemas.microsoft.com/office/drawing/2014/main" id="{2A75BB0E-38EF-4DCC-9387-CA79EB4246C2}"/>
+              </a:ext>
+            </a:extLst>
+          </p:cNvPr>
+          <p:cNvSpPr>
+            <a:spLocks noGrp="1"/>
+          </p:cNvSpPr>
+          <p:nvPr>
+            <p:ph idx="1"/>
+          </p:nvPr>
+        </p:nvSpPr>
+        <p:spPr/>
+        <p:txBody>
+          <a:bodyPr/>
+          <a:lstStyle/>
+          <a:p>
+            <a:r>
+              <a:rPr lang="en-US" dirty="0"/>
+              <a:t>Does not require a callback function</a:t>
+            </a:r>
+          </a:p>
+          <a:p>
+            <a:r>
+              <a:rPr lang="en-US" dirty="0"/>
+              <a:t>item: parameter of element to search for</a:t>
+            </a:r>
+          </a:p>
+          <a:p>
+            <a:r>
+              <a:rPr lang="en-US" dirty="0"/>
+              <a:t>start: parameter of index to search from (optional)</a:t>
+            </a:r>
+          </a:p>
+          <a:p>
+            <a:r>
+              <a:rPr lang="en-US" dirty="0"/>
+              <a:t>Returns the element, or -1 if not found</a:t>
+            </a:r>
+          </a:p>
+        </p:txBody>
+      </p:sp>
+      <p:pic>
+        <p:nvPicPr>
+          <p:cNvPr id="5" name="Picture 4">
+            <a:extLst>
+              <a:ext uri="{FF2B5EF4-FFF2-40B4-BE49-F238E27FC236}">
+                <a16:creationId xmlns:a16="http://schemas.microsoft.com/office/drawing/2014/main" id="{255E8195-C730-44E5-AD83-D829C055B13D}"/>
+              </a:ext>
+            </a:extLst>
+          </p:cNvPr>
+          <p:cNvPicPr>
+            <a:picLocks noChangeAspect="1"/>
+          </p:cNvPicPr>
+          <p:nvPr/>
+        </p:nvPicPr>
+        <p:blipFill>
+          <a:blip r:embed="rId2">
+            <a:extLst>
+              <a:ext uri="{28A0092B-C50C-407E-A947-70E740481C1C}">
+                <a14:useLocalDpi xmlns:a14="http://schemas.microsoft.com/office/drawing/2010/main" val="0"/>
+              </a:ext>
+            </a:extLst>
+          </a:blip>
+          <a:stretch>
+            <a:fillRect/>
+          </a:stretch>
+        </p:blipFill>
+        <p:spPr>
+          <a:xfrm>
+            <a:off x="7772400" y="4796279"/>
+            <a:ext cx="4419600" cy="2061721"/>
+          </a:xfrm>
+          <a:prstGeom prst="rect">
+            <a:avLst/>
+          </a:prstGeom>
+        </p:spPr>
+      </p:pic>
+    </p:spTree>
+    <p:extLst>
+      <p:ext uri="{BB962C8B-B14F-4D97-AF65-F5344CB8AC3E}">
+        <p14:creationId xmlns:p14="http://schemas.microsoft.com/office/powerpoint/2010/main" val="2814784040"/>
+      </p:ext>
+    </p:extLst>
+  </p:cSld>
+  <p:clrMapOvr>
+    <a:masterClrMapping/>
+  </p:clrMapOvr>
+</p:sld>
+</file>
+
+<file path=ppt/slides/slide38.xml><?xml version="1.0" encoding="utf-8"?>
+<p:sld xmlns:a="http://schemas.openxmlformats.org/drawingml/2006/main" xmlns:r="http://schemas.openxmlformats.org/officeDocument/2006/relationships" xmlns:p="http://schemas.openxmlformats.org/presentationml/2006/main">
+  <p:cSld>
+    <p:spTree>
+      <p:nvGrpSpPr>
+        <p:cNvPr id="1" name=""/>
+        <p:cNvGrpSpPr/>
+        <p:nvPr/>
+      </p:nvGrpSpPr>
+      <p:grpSpPr>
+        <a:xfrm>
+          <a:off x="0" y="0"/>
+          <a:ext cx="0" cy="0"/>
+          <a:chOff x="0" y="0"/>
+          <a:chExt cx="0" cy="0"/>
+        </a:xfrm>
+      </p:grpSpPr>
+      <p:sp>
+        <p:nvSpPr>
+          <p:cNvPr id="2" name="Title 1">
+            <a:extLst>
+              <a:ext uri="{FF2B5EF4-FFF2-40B4-BE49-F238E27FC236}">
+                <a16:creationId xmlns:a16="http://schemas.microsoft.com/office/drawing/2014/main" id="{0EFC357A-219F-491A-85D6-B501339B7484}"/>
+              </a:ext>
+            </a:extLst>
+          </p:cNvPr>
+          <p:cNvSpPr>
+            <a:spLocks noGrp="1"/>
+          </p:cNvSpPr>
+          <p:nvPr>
+            <p:ph type="title"/>
+          </p:nvPr>
+        </p:nvSpPr>
+        <p:spPr/>
+        <p:txBody>
+          <a:bodyPr/>
+          <a:lstStyle/>
+          <a:p>
+            <a:r>
+              <a:rPr lang="en-US" b="1" i="1" dirty="0" err="1"/>
+              <a:t>lastIndexOf</a:t>
+            </a:r>
+            <a:r>
+              <a:rPr lang="en-US" b="1" i="1" dirty="0"/>
+              <a:t>()</a:t>
+            </a:r>
+          </a:p>
+        </p:txBody>
+      </p:sp>
+      <p:sp>
+        <p:nvSpPr>
+          <p:cNvPr id="3" name="Content Placeholder 2">
+            <a:extLst>
+              <a:ext uri="{FF2B5EF4-FFF2-40B4-BE49-F238E27FC236}">
+                <a16:creationId xmlns:a16="http://schemas.microsoft.com/office/drawing/2014/main" id="{3F94BF1F-6E09-4993-93C1-33ECEC82A25B}"/>
+              </a:ext>
+            </a:extLst>
+          </p:cNvPr>
+          <p:cNvSpPr>
+            <a:spLocks noGrp="1"/>
+          </p:cNvSpPr>
+          <p:nvPr>
+            <p:ph idx="1"/>
+          </p:nvPr>
+        </p:nvSpPr>
+        <p:spPr/>
+        <p:txBody>
+          <a:bodyPr/>
+          <a:lstStyle/>
+          <a:p>
+            <a:r>
+              <a:rPr lang="en-US" dirty="0"/>
+              <a:t>Works just like </a:t>
+            </a:r>
+            <a:r>
+              <a:rPr lang="en-US" i="1" dirty="0" err="1"/>
+              <a:t>indexOf</a:t>
+            </a:r>
+            <a:r>
+              <a:rPr lang="en-US" i="1" dirty="0"/>
+              <a:t>()</a:t>
+            </a:r>
+            <a:r>
+              <a:rPr lang="en-US" dirty="0"/>
+              <a:t>, but returns the last occurrence of the </a:t>
+            </a:r>
+            <a:r>
+              <a:rPr lang="en-US" dirty="0" err="1"/>
+              <a:t>searchItem</a:t>
+            </a:r>
+            <a:r>
+              <a:rPr lang="en-US" dirty="0"/>
+              <a:t> instead of the first</a:t>
+            </a:r>
+          </a:p>
+          <a:p>
+            <a:r>
+              <a:rPr lang="en-US" dirty="0"/>
+              <a:t>Also supports optional </a:t>
+            </a:r>
+            <a:r>
+              <a:rPr lang="en-US" dirty="0" err="1"/>
+              <a:t>startIndex</a:t>
+            </a:r>
+            <a:r>
+              <a:rPr lang="en-US" dirty="0"/>
+              <a:t> parameter</a:t>
+            </a:r>
+          </a:p>
+          <a:p>
+            <a:r>
+              <a:rPr lang="en-US" dirty="0"/>
+              <a:t>Returns the element if found, -1 if not found</a:t>
+            </a:r>
+          </a:p>
+        </p:txBody>
+      </p:sp>
+    </p:spTree>
+    <p:extLst>
+      <p:ext uri="{BB962C8B-B14F-4D97-AF65-F5344CB8AC3E}">
+        <p14:creationId xmlns:p14="http://schemas.microsoft.com/office/powerpoint/2010/main" val="4046340396"/>
+      </p:ext>
+    </p:extLst>
+  </p:cSld>
+  <p:clrMapOvr>
+    <a:masterClrMapping/>
+  </p:clrMapOvr>
+</p:sld>
+</file>
+
+<file path=ppt/slides/slide39.xml><?xml version="1.0" encoding="utf-8"?>
+<p:sld xmlns:a="http://schemas.openxmlformats.org/drawingml/2006/main" xmlns:r="http://schemas.openxmlformats.org/officeDocument/2006/relationships" xmlns:p="http://schemas.openxmlformats.org/presentationml/2006/main">
+  <p:cSld>
+    <p:spTree>
+      <p:nvGrpSpPr>
+        <p:cNvPr id="1" name=""/>
+        <p:cNvGrpSpPr/>
+        <p:nvPr/>
+      </p:nvGrpSpPr>
+      <p:grpSpPr>
+        <a:xfrm>
+          <a:off x="0" y="0"/>
+          <a:ext cx="0" cy="0"/>
+          <a:chOff x="0" y="0"/>
+          <a:chExt cx="0" cy="0"/>
+        </a:xfrm>
+      </p:grpSpPr>
+      <p:sp>
+        <p:nvSpPr>
+          <p:cNvPr id="2" name="Title 1">
+            <a:extLst>
+              <a:ext uri="{FF2B5EF4-FFF2-40B4-BE49-F238E27FC236}">
+                <a16:creationId xmlns:a16="http://schemas.microsoft.com/office/drawing/2014/main" id="{9755A29A-0C2C-42C1-AC57-07A2478C61BA}"/>
+              </a:ext>
+            </a:extLst>
+          </p:cNvPr>
+          <p:cNvSpPr>
+            <a:spLocks noGrp="1"/>
+          </p:cNvSpPr>
+          <p:nvPr>
+            <p:ph type="title"/>
+          </p:nvPr>
+        </p:nvSpPr>
+        <p:spPr/>
+        <p:txBody>
+          <a:bodyPr/>
+          <a:lstStyle/>
+          <a:p>
+            <a:r>
+              <a:rPr lang="en-US" b="1" i="1" dirty="0"/>
+              <a:t>find()</a:t>
+            </a:r>
+          </a:p>
+        </p:txBody>
+      </p:sp>
+      <p:sp>
+        <p:nvSpPr>
+          <p:cNvPr id="3" name="Content Placeholder 2">
+            <a:extLst>
+              <a:ext uri="{FF2B5EF4-FFF2-40B4-BE49-F238E27FC236}">
+                <a16:creationId xmlns:a16="http://schemas.microsoft.com/office/drawing/2014/main" id="{BA1166F3-6EB3-4492-BC3A-66B096155CA0}"/>
+              </a:ext>
+            </a:extLst>
+          </p:cNvPr>
+          <p:cNvSpPr>
+            <a:spLocks noGrp="1"/>
+          </p:cNvSpPr>
+          <p:nvPr>
+            <p:ph idx="1"/>
+          </p:nvPr>
+        </p:nvSpPr>
+        <p:spPr/>
+        <p:txBody>
+          <a:bodyPr/>
+          <a:lstStyle/>
+          <a:p>
+            <a:r>
+              <a:rPr lang="en-US" dirty="0"/>
+              <a:t>Returns the first element that passes a test</a:t>
+            </a:r>
+          </a:p>
+          <a:p>
+            <a:r>
+              <a:rPr lang="en-US" dirty="0"/>
+              <a:t>Not supported in older browsers</a:t>
+            </a:r>
+          </a:p>
+          <a:p>
+            <a:endParaRPr lang="en-US" dirty="0"/>
+          </a:p>
+        </p:txBody>
+      </p:sp>
+      <p:pic>
+        <p:nvPicPr>
+          <p:cNvPr id="5" name="Picture 4">
+            <a:extLst>
+              <a:ext uri="{FF2B5EF4-FFF2-40B4-BE49-F238E27FC236}">
+                <a16:creationId xmlns:a16="http://schemas.microsoft.com/office/drawing/2014/main" id="{C1B5EE35-A971-4807-8CDA-712436794C69}"/>
+              </a:ext>
+            </a:extLst>
+          </p:cNvPr>
+          <p:cNvPicPr>
+            <a:picLocks noChangeAspect="1"/>
+          </p:cNvPicPr>
+          <p:nvPr/>
+        </p:nvPicPr>
+        <p:blipFill>
+          <a:blip r:embed="rId2">
+            <a:extLst>
+              <a:ext uri="{28A0092B-C50C-407E-A947-70E740481C1C}">
+                <a14:useLocalDpi xmlns:a14="http://schemas.microsoft.com/office/drawing/2010/main" val="0"/>
+              </a:ext>
+            </a:extLst>
+          </a:blip>
+          <a:stretch>
+            <a:fillRect/>
+          </a:stretch>
+        </p:blipFill>
+        <p:spPr>
+          <a:xfrm>
+            <a:off x="9288528" y="0"/>
+            <a:ext cx="2903472" cy="2530059"/>
+          </a:xfrm>
+          <a:prstGeom prst="rect">
+            <a:avLst/>
+          </a:prstGeom>
+        </p:spPr>
+      </p:pic>
+      <p:pic>
+        <p:nvPicPr>
+          <p:cNvPr id="7" name="Picture 6">
+            <a:extLst>
+              <a:ext uri="{FF2B5EF4-FFF2-40B4-BE49-F238E27FC236}">
+                <a16:creationId xmlns:a16="http://schemas.microsoft.com/office/drawing/2014/main" id="{FFDE2375-1992-4107-A8C7-D08B297ADD23}"/>
+              </a:ext>
+            </a:extLst>
+          </p:cNvPr>
+          <p:cNvPicPr>
+            <a:picLocks noChangeAspect="1"/>
+          </p:cNvPicPr>
+          <p:nvPr/>
+        </p:nvPicPr>
+        <p:blipFill>
+          <a:blip r:embed="rId3">
+            <a:extLst>
+              <a:ext uri="{28A0092B-C50C-407E-A947-70E740481C1C}">
+                <a14:useLocalDpi xmlns:a14="http://schemas.microsoft.com/office/drawing/2010/main" val="0"/>
+              </a:ext>
+            </a:extLst>
+          </a:blip>
+          <a:stretch>
+            <a:fillRect/>
+          </a:stretch>
+        </p:blipFill>
+        <p:spPr>
+          <a:xfrm>
+            <a:off x="7620001" y="5344228"/>
+            <a:ext cx="4572000" cy="1513772"/>
+          </a:xfrm>
+          <a:prstGeom prst="rect">
+            <a:avLst/>
+          </a:prstGeom>
+        </p:spPr>
+      </p:pic>
+    </p:spTree>
+    <p:extLst>
+      <p:ext uri="{BB962C8B-B14F-4D97-AF65-F5344CB8AC3E}">
+        <p14:creationId xmlns:p14="http://schemas.microsoft.com/office/powerpoint/2010/main" val="3596465756"/>
+      </p:ext>
+    </p:extLst>
+  </p:cSld>
+  <p:clrMapOvr>
+    <a:masterClrMapping/>
+  </p:clrMapOvr>
+</p:sld>
+</file>
+
 <file path=ppt/slides/slide4.xml><?xml version="1.0" encoding="utf-8"?>
 <p:sld xmlns:a="http://schemas.openxmlformats.org/drawingml/2006/main" xmlns:r="http://schemas.openxmlformats.org/officeDocument/2006/relationships" xmlns:p="http://schemas.openxmlformats.org/presentationml/2006/main">
   <p:cSld>
@@ -4978,6 +8080,174 @@
     <p:extLst>
       <p:ext uri="{BB962C8B-B14F-4D97-AF65-F5344CB8AC3E}">
         <p14:creationId xmlns:p14="http://schemas.microsoft.com/office/powerpoint/2010/main" val="3806908048"/>
+      </p:ext>
+    </p:extLst>
+  </p:cSld>
+  <p:clrMapOvr>
+    <a:masterClrMapping/>
+  </p:clrMapOvr>
+</p:sld>
+</file>
+
+<file path=ppt/slides/slide40.xml><?xml version="1.0" encoding="utf-8"?>
+<p:sld xmlns:a="http://schemas.openxmlformats.org/drawingml/2006/main" xmlns:r="http://schemas.openxmlformats.org/officeDocument/2006/relationships" xmlns:p="http://schemas.openxmlformats.org/presentationml/2006/main">
+  <p:cSld>
+    <p:spTree>
+      <p:nvGrpSpPr>
+        <p:cNvPr id="1" name=""/>
+        <p:cNvGrpSpPr/>
+        <p:nvPr/>
+      </p:nvGrpSpPr>
+      <p:grpSpPr>
+        <a:xfrm>
+          <a:off x="0" y="0"/>
+          <a:ext cx="0" cy="0"/>
+          <a:chOff x="0" y="0"/>
+          <a:chExt cx="0" cy="0"/>
+        </a:xfrm>
+      </p:grpSpPr>
+      <p:sp>
+        <p:nvSpPr>
+          <p:cNvPr id="2" name="Title 1">
+            <a:extLst>
+              <a:ext uri="{FF2B5EF4-FFF2-40B4-BE49-F238E27FC236}">
+                <a16:creationId xmlns:a16="http://schemas.microsoft.com/office/drawing/2014/main" id="{09439FED-45A2-4D67-BFDE-7A02B35B2EC6}"/>
+              </a:ext>
+            </a:extLst>
+          </p:cNvPr>
+          <p:cNvSpPr>
+            <a:spLocks noGrp="1"/>
+          </p:cNvSpPr>
+          <p:nvPr>
+            <p:ph type="title"/>
+          </p:nvPr>
+        </p:nvSpPr>
+        <p:spPr/>
+        <p:txBody>
+          <a:bodyPr/>
+          <a:lstStyle/>
+          <a:p>
+            <a:r>
+              <a:rPr lang="en-US" b="1" i="1" dirty="0" err="1"/>
+              <a:t>findIndex</a:t>
+            </a:r>
+            <a:r>
+              <a:rPr lang="en-US" b="1" i="1" dirty="0"/>
+              <a:t>()</a:t>
+            </a:r>
+          </a:p>
+        </p:txBody>
+      </p:sp>
+      <p:sp>
+        <p:nvSpPr>
+          <p:cNvPr id="3" name="Content Placeholder 2">
+            <a:extLst>
+              <a:ext uri="{FF2B5EF4-FFF2-40B4-BE49-F238E27FC236}">
+                <a16:creationId xmlns:a16="http://schemas.microsoft.com/office/drawing/2014/main" id="{892E8A2F-CEC5-469E-8C45-E22CB48470FF}"/>
+              </a:ext>
+            </a:extLst>
+          </p:cNvPr>
+          <p:cNvSpPr>
+            <a:spLocks noGrp="1"/>
+          </p:cNvSpPr>
+          <p:nvPr>
+            <p:ph idx="1"/>
+          </p:nvPr>
+        </p:nvSpPr>
+        <p:spPr/>
+        <p:txBody>
+          <a:bodyPr/>
+          <a:lstStyle/>
+          <a:p>
+            <a:r>
+              <a:rPr lang="en-US" dirty="0"/>
+              <a:t>Returns the index of the first element that passes a test</a:t>
+            </a:r>
+          </a:p>
+          <a:p>
+            <a:r>
+              <a:rPr lang="en-US" dirty="0"/>
+              <a:t>Not supported by older browsers</a:t>
+            </a:r>
+          </a:p>
+        </p:txBody>
+      </p:sp>
+      <p:pic>
+        <p:nvPicPr>
+          <p:cNvPr id="5" name="Picture 4">
+            <a:extLst>
+              <a:ext uri="{FF2B5EF4-FFF2-40B4-BE49-F238E27FC236}">
+                <a16:creationId xmlns:a16="http://schemas.microsoft.com/office/drawing/2014/main" id="{E7ACE742-2D2B-451D-99A9-7F0D0F7E70B8}"/>
+              </a:ext>
+            </a:extLst>
+          </p:cNvPr>
+          <p:cNvPicPr>
+            <a:picLocks noChangeAspect="1"/>
+          </p:cNvPicPr>
+          <p:nvPr/>
+        </p:nvPicPr>
+        <p:blipFill>
+          <a:blip r:embed="rId2">
+            <a:extLst>
+              <a:ext uri="{28A0092B-C50C-407E-A947-70E740481C1C}">
+                <a14:useLocalDpi xmlns:a14="http://schemas.microsoft.com/office/drawing/2010/main" val="0"/>
+              </a:ext>
+            </a:extLst>
+          </a:blip>
+          <a:stretch>
+            <a:fillRect/>
+          </a:stretch>
+        </p:blipFill>
+        <p:spPr>
+          <a:xfrm>
+            <a:off x="8838909" y="4327941"/>
+            <a:ext cx="3353091" cy="2530059"/>
+          </a:xfrm>
+          <a:prstGeom prst="rect">
+            <a:avLst/>
+          </a:prstGeom>
+        </p:spPr>
+      </p:pic>
+      <p:pic>
+        <p:nvPicPr>
+          <p:cNvPr id="7" name="Picture 6">
+            <a:extLst>
+              <a:ext uri="{FF2B5EF4-FFF2-40B4-BE49-F238E27FC236}">
+                <a16:creationId xmlns:a16="http://schemas.microsoft.com/office/drawing/2014/main" id="{97426BB6-7B77-4F6E-8767-67C1FC6AA56F}"/>
+              </a:ext>
+            </a:extLst>
+          </p:cNvPr>
+          <p:cNvPicPr>
+            <a:picLocks noChangeAspect="1"/>
+          </p:cNvPicPr>
+          <p:nvPr/>
+        </p:nvPicPr>
+        <p:blipFill>
+          <a:blip r:embed="rId3">
+            <a:extLst>
+              <a:ext uri="{28A0092B-C50C-407E-A947-70E740481C1C}">
+                <a14:useLocalDpi xmlns:a14="http://schemas.microsoft.com/office/drawing/2010/main" val="0"/>
+              </a:ext>
+            </a:extLst>
+          </a:blip>
+          <a:stretch>
+            <a:fillRect/>
+          </a:stretch>
+        </p:blipFill>
+        <p:spPr>
+          <a:xfrm>
+            <a:off x="0" y="5378824"/>
+            <a:ext cx="5247911" cy="1481763"/>
+          </a:xfrm>
+          <a:prstGeom prst="rect">
+            <a:avLst/>
+          </a:prstGeom>
+        </p:spPr>
+      </p:pic>
+    </p:spTree>
+    <p:extLst>
+      <p:ext uri="{BB962C8B-B14F-4D97-AF65-F5344CB8AC3E}">
+        <p14:creationId xmlns:p14="http://schemas.microsoft.com/office/powerpoint/2010/main" val="3885355632"/>
       </p:ext>
     </p:extLst>
   </p:cSld>
@@ -5579,9 +8849,9 @@
 </file>
 
 <file path=ppt/theme/theme1.xml><?xml version="1.0" encoding="utf-8"?>
-<a:theme xmlns:a="http://schemas.openxmlformats.org/drawingml/2006/main" name="Office Theme">
+<a:theme xmlns:a="http://schemas.openxmlformats.org/drawingml/2006/main" name="Gallery">
   <a:themeElements>
-    <a:clrScheme name="Office">
+    <a:clrScheme name="Gallery">
       <a:dk1>
         <a:sysClr val="windowText" lastClr="000000"/>
       </a:dk1>
@@ -5589,39 +8859,39 @@
         <a:sysClr val="window" lastClr="FFFFFF"/>
       </a:lt1>
       <a:dk2>
-        <a:srgbClr val="44546A"/>
+        <a:srgbClr val="454545"/>
       </a:dk2>
       <a:lt2>
-        <a:srgbClr val="E7E6E6"/>
+        <a:srgbClr val="DFDBD5"/>
       </a:lt2>
       <a:accent1>
-        <a:srgbClr val="4472C4"/>
+        <a:srgbClr val="B71E42"/>
       </a:accent1>
       <a:accent2>
-        <a:srgbClr val="ED7D31"/>
+        <a:srgbClr val="DE478E"/>
       </a:accent2>
       <a:accent3>
-        <a:srgbClr val="A5A5A5"/>
+        <a:srgbClr val="BC72F0"/>
       </a:accent3>
       <a:accent4>
-        <a:srgbClr val="FFC000"/>
+        <a:srgbClr val="795FAF"/>
       </a:accent4>
       <a:accent5>
-        <a:srgbClr val="5B9BD5"/>
+        <a:srgbClr val="586EA6"/>
       </a:accent5>
       <a:accent6>
-        <a:srgbClr val="70AD47"/>
+        <a:srgbClr val="6892A0"/>
       </a:accent6>
       <a:hlink>
-        <a:srgbClr val="0563C1"/>
+        <a:srgbClr val="FA2B5C"/>
       </a:hlink>
       <a:folHlink>
-        <a:srgbClr val="954F72"/>
+        <a:srgbClr val="BC658E"/>
       </a:folHlink>
     </a:clrScheme>
-    <a:fontScheme name="Office">
+    <a:fontScheme name="Gallery">
       <a:majorFont>
-        <a:latin typeface="Calibri Light" panose="020F0302020204030204"/>
+        <a:latin typeface="Gill Sans MT" panose="020B0502020104020203"/>
         <a:ea typeface=""/>
         <a:cs typeface=""/>
         <a:font script="Jpan" typeface="游ゴシック Light"/>
@@ -5654,26 +8924,9 @@
         <a:font script="Viet" typeface="Times New Roman"/>
         <a:font script="Uigh" typeface="Microsoft Uighur"/>
         <a:font script="Geor" typeface="Sylfaen"/>
-        <a:font script="Armn" typeface="Arial"/>
-        <a:font script="Bugi" typeface="Leelawadee UI"/>
-        <a:font script="Bopo" typeface="Microsoft JhengHei"/>
-        <a:font script="Java" typeface="Javanese Text"/>
-        <a:font script="Lisu" typeface="Segoe UI"/>
-        <a:font script="Mymr" typeface="Myanmar Text"/>
-        <a:font script="Nkoo" typeface="Ebrima"/>
-        <a:font script="Olck" typeface="Nirmala UI"/>
-        <a:font script="Osma" typeface="Ebrima"/>
-        <a:font script="Phag" typeface="Phagspa"/>
-        <a:font script="Syrn" typeface="Estrangelo Edessa"/>
-        <a:font script="Syrj" typeface="Estrangelo Edessa"/>
-        <a:font script="Syre" typeface="Estrangelo Edessa"/>
-        <a:font script="Sora" typeface="Nirmala UI"/>
-        <a:font script="Tale" typeface="Microsoft Tai Le"/>
-        <a:font script="Talu" typeface="Microsoft New Tai Lue"/>
-        <a:font script="Tfng" typeface="Ebrima"/>
       </a:majorFont>
       <a:minorFont>
-        <a:latin typeface="Calibri" panose="020F0502020204030204"/>
+        <a:latin typeface="Gill Sans MT" panose="020B0502020104020203"/>
         <a:ea typeface=""/>
         <a:cs typeface=""/>
         <a:font script="Jpan" typeface="游ゴシック"/>
@@ -5706,26 +8959,9 @@
         <a:font script="Viet" typeface="Arial"/>
         <a:font script="Uigh" typeface="Microsoft Uighur"/>
         <a:font script="Geor" typeface="Sylfaen"/>
-        <a:font script="Armn" typeface="Arial"/>
-        <a:font script="Bugi" typeface="Leelawadee UI"/>
-        <a:font script="Bopo" typeface="Microsoft JhengHei"/>
-        <a:font script="Java" typeface="Javanese Text"/>
-        <a:font script="Lisu" typeface="Segoe UI"/>
-        <a:font script="Mymr" typeface="Myanmar Text"/>
-        <a:font script="Nkoo" typeface="Ebrima"/>
-        <a:font script="Olck" typeface="Nirmala UI"/>
-        <a:font script="Osma" typeface="Ebrima"/>
-        <a:font script="Phag" typeface="Phagspa"/>
-        <a:font script="Syrn" typeface="Estrangelo Edessa"/>
-        <a:font script="Syrj" typeface="Estrangelo Edessa"/>
-        <a:font script="Syre" typeface="Estrangelo Edessa"/>
-        <a:font script="Sora" typeface="Nirmala UI"/>
-        <a:font script="Tale" typeface="Microsoft Tai Le"/>
-        <a:font script="Talu" typeface="Microsoft New Tai Lue"/>
-        <a:font script="Tfng" typeface="Ebrima"/>
       </a:minorFont>
     </a:fontScheme>
-    <a:fmtScheme name="Office">
+    <a:fmtScheme name="Gallery">
       <a:fillStyleLst>
         <a:solidFill>
           <a:schemeClr val="phClr"/>
@@ -5734,23 +8970,18 @@
           <a:gsLst>
             <a:gs pos="0">
               <a:schemeClr val="phClr">
+                <a:tint val="54000"/>
+                <a:alpha val="100000"/>
+                <a:satMod val="105000"/>
                 <a:lumMod val="110000"/>
-                <a:satMod val="105000"/>
-                <a:tint val="67000"/>
-              </a:schemeClr>
-            </a:gs>
-            <a:gs pos="50000">
-              <a:schemeClr val="phClr">
-                <a:lumMod val="105000"/>
-                <a:satMod val="103000"/>
-                <a:tint val="73000"/>
               </a:schemeClr>
             </a:gs>
             <a:gs pos="100000">
               <a:schemeClr val="phClr">
-                <a:lumMod val="105000"/>
+                <a:tint val="78000"/>
+                <a:alpha val="92000"/>
                 <a:satMod val="109000"/>
-                <a:tint val="81000"/>
+                <a:lumMod val="100000"/>
               </a:schemeClr>
             </a:gs>
           </a:gsLst>
@@ -5760,23 +8991,23 @@
           <a:gsLst>
             <a:gs pos="0">
               <a:schemeClr val="phClr">
-                <a:satMod val="103000"/>
-                <a:lumMod val="102000"/>
-                <a:tint val="94000"/>
+                <a:tint val="98000"/>
+                <a:satMod val="110000"/>
+                <a:lumMod val="104000"/>
               </a:schemeClr>
             </a:gs>
-            <a:gs pos="50000">
+            <a:gs pos="69000">
               <a:schemeClr val="phClr">
-                <a:satMod val="110000"/>
-                <a:lumMod val="100000"/>
-                <a:shade val="100000"/>
+                <a:shade val="88000"/>
+                <a:satMod val="130000"/>
+                <a:lumMod val="92000"/>
               </a:schemeClr>
             </a:gs>
             <a:gs pos="100000">
               <a:schemeClr val="phClr">
-                <a:lumMod val="99000"/>
-                <a:satMod val="120000"/>
                 <a:shade val="78000"/>
+                <a:satMod val="130000"/>
+                <a:lumMod val="92000"/>
               </a:schemeClr>
             </a:gs>
           </a:gsLst>
@@ -5784,26 +9015,23 @@
         </a:gradFill>
       </a:fillStyleLst>
       <a:lnStyleLst>
-        <a:ln w="6350" cap="flat" cmpd="sng" algn="ctr">
+        <a:ln w="9525" cap="flat" cmpd="sng" algn="ctr">
           <a:solidFill>
             <a:schemeClr val="phClr"/>
           </a:solidFill>
           <a:prstDash val="solid"/>
-          <a:miter lim="800000"/>
         </a:ln>
-        <a:ln w="12700" cap="flat" cmpd="sng" algn="ctr">
+        <a:ln w="15875" cap="flat" cmpd="sng" algn="ctr">
           <a:solidFill>
             <a:schemeClr val="phClr"/>
           </a:solidFill>
           <a:prstDash val="solid"/>
-          <a:miter lim="800000"/>
         </a:ln>
-        <a:ln w="19050" cap="flat" cmpd="sng" algn="ctr">
+        <a:ln w="22225" cap="flat" cmpd="sng" algn="ctr">
           <a:solidFill>
             <a:schemeClr val="phClr"/>
           </a:solidFill>
           <a:prstDash val="solid"/>
-          <a:miter lim="800000"/>
         </a:ln>
       </a:lnStyleLst>
       <a:effectStyleLst>
@@ -5815,12 +9043,23 @@
         </a:effectStyle>
         <a:effectStyle>
           <a:effectLst>
-            <a:outerShdw blurRad="57150" dist="19050" dir="5400000" algn="ctr" rotWithShape="0">
+            <a:outerShdw blurRad="50800" dist="50800" dir="5400000" sx="96000" sy="96000" rotWithShape="0">
               <a:srgbClr val="000000">
-                <a:alpha val="63000"/>
+                <a:alpha val="48000"/>
               </a:srgbClr>
             </a:outerShdw>
           </a:effectLst>
+          <a:scene3d>
+            <a:camera prst="orthographicFront">
+              <a:rot lat="0" lon="0" rev="0"/>
+            </a:camera>
+            <a:lightRig rig="balanced" dir="t">
+              <a:rot lat="0" lon="0" rev="1080000"/>
+            </a:lightRig>
+          </a:scene3d>
+          <a:sp3d>
+            <a:bevelT w="38100" h="12700" prst="softRound"/>
+          </a:sp3d>
         </a:effectStyle>
       </a:effectStyleLst>
       <a:bgFillStyleLst>
@@ -5828,37 +9067,26 @@
           <a:schemeClr val="phClr"/>
         </a:solidFill>
         <a:solidFill>
-          <a:schemeClr val="phClr">
-            <a:tint val="95000"/>
-            <a:satMod val="170000"/>
-          </a:schemeClr>
+          <a:schemeClr val="phClr"/>
         </a:solidFill>
         <a:gradFill rotWithShape="1">
           <a:gsLst>
             <a:gs pos="0">
               <a:schemeClr val="phClr">
-                <a:tint val="93000"/>
-                <a:satMod val="150000"/>
-                <a:shade val="98000"/>
-                <a:lumMod val="102000"/>
-              </a:schemeClr>
-            </a:gs>
-            <a:gs pos="50000">
-              <a:schemeClr val="phClr">
-                <a:tint val="98000"/>
-                <a:satMod val="130000"/>
-                <a:shade val="90000"/>
-                <a:lumMod val="103000"/>
+                <a:tint val="94000"/>
+                <a:satMod val="80000"/>
+                <a:lumMod val="106000"/>
               </a:schemeClr>
             </a:gs>
             <a:gs pos="100000">
               <a:schemeClr val="phClr">
-                <a:shade val="63000"/>
-                <a:satMod val="120000"/>
+                <a:shade val="80000"/>
               </a:schemeClr>
             </a:gs>
           </a:gsLst>
-          <a:lin ang="5400000" scaled="0"/>
+          <a:path path="circle">
+            <a:fillToRect l="43000" r="43000" b="100000"/>
+          </a:path>
         </a:gradFill>
       </a:bgFillStyleLst>
     </a:fmtScheme>
@@ -5867,7 +9095,7 @@
   <a:extraClrSchemeLst/>
   <a:extLst>
     <a:ext uri="{05A4C25C-085E-4340-85A3-A5531E510DB2}">
-      <thm15:themeFamily xmlns:thm15="http://schemas.microsoft.com/office/thememl/2012/main" name="Office Theme" id="{62F939B6-93AF-4DB8-9C6B-D6C7DFDC589F}" vid="{4A3C46E8-61CC-4603-A589-7422A47A8E4A}"/>
+      <thm15:themeFamily xmlns:thm15="http://schemas.microsoft.com/office/thememl/2012/main" name="Gallery" id="{BBFCD31E-59A1-489D-B089-A3EAD7CAE12E}" vid="{F5E91637-A7B6-4E27-B710-77DA7014EE1E}"/>
     </a:ext>
   </a:extLst>
 </a:theme>
